--- a/assets/file/buku_petunjuk_rkbu.pptx
+++ b/assets/file/buku_petunjuk_rkbu.pptx
@@ -2,7 +2,7 @@
 <file path=ppt/presentation.xml><?xml version="1.0" encoding="utf-8"?>
 <p:presentation xmlns:a="http://schemas.openxmlformats.org/drawingml/2006/main" xmlns:r="http://schemas.openxmlformats.org/officeDocument/2006/relationships" xmlns:p="http://schemas.openxmlformats.org/presentationml/2006/main" saveSubsetFonts="1">
   <p:sldMasterIdLst>
-    <p:sldMasterId id="2147483720" r:id="rId1"/>
+    <p:sldMasterId id="2147483761" r:id="rId1"/>
   </p:sldMasterIdLst>
   <p:sldIdLst>
     <p:sldId id="256" r:id="rId2"/>
@@ -11,10 +11,11 @@
     <p:sldId id="259" r:id="rId5"/>
     <p:sldId id="260" r:id="rId6"/>
     <p:sldId id="265" r:id="rId7"/>
-    <p:sldId id="261" r:id="rId8"/>
-    <p:sldId id="262" r:id="rId9"/>
-    <p:sldId id="263" r:id="rId10"/>
-    <p:sldId id="264" r:id="rId11"/>
+    <p:sldId id="262" r:id="rId8"/>
+    <p:sldId id="263" r:id="rId9"/>
+    <p:sldId id="266" r:id="rId10"/>
+    <p:sldId id="267" r:id="rId11"/>
+    <p:sldId id="264" r:id="rId12"/>
   </p:sldIdLst>
   <p:sldSz cx="12192000" cy="6858000"/>
   <p:notesSz cx="6858000" cy="9144000"/>
@@ -22,7 +23,7 @@
     <a:defPPr>
       <a:defRPr lang="en-US"/>
     </a:defPPr>
-    <a:lvl1pPr marL="0" algn="l" defTabSz="914400" rtl="0" eaLnBrk="1" latinLnBrk="0" hangingPunct="1">
+    <a:lvl1pPr marL="0" algn="l" defTabSz="457200" rtl="0" eaLnBrk="1" latinLnBrk="0" hangingPunct="1">
       <a:defRPr sz="1800" kern="1200">
         <a:solidFill>
           <a:schemeClr val="tx1"/>
@@ -32,7 +33,7 @@
         <a:cs typeface="+mn-cs"/>
       </a:defRPr>
     </a:lvl1pPr>
-    <a:lvl2pPr marL="457200" algn="l" defTabSz="914400" rtl="0" eaLnBrk="1" latinLnBrk="0" hangingPunct="1">
+    <a:lvl2pPr marL="457200" algn="l" defTabSz="457200" rtl="0" eaLnBrk="1" latinLnBrk="0" hangingPunct="1">
       <a:defRPr sz="1800" kern="1200">
         <a:solidFill>
           <a:schemeClr val="tx1"/>
@@ -42,7 +43,7 @@
         <a:cs typeface="+mn-cs"/>
       </a:defRPr>
     </a:lvl2pPr>
-    <a:lvl3pPr marL="914400" algn="l" defTabSz="914400" rtl="0" eaLnBrk="1" latinLnBrk="0" hangingPunct="1">
+    <a:lvl3pPr marL="914400" algn="l" defTabSz="457200" rtl="0" eaLnBrk="1" latinLnBrk="0" hangingPunct="1">
       <a:defRPr sz="1800" kern="1200">
         <a:solidFill>
           <a:schemeClr val="tx1"/>
@@ -52,7 +53,7 @@
         <a:cs typeface="+mn-cs"/>
       </a:defRPr>
     </a:lvl3pPr>
-    <a:lvl4pPr marL="1371600" algn="l" defTabSz="914400" rtl="0" eaLnBrk="1" latinLnBrk="0" hangingPunct="1">
+    <a:lvl4pPr marL="1371600" algn="l" defTabSz="457200" rtl="0" eaLnBrk="1" latinLnBrk="0" hangingPunct="1">
       <a:defRPr sz="1800" kern="1200">
         <a:solidFill>
           <a:schemeClr val="tx1"/>
@@ -62,7 +63,7 @@
         <a:cs typeface="+mn-cs"/>
       </a:defRPr>
     </a:lvl4pPr>
-    <a:lvl5pPr marL="1828800" algn="l" defTabSz="914400" rtl="0" eaLnBrk="1" latinLnBrk="0" hangingPunct="1">
+    <a:lvl5pPr marL="1828800" algn="l" defTabSz="457200" rtl="0" eaLnBrk="1" latinLnBrk="0" hangingPunct="1">
       <a:defRPr sz="1800" kern="1200">
         <a:solidFill>
           <a:schemeClr val="tx1"/>
@@ -72,7 +73,7 @@
         <a:cs typeface="+mn-cs"/>
       </a:defRPr>
     </a:lvl5pPr>
-    <a:lvl6pPr marL="2286000" algn="l" defTabSz="914400" rtl="0" eaLnBrk="1" latinLnBrk="0" hangingPunct="1">
+    <a:lvl6pPr marL="2286000" algn="l" defTabSz="457200" rtl="0" eaLnBrk="1" latinLnBrk="0" hangingPunct="1">
       <a:defRPr sz="1800" kern="1200">
         <a:solidFill>
           <a:schemeClr val="tx1"/>
@@ -82,7 +83,7 @@
         <a:cs typeface="+mn-cs"/>
       </a:defRPr>
     </a:lvl6pPr>
-    <a:lvl7pPr marL="2743200" algn="l" defTabSz="914400" rtl="0" eaLnBrk="1" latinLnBrk="0" hangingPunct="1">
+    <a:lvl7pPr marL="2743200" algn="l" defTabSz="457200" rtl="0" eaLnBrk="1" latinLnBrk="0" hangingPunct="1">
       <a:defRPr sz="1800" kern="1200">
         <a:solidFill>
           <a:schemeClr val="tx1"/>
@@ -92,7 +93,7 @@
         <a:cs typeface="+mn-cs"/>
       </a:defRPr>
     </a:lvl7pPr>
-    <a:lvl8pPr marL="3200400" algn="l" defTabSz="914400" rtl="0" eaLnBrk="1" latinLnBrk="0" hangingPunct="1">
+    <a:lvl8pPr marL="3200400" algn="l" defTabSz="457200" rtl="0" eaLnBrk="1" latinLnBrk="0" hangingPunct="1">
       <a:defRPr sz="1800" kern="1200">
         <a:solidFill>
           <a:schemeClr val="tx1"/>
@@ -102,7 +103,7 @@
         <a:cs typeface="+mn-cs"/>
       </a:defRPr>
     </a:lvl8pPr>
-    <a:lvl9pPr marL="3657600" algn="l" defTabSz="914400" rtl="0" eaLnBrk="1" latinLnBrk="0" hangingPunct="1">
+    <a:lvl9pPr marL="3657600" algn="l" defTabSz="457200" rtl="0" eaLnBrk="1" latinLnBrk="0" hangingPunct="1">
       <a:defRPr sz="1800" kern="1200">
         <a:solidFill>
           <a:schemeClr val="tx1"/>
@@ -150,23 +151,25 @@
         </p:nvSpPr>
         <p:spPr>
           <a:xfrm>
-            <a:off x="1524000" y="1122363"/>
-            <a:ext cx="9144000" cy="2387600"/>
-          </a:xfrm>
-        </p:spPr>
-        <p:txBody>
-          <a:bodyPr anchor="b"/>
+            <a:off x="1128403" y="945913"/>
+            <a:ext cx="8637073" cy="2618554"/>
+          </a:xfrm>
+        </p:spPr>
+        <p:txBody>
+          <a:bodyPr bIns="0" anchor="b">
+            <a:normAutofit/>
+          </a:bodyPr>
           <a:lstStyle>
-            <a:lvl1pPr algn="ctr">
-              <a:defRPr sz="6000"/>
+            <a:lvl1pPr algn="l">
+              <a:defRPr sz="6600"/>
             </a:lvl1pPr>
           </a:lstStyle>
           <a:p>
             <a:r>
-              <a:rPr lang="en-US" smtClean="0"/>
+              <a:rPr lang="en-US"/>
               <a:t>Click to edit Master title style</a:t>
             </a:r>
-            <a:endParaRPr lang="en-GB"/>
+            <a:endParaRPr lang="en-US" dirty="0"/>
           </a:p>
         </p:txBody>
       </p:sp>
@@ -182,20 +185,26 @@
         </p:nvSpPr>
         <p:spPr>
           <a:xfrm>
-            <a:off x="1524000" y="3602038"/>
-            <a:ext cx="9144000" cy="1655762"/>
-          </a:xfrm>
-        </p:spPr>
-        <p:txBody>
-          <a:bodyPr/>
+            <a:off x="1128404" y="3564467"/>
+            <a:ext cx="8637072" cy="1071095"/>
+          </a:xfrm>
+        </p:spPr>
+        <p:txBody>
+          <a:bodyPr tIns="91440" bIns="91440">
+            <a:normAutofit/>
+          </a:bodyPr>
           <a:lstStyle>
-            <a:lvl1pPr marL="0" indent="0" algn="ctr">
+            <a:lvl1pPr marL="0" indent="0" algn="l">
               <a:buNone/>
-              <a:defRPr sz="2400"/>
+              <a:defRPr sz="1800" b="0">
+                <a:solidFill>
+                  <a:schemeClr val="tx1"/>
+                </a:solidFill>
+              </a:defRPr>
             </a:lvl1pPr>
             <a:lvl2pPr marL="457200" indent="0" algn="ctr">
               <a:buNone/>
-              <a:defRPr sz="2000"/>
+              <a:defRPr sz="1800"/>
             </a:lvl2pPr>
             <a:lvl3pPr marL="914400" indent="0" algn="ctr">
               <a:buNone/>
@@ -228,10 +237,10 @@
           </a:lstStyle>
           <a:p>
             <a:r>
-              <a:rPr lang="en-US" smtClean="0"/>
+              <a:rPr lang="en-US"/>
               <a:t>Click to edit Master subtitle style</a:t>
             </a:r>
-            <a:endParaRPr lang="en-GB"/>
+            <a:endParaRPr lang="en-US" dirty="0"/>
           </a:p>
         </p:txBody>
       </p:sp>
@@ -252,7 +261,7 @@
           <a:p>
             <a:fld id="{D141DDD6-20F4-44A4-B5AF-F3306E81E3FC}" type="datetimeFigureOut">
               <a:rPr lang="en-GB" smtClean="0"/>
-              <a:t>30/03/2021</a:t>
+              <a:t>03/02/2023</a:t>
             </a:fld>
             <a:endParaRPr lang="en-GB"/>
           </a:p>
@@ -268,7 +277,12 @@
             <p:ph type="ftr" sz="quarter" idx="11"/>
           </p:nvPr>
         </p:nvSpPr>
-        <p:spPr/>
+        <p:spPr>
+          <a:xfrm>
+            <a:off x="1127124" y="329307"/>
+            <a:ext cx="5943668" cy="309201"/>
+          </a:xfrm>
+        </p:spPr>
         <p:txBody>
           <a:bodyPr/>
           <a:lstStyle/>
@@ -287,7 +301,12 @@
             <p:ph type="sldNum" sz="quarter" idx="12"/>
           </p:nvPr>
         </p:nvSpPr>
-        <p:spPr/>
+        <p:spPr>
+          <a:xfrm>
+            <a:off x="9924392" y="134930"/>
+            <a:ext cx="811019" cy="503578"/>
+          </a:xfrm>
+        </p:spPr>
         <p:txBody>
           <a:bodyPr/>
           <a:lstStyle/>
@@ -300,10 +319,50 @@
           </a:p>
         </p:txBody>
       </p:sp>
+      <p:pic>
+        <p:nvPicPr>
+          <p:cNvPr id="16" name="Picture 15" descr="RedHashing.emf"/>
+          <p:cNvPicPr>
+            <a:picLocks/>
+          </p:cNvPicPr>
+          <p:nvPr/>
+        </p:nvPicPr>
+        <p:blipFill rotWithShape="1">
+          <a:blip r:embed="rId2">
+            <a:duotone>
+              <a:schemeClr val="accent1">
+                <a:shade val="45000"/>
+                <a:satMod val="135000"/>
+              </a:schemeClr>
+              <a:prstClr val="white"/>
+            </a:duotone>
+            <a:extLst>
+              <a:ext uri="{28A0092B-C50C-407E-A947-70E740481C1C}">
+                <a14:useLocalDpi xmlns:a14="http://schemas.microsoft.com/office/drawing/2010/main" val="0"/>
+              </a:ext>
+            </a:extLst>
+          </a:blip>
+          <a:srcRect l="-115" r="15828" b="36435"/>
+          <a:stretch/>
+        </p:blipFill>
+        <p:spPr>
+          <a:xfrm>
+            <a:off x="1125460" y="643464"/>
+            <a:ext cx="9610344" cy="155448"/>
+          </a:xfrm>
+          <a:prstGeom prst="rect">
+            <a:avLst/>
+          </a:prstGeom>
+          <a:noFill/>
+          <a:ln>
+            <a:noFill/>
+          </a:ln>
+        </p:spPr>
+      </p:pic>
     </p:spTree>
     <p:extLst>
       <p:ext uri="{BB962C8B-B14F-4D97-AF65-F5344CB8AC3E}">
-        <p14:creationId xmlns:p14="http://schemas.microsoft.com/office/powerpoint/2010/main" val="4166187914"/>
+        <p14:creationId xmlns:p14="http://schemas.microsoft.com/office/powerpoint/2010/main" val="1583878115"/>
       </p:ext>
     </p:extLst>
   </p:cSld>
@@ -346,10 +405,10 @@
           <a:lstStyle/>
           <a:p>
             <a:r>
-              <a:rPr lang="en-US" smtClean="0"/>
+              <a:rPr lang="en-US"/>
               <a:t>Click to edit Master title style</a:t>
             </a:r>
-            <a:endParaRPr lang="en-GB"/>
+            <a:endParaRPr lang="en-US" dirty="0"/>
           </a:p>
         </p:txBody>
       </p:sp>
@@ -370,38 +429,38 @@
           <a:p>
             <a:pPr lvl="0"/>
             <a:r>
-              <a:rPr lang="en-US" smtClean="0"/>
-              <a:t>Edit Master text styles</a:t>
+              <a:rPr lang="en-US"/>
+              <a:t>Click to edit Master text styles</a:t>
             </a:r>
           </a:p>
           <a:p>
             <a:pPr lvl="1"/>
             <a:r>
-              <a:rPr lang="en-US" smtClean="0"/>
+              <a:rPr lang="en-US"/>
               <a:t>Second level</a:t>
             </a:r>
           </a:p>
           <a:p>
             <a:pPr lvl="2"/>
             <a:r>
-              <a:rPr lang="en-US" smtClean="0"/>
+              <a:rPr lang="en-US"/>
               <a:t>Third level</a:t>
             </a:r>
           </a:p>
           <a:p>
             <a:pPr lvl="3"/>
             <a:r>
-              <a:rPr lang="en-US" smtClean="0"/>
+              <a:rPr lang="en-US"/>
               <a:t>Fourth level</a:t>
             </a:r>
           </a:p>
           <a:p>
             <a:pPr lvl="4"/>
             <a:r>
-              <a:rPr lang="en-US" smtClean="0"/>
+              <a:rPr lang="en-US"/>
               <a:t>Fifth level</a:t>
             </a:r>
-            <a:endParaRPr lang="en-GB"/>
+            <a:endParaRPr lang="en-US" dirty="0"/>
           </a:p>
         </p:txBody>
       </p:sp>
@@ -422,7 +481,7 @@
           <a:p>
             <a:fld id="{D141DDD6-20F4-44A4-B5AF-F3306E81E3FC}" type="datetimeFigureOut">
               <a:rPr lang="en-GB" smtClean="0"/>
-              <a:t>30/03/2021</a:t>
+              <a:t>03/02/2023</a:t>
             </a:fld>
             <a:endParaRPr lang="en-GB"/>
           </a:p>
@@ -470,10 +529,50 @@
           </a:p>
         </p:txBody>
       </p:sp>
+      <p:pic>
+        <p:nvPicPr>
+          <p:cNvPr id="15" name="Picture 14" descr="RedHashing.emf"/>
+          <p:cNvPicPr>
+            <a:picLocks/>
+          </p:cNvPicPr>
+          <p:nvPr/>
+        </p:nvPicPr>
+        <p:blipFill rotWithShape="1">
+          <a:blip r:embed="rId2">
+            <a:duotone>
+              <a:schemeClr val="accent1">
+                <a:shade val="45000"/>
+                <a:satMod val="135000"/>
+              </a:schemeClr>
+              <a:prstClr val="white"/>
+            </a:duotone>
+            <a:extLst>
+              <a:ext uri="{28A0092B-C50C-407E-A947-70E740481C1C}">
+                <a14:useLocalDpi xmlns:a14="http://schemas.microsoft.com/office/drawing/2010/main" val="0"/>
+              </a:ext>
+            </a:extLst>
+          </a:blip>
+          <a:srcRect l="-115" r="15828" b="36435"/>
+          <a:stretch/>
+        </p:blipFill>
+        <p:spPr>
+          <a:xfrm>
+            <a:off x="1125460" y="643464"/>
+            <a:ext cx="9610344" cy="155448"/>
+          </a:xfrm>
+          <a:prstGeom prst="rect">
+            <a:avLst/>
+          </a:prstGeom>
+          <a:noFill/>
+          <a:ln>
+            <a:noFill/>
+          </a:ln>
+        </p:spPr>
+      </p:pic>
     </p:spTree>
     <p:extLst>
       <p:ext uri="{BB962C8B-B14F-4D97-AF65-F5344CB8AC3E}">
-        <p14:creationId xmlns:p14="http://schemas.microsoft.com/office/powerpoint/2010/main" val="372131441"/>
+        <p14:creationId xmlns:p14="http://schemas.microsoft.com/office/powerpoint/2010/main" val="443373248"/>
       </p:ext>
     </p:extLst>
   </p:cSld>
@@ -512,19 +611,23 @@
         </p:nvSpPr>
         <p:spPr>
           <a:xfrm>
-            <a:off x="8724900" y="365125"/>
-            <a:ext cx="2628900" cy="5811838"/>
+            <a:off x="9124709" y="798973"/>
+            <a:ext cx="1615742" cy="4659889"/>
           </a:xfrm>
         </p:spPr>
         <p:txBody>
           <a:bodyPr vert="eaVert"/>
-          <a:lstStyle/>
-          <a:p>
-            <a:r>
-              <a:rPr lang="en-US" smtClean="0"/>
+          <a:lstStyle>
+            <a:lvl1pPr algn="l">
+              <a:defRPr/>
+            </a:lvl1pPr>
+          </a:lstStyle>
+          <a:p>
+            <a:r>
+              <a:rPr lang="en-US"/>
               <a:t>Click to edit Master title style</a:t>
             </a:r>
-            <a:endParaRPr lang="en-GB"/>
+            <a:endParaRPr lang="en-US" dirty="0"/>
           </a:p>
         </p:txBody>
       </p:sp>
@@ -540,8 +643,8 @@
         </p:nvSpPr>
         <p:spPr>
           <a:xfrm>
-            <a:off x="838200" y="365125"/>
-            <a:ext cx="7734300" cy="5811838"/>
+            <a:off x="1130270" y="798973"/>
+            <a:ext cx="7828830" cy="4659889"/>
           </a:xfrm>
         </p:spPr>
         <p:txBody>
@@ -550,38 +653,38 @@
           <a:p>
             <a:pPr lvl="0"/>
             <a:r>
-              <a:rPr lang="en-US" smtClean="0"/>
-              <a:t>Edit Master text styles</a:t>
+              <a:rPr lang="en-US"/>
+              <a:t>Click to edit Master text styles</a:t>
             </a:r>
           </a:p>
           <a:p>
             <a:pPr lvl="1"/>
             <a:r>
-              <a:rPr lang="en-US" smtClean="0"/>
+              <a:rPr lang="en-US"/>
               <a:t>Second level</a:t>
             </a:r>
           </a:p>
           <a:p>
             <a:pPr lvl="2"/>
             <a:r>
-              <a:rPr lang="en-US" smtClean="0"/>
+              <a:rPr lang="en-US"/>
               <a:t>Third level</a:t>
             </a:r>
           </a:p>
           <a:p>
             <a:pPr lvl="3"/>
             <a:r>
-              <a:rPr lang="en-US" smtClean="0"/>
+              <a:rPr lang="en-US"/>
               <a:t>Fourth level</a:t>
             </a:r>
           </a:p>
           <a:p>
             <a:pPr lvl="4"/>
             <a:r>
-              <a:rPr lang="en-US" smtClean="0"/>
+              <a:rPr lang="en-US"/>
               <a:t>Fifth level</a:t>
             </a:r>
-            <a:endParaRPr lang="en-GB"/>
+            <a:endParaRPr lang="en-US" dirty="0"/>
           </a:p>
         </p:txBody>
       </p:sp>
@@ -602,7 +705,7 @@
           <a:p>
             <a:fld id="{D141DDD6-20F4-44A4-B5AF-F3306E81E3FC}" type="datetimeFigureOut">
               <a:rPr lang="en-GB" smtClean="0"/>
-              <a:t>30/03/2021</a:t>
+              <a:t>03/02/2023</a:t>
             </a:fld>
             <a:endParaRPr lang="en-GB"/>
           </a:p>
@@ -650,10 +753,50 @@
           </a:p>
         </p:txBody>
       </p:sp>
+      <p:pic>
+        <p:nvPicPr>
+          <p:cNvPr id="17" name="Picture 16" descr="RedHashing.emf"/>
+          <p:cNvPicPr>
+            <a:picLocks/>
+          </p:cNvPicPr>
+          <p:nvPr/>
+        </p:nvPicPr>
+        <p:blipFill rotWithShape="1">
+          <a:blip r:embed="rId2">
+            <a:duotone>
+              <a:schemeClr val="accent1">
+                <a:shade val="45000"/>
+                <a:satMod val="135000"/>
+              </a:schemeClr>
+              <a:prstClr val="white"/>
+            </a:duotone>
+            <a:extLst>
+              <a:ext uri="{28A0092B-C50C-407E-A947-70E740481C1C}">
+                <a14:useLocalDpi xmlns:a14="http://schemas.microsoft.com/office/drawing/2010/main" val="0"/>
+              </a:ext>
+            </a:extLst>
+          </a:blip>
+          <a:srcRect l="-115" r="59215" b="36435"/>
+          <a:stretch/>
+        </p:blipFill>
+        <p:spPr>
+          <a:xfrm rot="5400000">
+            <a:off x="8642279" y="3046916"/>
+            <a:ext cx="4663440" cy="155448"/>
+          </a:xfrm>
+          <a:prstGeom prst="rect">
+            <a:avLst/>
+          </a:prstGeom>
+          <a:noFill/>
+          <a:ln>
+            <a:noFill/>
+          </a:ln>
+        </p:spPr>
+      </p:pic>
     </p:spTree>
     <p:extLst>
       <p:ext uri="{BB962C8B-B14F-4D97-AF65-F5344CB8AC3E}">
-        <p14:creationId xmlns:p14="http://schemas.microsoft.com/office/powerpoint/2010/main" val="3940666863"/>
+        <p14:creationId xmlns:p14="http://schemas.microsoft.com/office/powerpoint/2010/main" val="2249122441"/>
       </p:ext>
     </p:extLst>
   </p:cSld>
@@ -696,10 +839,10 @@
           <a:lstStyle/>
           <a:p>
             <a:r>
-              <a:rPr lang="en-US" smtClean="0"/>
+              <a:rPr lang="en-US"/>
               <a:t>Click to edit Master title style</a:t>
             </a:r>
-            <a:endParaRPr lang="en-GB"/>
+            <a:endParaRPr lang="en-US" dirty="0"/>
           </a:p>
         </p:txBody>
       </p:sp>
@@ -715,43 +858,43 @@
         </p:nvSpPr>
         <p:spPr/>
         <p:txBody>
-          <a:bodyPr/>
+          <a:bodyPr anchor="t"/>
           <a:lstStyle/>
           <a:p>
             <a:pPr lvl="0"/>
             <a:r>
-              <a:rPr lang="en-US" smtClean="0"/>
-              <a:t>Edit Master text styles</a:t>
+              <a:rPr lang="en-US"/>
+              <a:t>Click to edit Master text styles</a:t>
             </a:r>
           </a:p>
           <a:p>
             <a:pPr lvl="1"/>
             <a:r>
-              <a:rPr lang="en-US" smtClean="0"/>
+              <a:rPr lang="en-US"/>
               <a:t>Second level</a:t>
             </a:r>
           </a:p>
           <a:p>
             <a:pPr lvl="2"/>
             <a:r>
-              <a:rPr lang="en-US" smtClean="0"/>
+              <a:rPr lang="en-US"/>
               <a:t>Third level</a:t>
             </a:r>
           </a:p>
           <a:p>
             <a:pPr lvl="3"/>
             <a:r>
-              <a:rPr lang="en-US" smtClean="0"/>
+              <a:rPr lang="en-US"/>
               <a:t>Fourth level</a:t>
             </a:r>
           </a:p>
           <a:p>
             <a:pPr lvl="4"/>
             <a:r>
-              <a:rPr lang="en-US" smtClean="0"/>
+              <a:rPr lang="en-US"/>
               <a:t>Fifth level</a:t>
             </a:r>
-            <a:endParaRPr lang="en-GB"/>
+            <a:endParaRPr lang="en-US" dirty="0"/>
           </a:p>
         </p:txBody>
       </p:sp>
@@ -768,11 +911,15 @@
         <p:spPr/>
         <p:txBody>
           <a:bodyPr/>
-          <a:lstStyle/>
+          <a:lstStyle>
+            <a:lvl1pPr>
+              <a:defRPr sz="1200"/>
+            </a:lvl1pPr>
+          </a:lstStyle>
           <a:p>
             <a:fld id="{D141DDD6-20F4-44A4-B5AF-F3306E81E3FC}" type="datetimeFigureOut">
               <a:rPr lang="en-GB" smtClean="0"/>
-              <a:t>30/03/2021</a:t>
+              <a:t>03/02/2023</a:t>
             </a:fld>
             <a:endParaRPr lang="en-GB"/>
           </a:p>
@@ -791,7 +938,11 @@
         <p:spPr/>
         <p:txBody>
           <a:bodyPr/>
-          <a:lstStyle/>
+          <a:lstStyle>
+            <a:lvl1pPr>
+              <a:defRPr sz="1200"/>
+            </a:lvl1pPr>
+          </a:lstStyle>
           <a:p>
             <a:endParaRPr lang="en-GB"/>
           </a:p>
@@ -820,10 +971,50 @@
           </a:p>
         </p:txBody>
       </p:sp>
+      <p:pic>
+        <p:nvPicPr>
+          <p:cNvPr id="24" name="Picture 23" descr="RedHashing.emf"/>
+          <p:cNvPicPr>
+            <a:picLocks/>
+          </p:cNvPicPr>
+          <p:nvPr/>
+        </p:nvPicPr>
+        <p:blipFill rotWithShape="1">
+          <a:blip r:embed="rId2">
+            <a:duotone>
+              <a:schemeClr val="accent1">
+                <a:shade val="45000"/>
+                <a:satMod val="135000"/>
+              </a:schemeClr>
+              <a:prstClr val="white"/>
+            </a:duotone>
+            <a:extLst>
+              <a:ext uri="{28A0092B-C50C-407E-A947-70E740481C1C}">
+                <a14:useLocalDpi xmlns:a14="http://schemas.microsoft.com/office/drawing/2010/main" val="0"/>
+              </a:ext>
+            </a:extLst>
+          </a:blip>
+          <a:srcRect l="-115" r="15828" b="36435"/>
+          <a:stretch/>
+        </p:blipFill>
+        <p:spPr>
+          <a:xfrm>
+            <a:off x="1125460" y="643464"/>
+            <a:ext cx="9610344" cy="155448"/>
+          </a:xfrm>
+          <a:prstGeom prst="rect">
+            <a:avLst/>
+          </a:prstGeom>
+          <a:noFill/>
+          <a:ln>
+            <a:noFill/>
+          </a:ln>
+        </p:spPr>
+      </p:pic>
     </p:spTree>
     <p:extLst>
       <p:ext uri="{BB962C8B-B14F-4D97-AF65-F5344CB8AC3E}">
-        <p14:creationId xmlns:p14="http://schemas.microsoft.com/office/powerpoint/2010/main" val="2836600813"/>
+        <p14:creationId xmlns:p14="http://schemas.microsoft.com/office/powerpoint/2010/main" val="3381558206"/>
       </p:ext>
     </p:extLst>
   </p:cSld>
@@ -862,23 +1053,25 @@
         </p:nvSpPr>
         <p:spPr>
           <a:xfrm>
-            <a:off x="831850" y="1709738"/>
-            <a:ext cx="10515600" cy="2852737"/>
-          </a:xfrm>
-        </p:spPr>
-        <p:txBody>
-          <a:bodyPr anchor="b"/>
+            <a:off x="1129167" y="1756129"/>
+            <a:ext cx="8619060" cy="2050065"/>
+          </a:xfrm>
+        </p:spPr>
+        <p:txBody>
+          <a:bodyPr anchor="b">
+            <a:normAutofit/>
+          </a:bodyPr>
           <a:lstStyle>
-            <a:lvl1pPr>
-              <a:defRPr sz="6000"/>
+            <a:lvl1pPr algn="l">
+              <a:defRPr sz="3600"/>
             </a:lvl1pPr>
           </a:lstStyle>
           <a:p>
             <a:r>
-              <a:rPr lang="en-US" smtClean="0"/>
+              <a:rPr lang="en-US"/>
               <a:t>Click to edit Master title style</a:t>
             </a:r>
-            <a:endParaRPr lang="en-GB"/>
+            <a:endParaRPr lang="en-US" dirty="0"/>
           </a:p>
         </p:txBody>
       </p:sp>
@@ -889,31 +1082,31 @@
             <a:spLocks noGrp="1"/>
           </p:cNvSpPr>
           <p:nvPr>
-            <p:ph type="body" idx="1"/>
+            <p:ph type="body" idx="1" hasCustomPrompt="1"/>
           </p:nvPr>
         </p:nvSpPr>
         <p:spPr>
           <a:xfrm>
-            <a:off x="831850" y="4589463"/>
-            <a:ext cx="10515600" cy="1500187"/>
-          </a:xfrm>
-        </p:spPr>
-        <p:txBody>
-          <a:bodyPr/>
+            <a:off x="1129166" y="3806195"/>
+            <a:ext cx="8619060" cy="1012929"/>
+          </a:xfrm>
+        </p:spPr>
+        <p:txBody>
+          <a:bodyPr tIns="91440">
+            <a:normAutofit/>
+          </a:bodyPr>
           <a:lstStyle>
-            <a:lvl1pPr marL="0" indent="0">
+            <a:lvl1pPr marL="0" indent="0" algn="l">
               <a:buNone/>
-              <a:defRPr sz="2400">
-                <a:solidFill>
-                  <a:schemeClr val="tx1">
-                    <a:tint val="75000"/>
-                  </a:schemeClr>
+              <a:defRPr sz="1800">
+                <a:solidFill>
+                  <a:schemeClr val="tx1"/>
                 </a:solidFill>
               </a:defRPr>
             </a:lvl1pPr>
             <a:lvl2pPr marL="457200" indent="0">
               <a:buNone/>
-              <a:defRPr sz="2000">
+              <a:defRPr sz="1800">
                 <a:solidFill>
                   <a:schemeClr val="tx1">
                     <a:tint val="75000"/>
@@ -995,8 +1188,8 @@
           <a:p>
             <a:pPr lvl="0"/>
             <a:r>
-              <a:rPr lang="en-US" smtClean="0"/>
-              <a:t>Edit Master text styles</a:t>
+              <a:rPr lang="en-US" dirty="0"/>
+              <a:t>Click To Edit Master Text Styles</a:t>
             </a:r>
           </a:p>
         </p:txBody>
@@ -1018,7 +1211,7 @@
           <a:p>
             <a:fld id="{D141DDD6-20F4-44A4-B5AF-F3306E81E3FC}" type="datetimeFigureOut">
               <a:rPr lang="en-GB" smtClean="0"/>
-              <a:t>30/03/2021</a:t>
+              <a:t>03/02/2023</a:t>
             </a:fld>
             <a:endParaRPr lang="en-GB"/>
           </a:p>
@@ -1066,10 +1259,50 @@
           </a:p>
         </p:txBody>
       </p:sp>
+      <p:pic>
+        <p:nvPicPr>
+          <p:cNvPr id="16" name="Picture 15" descr="RedHashing.emf"/>
+          <p:cNvPicPr>
+            <a:picLocks/>
+          </p:cNvPicPr>
+          <p:nvPr/>
+        </p:nvPicPr>
+        <p:blipFill rotWithShape="1">
+          <a:blip r:embed="rId2">
+            <a:duotone>
+              <a:schemeClr val="accent1">
+                <a:shade val="45000"/>
+                <a:satMod val="135000"/>
+              </a:schemeClr>
+              <a:prstClr val="white"/>
+            </a:duotone>
+            <a:extLst>
+              <a:ext uri="{28A0092B-C50C-407E-A947-70E740481C1C}">
+                <a14:useLocalDpi xmlns:a14="http://schemas.microsoft.com/office/drawing/2010/main" val="0"/>
+              </a:ext>
+            </a:extLst>
+          </a:blip>
+          <a:srcRect l="-115" r="15828" b="36435"/>
+          <a:stretch/>
+        </p:blipFill>
+        <p:spPr>
+          <a:xfrm>
+            <a:off x="1125460" y="643464"/>
+            <a:ext cx="9610344" cy="155448"/>
+          </a:xfrm>
+          <a:prstGeom prst="rect">
+            <a:avLst/>
+          </a:prstGeom>
+          <a:noFill/>
+          <a:ln>
+            <a:noFill/>
+          </a:ln>
+        </p:spPr>
+      </p:pic>
     </p:spTree>
     <p:extLst>
       <p:ext uri="{BB962C8B-B14F-4D97-AF65-F5344CB8AC3E}">
-        <p14:creationId xmlns:p14="http://schemas.microsoft.com/office/powerpoint/2010/main" val="3821124921"/>
+        <p14:creationId xmlns:p14="http://schemas.microsoft.com/office/powerpoint/2010/main" val="2920245585"/>
       </p:ext>
     </p:extLst>
   </p:cSld>
@@ -1106,16 +1339,21 @@
             <p:ph type="title"/>
           </p:nvPr>
         </p:nvSpPr>
-        <p:spPr/>
+        <p:spPr>
+          <a:xfrm>
+            <a:off x="1131052" y="958037"/>
+            <a:ext cx="9605635" cy="1059305"/>
+          </a:xfrm>
+        </p:spPr>
         <p:txBody>
           <a:bodyPr/>
           <a:lstStyle/>
           <a:p>
             <a:r>
-              <a:rPr lang="en-US" smtClean="0"/>
+              <a:rPr lang="en-US"/>
               <a:t>Click to edit Master title style</a:t>
             </a:r>
-            <a:endParaRPr lang="en-GB"/>
+            <a:endParaRPr lang="en-US" dirty="0"/>
           </a:p>
         </p:txBody>
       </p:sp>
@@ -1131,8 +1369,8 @@
         </p:nvSpPr>
         <p:spPr>
           <a:xfrm>
-            <a:off x="838200" y="1825625"/>
-            <a:ext cx="5181600" cy="4351338"/>
+            <a:off x="1129166" y="2165621"/>
+            <a:ext cx="4645152" cy="3293852"/>
           </a:xfrm>
         </p:spPr>
         <p:txBody>
@@ -1141,38 +1379,38 @@
           <a:p>
             <a:pPr lvl="0"/>
             <a:r>
-              <a:rPr lang="en-US" smtClean="0"/>
-              <a:t>Edit Master text styles</a:t>
+              <a:rPr lang="en-US"/>
+              <a:t>Click to edit Master text styles</a:t>
             </a:r>
           </a:p>
           <a:p>
             <a:pPr lvl="1"/>
             <a:r>
-              <a:rPr lang="en-US" smtClean="0"/>
+              <a:rPr lang="en-US"/>
               <a:t>Second level</a:t>
             </a:r>
           </a:p>
           <a:p>
             <a:pPr lvl="2"/>
             <a:r>
-              <a:rPr lang="en-US" smtClean="0"/>
+              <a:rPr lang="en-US"/>
               <a:t>Third level</a:t>
             </a:r>
           </a:p>
           <a:p>
             <a:pPr lvl="3"/>
             <a:r>
-              <a:rPr lang="en-US" smtClean="0"/>
+              <a:rPr lang="en-US"/>
               <a:t>Fourth level</a:t>
             </a:r>
           </a:p>
           <a:p>
             <a:pPr lvl="4"/>
             <a:r>
-              <a:rPr lang="en-US" smtClean="0"/>
+              <a:rPr lang="en-US"/>
               <a:t>Fifth level</a:t>
             </a:r>
-            <a:endParaRPr lang="en-GB"/>
+            <a:endParaRPr lang="en-US" dirty="0"/>
           </a:p>
         </p:txBody>
       </p:sp>
@@ -1188,8 +1426,8 @@
         </p:nvSpPr>
         <p:spPr>
           <a:xfrm>
-            <a:off x="6172200" y="1825625"/>
-            <a:ext cx="5181600" cy="4351338"/>
+            <a:off x="6095606" y="2171769"/>
+            <a:ext cx="4645152" cy="3287094"/>
           </a:xfrm>
         </p:spPr>
         <p:txBody>
@@ -1198,38 +1436,38 @@
           <a:p>
             <a:pPr lvl="0"/>
             <a:r>
-              <a:rPr lang="en-US" smtClean="0"/>
-              <a:t>Edit Master text styles</a:t>
+              <a:rPr lang="en-US"/>
+              <a:t>Click to edit Master text styles</a:t>
             </a:r>
           </a:p>
           <a:p>
             <a:pPr lvl="1"/>
             <a:r>
-              <a:rPr lang="en-US" smtClean="0"/>
+              <a:rPr lang="en-US"/>
               <a:t>Second level</a:t>
             </a:r>
           </a:p>
           <a:p>
             <a:pPr lvl="2"/>
             <a:r>
-              <a:rPr lang="en-US" smtClean="0"/>
+              <a:rPr lang="en-US"/>
               <a:t>Third level</a:t>
             </a:r>
           </a:p>
           <a:p>
             <a:pPr lvl="3"/>
             <a:r>
-              <a:rPr lang="en-US" smtClean="0"/>
+              <a:rPr lang="en-US"/>
               <a:t>Fourth level</a:t>
             </a:r>
           </a:p>
           <a:p>
             <a:pPr lvl="4"/>
             <a:r>
-              <a:rPr lang="en-US" smtClean="0"/>
+              <a:rPr lang="en-US"/>
               <a:t>Fifth level</a:t>
             </a:r>
-            <a:endParaRPr lang="en-GB"/>
+            <a:endParaRPr lang="en-US" dirty="0"/>
           </a:p>
         </p:txBody>
       </p:sp>
@@ -1250,7 +1488,7 @@
           <a:p>
             <a:fld id="{D141DDD6-20F4-44A4-B5AF-F3306E81E3FC}" type="datetimeFigureOut">
               <a:rPr lang="en-GB" smtClean="0"/>
-              <a:t>30/03/2021</a:t>
+              <a:t>03/02/2023</a:t>
             </a:fld>
             <a:endParaRPr lang="en-GB"/>
           </a:p>
@@ -1298,10 +1536,50 @@
           </a:p>
         </p:txBody>
       </p:sp>
+      <p:pic>
+        <p:nvPicPr>
+          <p:cNvPr id="16" name="Picture 15" descr="RedHashing.emf"/>
+          <p:cNvPicPr>
+            <a:picLocks/>
+          </p:cNvPicPr>
+          <p:nvPr/>
+        </p:nvPicPr>
+        <p:blipFill rotWithShape="1">
+          <a:blip r:embed="rId2">
+            <a:duotone>
+              <a:schemeClr val="accent1">
+                <a:shade val="45000"/>
+                <a:satMod val="135000"/>
+              </a:schemeClr>
+              <a:prstClr val="white"/>
+            </a:duotone>
+            <a:extLst>
+              <a:ext uri="{28A0092B-C50C-407E-A947-70E740481C1C}">
+                <a14:useLocalDpi xmlns:a14="http://schemas.microsoft.com/office/drawing/2010/main" val="0"/>
+              </a:ext>
+            </a:extLst>
+          </a:blip>
+          <a:srcRect l="-115" r="15828" b="36435"/>
+          <a:stretch/>
+        </p:blipFill>
+        <p:spPr>
+          <a:xfrm>
+            <a:off x="1125460" y="643464"/>
+            <a:ext cx="9610344" cy="155448"/>
+          </a:xfrm>
+          <a:prstGeom prst="rect">
+            <a:avLst/>
+          </a:prstGeom>
+          <a:noFill/>
+          <a:ln>
+            <a:noFill/>
+          </a:ln>
+        </p:spPr>
+      </p:pic>
     </p:spTree>
     <p:extLst>
       <p:ext uri="{BB962C8B-B14F-4D97-AF65-F5344CB8AC3E}">
-        <p14:creationId xmlns:p14="http://schemas.microsoft.com/office/powerpoint/2010/main" val="2853204298"/>
+        <p14:creationId xmlns:p14="http://schemas.microsoft.com/office/powerpoint/2010/main" val="4020467547"/>
       </p:ext>
     </p:extLst>
   </p:cSld>
@@ -1340,8 +1618,8 @@
         </p:nvSpPr>
         <p:spPr>
           <a:xfrm>
-            <a:off x="839788" y="365125"/>
-            <a:ext cx="10515600" cy="1325563"/>
+            <a:off x="1129166" y="953336"/>
+            <a:ext cx="9607661" cy="1056319"/>
           </a:xfrm>
         </p:spPr>
         <p:txBody>
@@ -1349,10 +1627,10 @@
           <a:lstStyle/>
           <a:p>
             <a:r>
-              <a:rPr lang="en-US" smtClean="0"/>
+              <a:rPr lang="en-US"/>
               <a:t>Click to edit Master title style</a:t>
             </a:r>
-            <a:endParaRPr lang="en-GB"/>
+            <a:endParaRPr lang="en-US" dirty="0"/>
           </a:p>
         </p:txBody>
       </p:sp>
@@ -1368,16 +1646,25 @@
         </p:nvSpPr>
         <p:spPr>
           <a:xfrm>
-            <a:off x="839788" y="1681163"/>
-            <a:ext cx="5157787" cy="823912"/>
-          </a:xfrm>
-        </p:spPr>
-        <p:txBody>
-          <a:bodyPr anchor="b"/>
+            <a:off x="1129166" y="2169727"/>
+            <a:ext cx="4645152" cy="801943"/>
+          </a:xfrm>
+        </p:spPr>
+        <p:txBody>
+          <a:bodyPr anchor="b">
+            <a:normAutofit/>
+          </a:bodyPr>
           <a:lstStyle>
             <a:lvl1pPr marL="0" indent="0">
+              <a:lnSpc>
+                <a:spcPct val="100000"/>
+              </a:lnSpc>
               <a:buNone/>
-              <a:defRPr sz="2400" b="1"/>
+              <a:defRPr sz="2800" b="0" cap="none" baseline="0">
+                <a:solidFill>
+                  <a:schemeClr val="accent1"/>
+                </a:solidFill>
+              </a:defRPr>
             </a:lvl1pPr>
             <a:lvl2pPr marL="457200" indent="0">
               <a:buNone/>
@@ -1415,8 +1702,8 @@
           <a:p>
             <a:pPr lvl="0"/>
             <a:r>
-              <a:rPr lang="en-US" smtClean="0"/>
-              <a:t>Edit Master text styles</a:t>
+              <a:rPr lang="en-US"/>
+              <a:t>Click to edit Master text styles</a:t>
             </a:r>
           </a:p>
         </p:txBody>
@@ -1433,8 +1720,8 @@
         </p:nvSpPr>
         <p:spPr>
           <a:xfrm>
-            <a:off x="839788" y="2505075"/>
-            <a:ext cx="5157787" cy="3684588"/>
+            <a:off x="1129166" y="2974448"/>
+            <a:ext cx="4645152" cy="2493876"/>
           </a:xfrm>
         </p:spPr>
         <p:txBody>
@@ -1443,38 +1730,38 @@
           <a:p>
             <a:pPr lvl="0"/>
             <a:r>
-              <a:rPr lang="en-US" smtClean="0"/>
-              <a:t>Edit Master text styles</a:t>
+              <a:rPr lang="en-US"/>
+              <a:t>Click to edit Master text styles</a:t>
             </a:r>
           </a:p>
           <a:p>
             <a:pPr lvl="1"/>
             <a:r>
-              <a:rPr lang="en-US" smtClean="0"/>
+              <a:rPr lang="en-US"/>
               <a:t>Second level</a:t>
             </a:r>
           </a:p>
           <a:p>
             <a:pPr lvl="2"/>
             <a:r>
-              <a:rPr lang="en-US" smtClean="0"/>
+              <a:rPr lang="en-US"/>
               <a:t>Third level</a:t>
             </a:r>
           </a:p>
           <a:p>
             <a:pPr lvl="3"/>
             <a:r>
-              <a:rPr lang="en-US" smtClean="0"/>
+              <a:rPr lang="en-US"/>
               <a:t>Fourth level</a:t>
             </a:r>
           </a:p>
           <a:p>
             <a:pPr lvl="4"/>
             <a:r>
-              <a:rPr lang="en-US" smtClean="0"/>
+              <a:rPr lang="en-US"/>
               <a:t>Fifth level</a:t>
             </a:r>
-            <a:endParaRPr lang="en-GB"/>
+            <a:endParaRPr lang="en-US" dirty="0"/>
           </a:p>
         </p:txBody>
       </p:sp>
@@ -1490,16 +1777,25 @@
         </p:nvSpPr>
         <p:spPr>
           <a:xfrm>
-            <a:off x="6172200" y="1681163"/>
-            <a:ext cx="5183188" cy="823912"/>
-          </a:xfrm>
-        </p:spPr>
-        <p:txBody>
-          <a:bodyPr anchor="b"/>
+            <a:off x="6094337" y="2173181"/>
+            <a:ext cx="4645152" cy="802237"/>
+          </a:xfrm>
+        </p:spPr>
+        <p:txBody>
+          <a:bodyPr anchor="b">
+            <a:normAutofit/>
+          </a:bodyPr>
           <a:lstStyle>
             <a:lvl1pPr marL="0" indent="0">
+              <a:lnSpc>
+                <a:spcPct val="100000"/>
+              </a:lnSpc>
               <a:buNone/>
-              <a:defRPr sz="2400" b="1"/>
+              <a:defRPr sz="2800" b="0" cap="none" baseline="0">
+                <a:solidFill>
+                  <a:schemeClr val="accent1"/>
+                </a:solidFill>
+              </a:defRPr>
             </a:lvl1pPr>
             <a:lvl2pPr marL="457200" indent="0">
               <a:buNone/>
@@ -1537,8 +1833,8 @@
           <a:p>
             <a:pPr lvl="0"/>
             <a:r>
-              <a:rPr lang="en-US" smtClean="0"/>
-              <a:t>Edit Master text styles</a:t>
+              <a:rPr lang="en-US"/>
+              <a:t>Click to edit Master text styles</a:t>
             </a:r>
           </a:p>
         </p:txBody>
@@ -1555,8 +1851,8 @@
         </p:nvSpPr>
         <p:spPr>
           <a:xfrm>
-            <a:off x="6172200" y="2505075"/>
-            <a:ext cx="5183188" cy="3684588"/>
+            <a:off x="6094337" y="2971669"/>
+            <a:ext cx="4645152" cy="2487193"/>
           </a:xfrm>
         </p:spPr>
         <p:txBody>
@@ -1565,38 +1861,38 @@
           <a:p>
             <a:pPr lvl="0"/>
             <a:r>
-              <a:rPr lang="en-US" smtClean="0"/>
-              <a:t>Edit Master text styles</a:t>
+              <a:rPr lang="en-US"/>
+              <a:t>Click to edit Master text styles</a:t>
             </a:r>
           </a:p>
           <a:p>
             <a:pPr lvl="1"/>
             <a:r>
-              <a:rPr lang="en-US" smtClean="0"/>
+              <a:rPr lang="en-US"/>
               <a:t>Second level</a:t>
             </a:r>
           </a:p>
           <a:p>
             <a:pPr lvl="2"/>
             <a:r>
-              <a:rPr lang="en-US" smtClean="0"/>
+              <a:rPr lang="en-US"/>
               <a:t>Third level</a:t>
             </a:r>
           </a:p>
           <a:p>
             <a:pPr lvl="3"/>
             <a:r>
-              <a:rPr lang="en-US" smtClean="0"/>
+              <a:rPr lang="en-US"/>
               <a:t>Fourth level</a:t>
             </a:r>
           </a:p>
           <a:p>
             <a:pPr lvl="4"/>
             <a:r>
-              <a:rPr lang="en-US" smtClean="0"/>
+              <a:rPr lang="en-US"/>
               <a:t>Fifth level</a:t>
             </a:r>
-            <a:endParaRPr lang="en-GB"/>
+            <a:endParaRPr lang="en-US" dirty="0"/>
           </a:p>
         </p:txBody>
       </p:sp>
@@ -1617,7 +1913,7 @@
           <a:p>
             <a:fld id="{D141DDD6-20F4-44A4-B5AF-F3306E81E3FC}" type="datetimeFigureOut">
               <a:rPr lang="en-GB" smtClean="0"/>
-              <a:t>30/03/2021</a:t>
+              <a:t>03/02/2023</a:t>
             </a:fld>
             <a:endParaRPr lang="en-GB"/>
           </a:p>
@@ -1665,10 +1961,50 @@
           </a:p>
         </p:txBody>
       </p:sp>
+      <p:pic>
+        <p:nvPicPr>
+          <p:cNvPr id="18" name="Picture 17" descr="RedHashing.emf"/>
+          <p:cNvPicPr>
+            <a:picLocks/>
+          </p:cNvPicPr>
+          <p:nvPr/>
+        </p:nvPicPr>
+        <p:blipFill rotWithShape="1">
+          <a:blip r:embed="rId2">
+            <a:duotone>
+              <a:schemeClr val="accent1">
+                <a:shade val="45000"/>
+                <a:satMod val="135000"/>
+              </a:schemeClr>
+              <a:prstClr val="white"/>
+            </a:duotone>
+            <a:extLst>
+              <a:ext uri="{28A0092B-C50C-407E-A947-70E740481C1C}">
+                <a14:useLocalDpi xmlns:a14="http://schemas.microsoft.com/office/drawing/2010/main" val="0"/>
+              </a:ext>
+            </a:extLst>
+          </a:blip>
+          <a:srcRect l="-115" r="15828" b="36435"/>
+          <a:stretch/>
+        </p:blipFill>
+        <p:spPr>
+          <a:xfrm>
+            <a:off x="1125460" y="643464"/>
+            <a:ext cx="9610344" cy="155448"/>
+          </a:xfrm>
+          <a:prstGeom prst="rect">
+            <a:avLst/>
+          </a:prstGeom>
+          <a:noFill/>
+          <a:ln>
+            <a:noFill/>
+          </a:ln>
+        </p:spPr>
+      </p:pic>
     </p:spTree>
     <p:extLst>
       <p:ext uri="{BB962C8B-B14F-4D97-AF65-F5344CB8AC3E}">
-        <p14:creationId xmlns:p14="http://schemas.microsoft.com/office/powerpoint/2010/main" val="2855595488"/>
+        <p14:creationId xmlns:p14="http://schemas.microsoft.com/office/powerpoint/2010/main" val="216851904"/>
       </p:ext>
     </p:extLst>
   </p:cSld>
@@ -1711,10 +2047,10 @@
           <a:lstStyle/>
           <a:p>
             <a:r>
-              <a:rPr lang="en-US" smtClean="0"/>
+              <a:rPr lang="en-US"/>
               <a:t>Click to edit Master title style</a:t>
             </a:r>
-            <a:endParaRPr lang="en-GB"/>
+            <a:endParaRPr lang="en-US" dirty="0"/>
           </a:p>
         </p:txBody>
       </p:sp>
@@ -1735,7 +2071,7 @@
           <a:p>
             <a:fld id="{D141DDD6-20F4-44A4-B5AF-F3306E81E3FC}" type="datetimeFigureOut">
               <a:rPr lang="en-GB" smtClean="0"/>
-              <a:t>30/03/2021</a:t>
+              <a:t>03/02/2023</a:t>
             </a:fld>
             <a:endParaRPr lang="en-GB"/>
           </a:p>
@@ -1783,10 +2119,50 @@
           </a:p>
         </p:txBody>
       </p:sp>
+      <p:pic>
+        <p:nvPicPr>
+          <p:cNvPr id="14" name="Picture 13" descr="RedHashing.emf"/>
+          <p:cNvPicPr>
+            <a:picLocks/>
+          </p:cNvPicPr>
+          <p:nvPr/>
+        </p:nvPicPr>
+        <p:blipFill rotWithShape="1">
+          <a:blip r:embed="rId2">
+            <a:duotone>
+              <a:schemeClr val="accent1">
+                <a:shade val="45000"/>
+                <a:satMod val="135000"/>
+              </a:schemeClr>
+              <a:prstClr val="white"/>
+            </a:duotone>
+            <a:extLst>
+              <a:ext uri="{28A0092B-C50C-407E-A947-70E740481C1C}">
+                <a14:useLocalDpi xmlns:a14="http://schemas.microsoft.com/office/drawing/2010/main" val="0"/>
+              </a:ext>
+            </a:extLst>
+          </a:blip>
+          <a:srcRect l="-115" r="15828" b="36435"/>
+          <a:stretch/>
+        </p:blipFill>
+        <p:spPr>
+          <a:xfrm>
+            <a:off x="1125460" y="643464"/>
+            <a:ext cx="9610344" cy="155448"/>
+          </a:xfrm>
+          <a:prstGeom prst="rect">
+            <a:avLst/>
+          </a:prstGeom>
+          <a:noFill/>
+          <a:ln>
+            <a:noFill/>
+          </a:ln>
+        </p:spPr>
+      </p:pic>
     </p:spTree>
     <p:extLst>
       <p:ext uri="{BB962C8B-B14F-4D97-AF65-F5344CB8AC3E}">
-        <p14:creationId xmlns:p14="http://schemas.microsoft.com/office/powerpoint/2010/main" val="1319757979"/>
+        <p14:creationId xmlns:p14="http://schemas.microsoft.com/office/powerpoint/2010/main" val="763263983"/>
       </p:ext>
     </p:extLst>
   </p:cSld>
@@ -1830,7 +2206,7 @@
           <a:p>
             <a:fld id="{D141DDD6-20F4-44A4-B5AF-F3306E81E3FC}" type="datetimeFigureOut">
               <a:rPr lang="en-GB" smtClean="0"/>
-              <a:t>30/03/2021</a:t>
+              <a:t>03/02/2023</a:t>
             </a:fld>
             <a:endParaRPr lang="en-GB"/>
           </a:p>
@@ -1881,7 +2257,7 @@
     </p:spTree>
     <p:extLst>
       <p:ext uri="{BB962C8B-B14F-4D97-AF65-F5344CB8AC3E}">
-        <p14:creationId xmlns:p14="http://schemas.microsoft.com/office/powerpoint/2010/main" val="2899774865"/>
+        <p14:creationId xmlns:p14="http://schemas.microsoft.com/office/powerpoint/2010/main" val="3739914446"/>
       </p:ext>
     </p:extLst>
   </p:cSld>
@@ -1920,23 +2296,25 @@
         </p:nvSpPr>
         <p:spPr>
           <a:xfrm>
-            <a:off x="839788" y="457200"/>
-            <a:ext cx="3932237" cy="1600200"/>
-          </a:xfrm>
-        </p:spPr>
-        <p:txBody>
-          <a:bodyPr anchor="b"/>
+            <a:off x="1124291" y="952578"/>
+            <a:ext cx="3275013" cy="2322176"/>
+          </a:xfrm>
+        </p:spPr>
+        <p:txBody>
+          <a:bodyPr anchor="b">
+            <a:normAutofit/>
+          </a:bodyPr>
           <a:lstStyle>
-            <a:lvl1pPr>
-              <a:defRPr sz="3200"/>
+            <a:lvl1pPr algn="l">
+              <a:defRPr sz="2400"/>
             </a:lvl1pPr>
           </a:lstStyle>
           <a:p>
             <a:r>
-              <a:rPr lang="en-US" smtClean="0"/>
+              <a:rPr lang="en-US"/>
               <a:t>Click to edit Master title style</a:t>
             </a:r>
-            <a:endParaRPr lang="en-GB"/>
+            <a:endParaRPr lang="en-US" dirty="0"/>
           </a:p>
         </p:txBody>
       </p:sp>
@@ -1952,76 +2330,48 @@
         </p:nvSpPr>
         <p:spPr>
           <a:xfrm>
-            <a:off x="5183188" y="987425"/>
-            <a:ext cx="6172200" cy="4873625"/>
-          </a:xfrm>
-        </p:spPr>
-        <p:txBody>
-          <a:bodyPr/>
-          <a:lstStyle>
-            <a:lvl1pPr>
-              <a:defRPr sz="3200"/>
-            </a:lvl1pPr>
-            <a:lvl2pPr>
-              <a:defRPr sz="2800"/>
-            </a:lvl2pPr>
-            <a:lvl3pPr>
-              <a:defRPr sz="2400"/>
-            </a:lvl3pPr>
-            <a:lvl4pPr>
-              <a:defRPr sz="2000"/>
-            </a:lvl4pPr>
-            <a:lvl5pPr>
-              <a:defRPr sz="2000"/>
-            </a:lvl5pPr>
-            <a:lvl6pPr>
-              <a:defRPr sz="2000"/>
-            </a:lvl6pPr>
-            <a:lvl7pPr>
-              <a:defRPr sz="2000"/>
-            </a:lvl7pPr>
-            <a:lvl8pPr>
-              <a:defRPr sz="2000"/>
-            </a:lvl8pPr>
-            <a:lvl9pPr>
-              <a:defRPr sz="2000"/>
-            </a:lvl9pPr>
-          </a:lstStyle>
+            <a:off x="4723334" y="952578"/>
+            <a:ext cx="6012470" cy="4505221"/>
+          </a:xfrm>
+        </p:spPr>
+        <p:txBody>
+          <a:bodyPr anchor="ctr"/>
+          <a:lstStyle/>
           <a:p>
             <a:pPr lvl="0"/>
             <a:r>
-              <a:rPr lang="en-US" smtClean="0"/>
-              <a:t>Edit Master text styles</a:t>
+              <a:rPr lang="en-US"/>
+              <a:t>Click to edit Master text styles</a:t>
             </a:r>
           </a:p>
           <a:p>
             <a:pPr lvl="1"/>
             <a:r>
-              <a:rPr lang="en-US" smtClean="0"/>
+              <a:rPr lang="en-US"/>
               <a:t>Second level</a:t>
             </a:r>
           </a:p>
           <a:p>
             <a:pPr lvl="2"/>
             <a:r>
-              <a:rPr lang="en-US" smtClean="0"/>
+              <a:rPr lang="en-US"/>
               <a:t>Third level</a:t>
             </a:r>
           </a:p>
           <a:p>
             <a:pPr lvl="3"/>
             <a:r>
-              <a:rPr lang="en-US" smtClean="0"/>
+              <a:rPr lang="en-US"/>
               <a:t>Fourth level</a:t>
             </a:r>
           </a:p>
           <a:p>
             <a:pPr lvl="4"/>
             <a:r>
-              <a:rPr lang="en-US" smtClean="0"/>
+              <a:rPr lang="en-US"/>
               <a:t>Fifth level</a:t>
             </a:r>
-            <a:endParaRPr lang="en-GB"/>
+            <a:endParaRPr lang="en-US" dirty="0"/>
           </a:p>
         </p:txBody>
       </p:sp>
@@ -2037,14 +2387,14 @@
         </p:nvSpPr>
         <p:spPr>
           <a:xfrm>
-            <a:off x="839788" y="2057400"/>
-            <a:ext cx="3932237" cy="3811588"/>
+            <a:off x="1124291" y="3274754"/>
+            <a:ext cx="3275013" cy="2178918"/>
           </a:xfrm>
         </p:spPr>
         <p:txBody>
           <a:bodyPr/>
           <a:lstStyle>
-            <a:lvl1pPr marL="0" indent="0">
+            <a:lvl1pPr marL="0" indent="0" algn="l">
               <a:buNone/>
               <a:defRPr sz="1600"/>
             </a:lvl1pPr>
@@ -2084,8 +2434,8 @@
           <a:p>
             <a:pPr lvl="0"/>
             <a:r>
-              <a:rPr lang="en-US" smtClean="0"/>
-              <a:t>Edit Master text styles</a:t>
+              <a:rPr lang="en-US"/>
+              <a:t>Click to edit Master text styles</a:t>
             </a:r>
           </a:p>
         </p:txBody>
@@ -2107,7 +2457,7 @@
           <a:p>
             <a:fld id="{D141DDD6-20F4-44A4-B5AF-F3306E81E3FC}" type="datetimeFigureOut">
               <a:rPr lang="en-GB" smtClean="0"/>
-              <a:t>30/03/2021</a:t>
+              <a:t>03/02/2023</a:t>
             </a:fld>
             <a:endParaRPr lang="en-GB"/>
           </a:p>
@@ -2155,10 +2505,50 @@
           </a:p>
         </p:txBody>
       </p:sp>
+      <p:pic>
+        <p:nvPicPr>
+          <p:cNvPr id="16" name="Picture 15" descr="RedHashing.emf"/>
+          <p:cNvPicPr>
+            <a:picLocks/>
+          </p:cNvPicPr>
+          <p:nvPr/>
+        </p:nvPicPr>
+        <p:blipFill rotWithShape="1">
+          <a:blip r:embed="rId2">
+            <a:duotone>
+              <a:schemeClr val="accent1">
+                <a:shade val="45000"/>
+                <a:satMod val="135000"/>
+              </a:schemeClr>
+              <a:prstClr val="white"/>
+            </a:duotone>
+            <a:extLst>
+              <a:ext uri="{28A0092B-C50C-407E-A947-70E740481C1C}">
+                <a14:useLocalDpi xmlns:a14="http://schemas.microsoft.com/office/drawing/2010/main" val="0"/>
+              </a:ext>
+            </a:extLst>
+          </a:blip>
+          <a:srcRect l="-115" r="15828" b="36435"/>
+          <a:stretch/>
+        </p:blipFill>
+        <p:spPr>
+          <a:xfrm>
+            <a:off x="1125460" y="643464"/>
+            <a:ext cx="9610344" cy="155448"/>
+          </a:xfrm>
+          <a:prstGeom prst="rect">
+            <a:avLst/>
+          </a:prstGeom>
+          <a:noFill/>
+          <a:ln>
+            <a:noFill/>
+          </a:ln>
+        </p:spPr>
+      </p:pic>
     </p:spTree>
     <p:extLst>
       <p:ext uri="{BB962C8B-B14F-4D97-AF65-F5344CB8AC3E}">
-        <p14:creationId xmlns:p14="http://schemas.microsoft.com/office/powerpoint/2010/main" val="1404990255"/>
+        <p14:creationId xmlns:p14="http://schemas.microsoft.com/office/powerpoint/2010/main" val="1299903713"/>
       </p:ext>
     </p:extLst>
   </p:cSld>
@@ -2185,6 +2575,146 @@
           <a:chExt cx="0" cy="0"/>
         </a:xfrm>
       </p:grpSpPr>
+      <p:grpSp>
+        <p:nvGrpSpPr>
+          <p:cNvPr id="8" name="Group 7"/>
+          <p:cNvGrpSpPr/>
+          <p:nvPr/>
+        </p:nvGrpSpPr>
+        <p:grpSpPr>
+          <a:xfrm>
+            <a:off x="7477387" y="482170"/>
+            <a:ext cx="4074533" cy="5149101"/>
+            <a:chOff x="7477387" y="482170"/>
+            <a:chExt cx="4074533" cy="5149101"/>
+          </a:xfrm>
+        </p:grpSpPr>
+        <p:sp>
+          <p:nvSpPr>
+            <p:cNvPr id="18" name="Rectangle 17"/>
+            <p:cNvSpPr/>
+            <p:nvPr/>
+          </p:nvSpPr>
+          <p:spPr>
+            <a:xfrm>
+              <a:off x="7477387" y="482170"/>
+              <a:ext cx="4074533" cy="5149101"/>
+            </a:xfrm>
+            <a:prstGeom prst="rect">
+              <a:avLst/>
+            </a:prstGeom>
+            <a:gradFill>
+              <a:gsLst>
+                <a:gs pos="0">
+                  <a:schemeClr val="tx1">
+                    <a:lumMod val="85000"/>
+                    <a:lumOff val="15000"/>
+                  </a:schemeClr>
+                </a:gs>
+                <a:gs pos="100000">
+                  <a:schemeClr val="tx1">
+                    <a:lumMod val="95000"/>
+                    <a:lumOff val="5000"/>
+                  </a:schemeClr>
+                </a:gs>
+              </a:gsLst>
+            </a:gradFill>
+            <a:ln w="76200" cmpd="sng">
+              <a:noFill/>
+              <a:miter lim="800000"/>
+            </a:ln>
+            <a:effectLst>
+              <a:outerShdw blurRad="127000" dist="228600" dir="4740000" sx="98000" sy="98000" algn="tl" rotWithShape="0">
+                <a:srgbClr val="000000">
+                  <a:alpha val="34000"/>
+                </a:srgbClr>
+              </a:outerShdw>
+            </a:effectLst>
+            <a:scene3d>
+              <a:camera prst="orthographicFront"/>
+              <a:lightRig rig="threePt" dir="t"/>
+            </a:scene3d>
+            <a:sp3d>
+              <a:bevelT w="114300" prst="artDeco"/>
+            </a:sp3d>
+          </p:spPr>
+          <p:style>
+            <a:lnRef idx="1">
+              <a:schemeClr val="accent1"/>
+            </a:lnRef>
+            <a:fillRef idx="3">
+              <a:schemeClr val="accent1"/>
+            </a:fillRef>
+            <a:effectRef idx="2">
+              <a:schemeClr val="accent1"/>
+            </a:effectRef>
+            <a:fontRef idx="minor">
+              <a:schemeClr val="lt1"/>
+            </a:fontRef>
+          </p:style>
+        </p:sp>
+        <p:sp>
+          <p:nvSpPr>
+            <p:cNvPr id="19" name="Rectangle 18"/>
+            <p:cNvSpPr/>
+            <p:nvPr/>
+          </p:nvSpPr>
+          <p:spPr>
+            <a:xfrm>
+              <a:off x="7790446" y="812506"/>
+              <a:ext cx="3450289" cy="4466452"/>
+            </a:xfrm>
+            <a:prstGeom prst="rect">
+              <a:avLst/>
+            </a:prstGeom>
+            <a:gradFill>
+              <a:gsLst>
+                <a:gs pos="0">
+                  <a:srgbClr val="DADADA"/>
+                </a:gs>
+                <a:gs pos="100000">
+                  <a:srgbClr val="FFFFFE"/>
+                </a:gs>
+              </a:gsLst>
+              <a:lin ang="16200000" scaled="0"/>
+            </a:gradFill>
+            <a:ln w="50800" cmpd="sng">
+              <a:solidFill>
+                <a:srgbClr val="191919"/>
+              </a:solidFill>
+              <a:miter lim="800000"/>
+            </a:ln>
+            <a:effectLst>
+              <a:innerShdw blurRad="63500" dist="88900" dir="14100000">
+                <a:srgbClr val="000000">
+                  <a:alpha val="30000"/>
+                </a:srgbClr>
+              </a:innerShdw>
+            </a:effectLst>
+            <a:scene3d>
+              <a:camera prst="orthographicFront"/>
+              <a:lightRig rig="threePt" dir="t"/>
+            </a:scene3d>
+            <a:sp3d>
+              <a:bevelT prst="relaxedInset"/>
+            </a:sp3d>
+          </p:spPr>
+          <p:style>
+            <a:lnRef idx="1">
+              <a:schemeClr val="accent1"/>
+            </a:lnRef>
+            <a:fillRef idx="3">
+              <a:schemeClr val="accent1"/>
+            </a:fillRef>
+            <a:effectRef idx="2">
+              <a:schemeClr val="accent1"/>
+            </a:effectRef>
+            <a:fontRef idx="minor">
+              <a:schemeClr val="lt1"/>
+            </a:fontRef>
+          </p:style>
+        </p:sp>
+      </p:grpSp>
       <p:sp>
         <p:nvSpPr>
           <p:cNvPr id="2" name="Title 1"/>
@@ -2197,12 +2727,14 @@
         </p:nvSpPr>
         <p:spPr>
           <a:xfrm>
-            <a:off x="839788" y="457200"/>
-            <a:ext cx="3932237" cy="1600200"/>
-          </a:xfrm>
-        </p:spPr>
-        <p:txBody>
-          <a:bodyPr anchor="b"/>
+            <a:off x="1129124" y="1129513"/>
+            <a:ext cx="5854872" cy="1924208"/>
+          </a:xfrm>
+        </p:spPr>
+        <p:txBody>
+          <a:bodyPr anchor="b">
+            <a:normAutofit/>
+          </a:bodyPr>
           <a:lstStyle>
             <a:lvl1pPr>
               <a:defRPr sz="3200"/>
@@ -2210,10 +2742,10 @@
           </a:lstStyle>
           <a:p>
             <a:r>
-              <a:rPr lang="en-US" smtClean="0"/>
+              <a:rPr lang="en-US"/>
               <a:t>Click to edit Master title style</a:t>
             </a:r>
-            <a:endParaRPr lang="en-GB"/>
+            <a:endParaRPr lang="en-US" dirty="0"/>
           </a:p>
         </p:txBody>
       </p:sp>
@@ -2221,7 +2753,7 @@
         <p:nvSpPr>
           <p:cNvPr id="3" name="Picture Placeholder 2"/>
           <p:cNvSpPr>
-            <a:spLocks noGrp="1"/>
+            <a:spLocks noGrp="1" noChangeAspect="1"/>
           </p:cNvSpPr>
           <p:nvPr>
             <p:ph type="pic" idx="1"/>
@@ -2229,14 +2761,24 @@
         </p:nvSpPr>
         <p:spPr>
           <a:xfrm>
-            <a:off x="5183188" y="987425"/>
-            <a:ext cx="6172200" cy="4873625"/>
-          </a:xfrm>
-        </p:spPr>
-        <p:txBody>
-          <a:bodyPr/>
+            <a:off x="8124389" y="1122542"/>
+            <a:ext cx="2791171" cy="3866327"/>
+          </a:xfrm>
+          <a:solidFill>
+            <a:schemeClr val="bg1">
+              <a:lumMod val="85000"/>
+            </a:schemeClr>
+          </a:solidFill>
+          <a:ln w="9525" cap="sq">
+            <a:noFill/>
+            <a:miter lim="800000"/>
+          </a:ln>
+          <a:effectLst/>
+        </p:spPr>
+        <p:txBody>
+          <a:bodyPr anchor="t"/>
           <a:lstStyle>
-            <a:lvl1pPr marL="0" indent="0">
+            <a:lvl1pPr marL="0" indent="0" algn="ctr">
               <a:buNone/>
               <a:defRPr sz="3200"/>
             </a:lvl1pPr>
@@ -2274,7 +2816,11 @@
             </a:lvl9pPr>
           </a:lstStyle>
           <a:p>
-            <a:endParaRPr lang="en-GB"/>
+            <a:r>
+              <a:rPr lang="en-US"/>
+              <a:t>Click icon to add picture</a:t>
+            </a:r>
+            <a:endParaRPr lang="en-US" dirty="0"/>
           </a:p>
         </p:txBody>
       </p:sp>
@@ -2290,16 +2836,18 @@
         </p:nvSpPr>
         <p:spPr>
           <a:xfrm>
-            <a:off x="839788" y="2057400"/>
-            <a:ext cx="3932237" cy="3811588"/>
-          </a:xfrm>
-        </p:spPr>
-        <p:txBody>
-          <a:bodyPr/>
+            <a:off x="1128247" y="3053721"/>
+            <a:ext cx="5846486" cy="2096013"/>
+          </a:xfrm>
+        </p:spPr>
+        <p:txBody>
+          <a:bodyPr>
+            <a:normAutofit/>
+          </a:bodyPr>
           <a:lstStyle>
-            <a:lvl1pPr marL="0" indent="0">
+            <a:lvl1pPr marL="0" indent="0" algn="l">
               <a:buNone/>
-              <a:defRPr sz="1600"/>
+              <a:defRPr sz="1800"/>
             </a:lvl1pPr>
             <a:lvl2pPr marL="457200" indent="0">
               <a:buNone/>
@@ -2337,8 +2885,8 @@
           <a:p>
             <a:pPr lvl="0"/>
             <a:r>
-              <a:rPr lang="en-US" smtClean="0"/>
-              <a:t>Edit Master text styles</a:t>
+              <a:rPr lang="en-US"/>
+              <a:t>Click to edit Master text styles</a:t>
             </a:r>
           </a:p>
         </p:txBody>
@@ -2353,14 +2901,23 @@
             <p:ph type="dt" sz="half" idx="10"/>
           </p:nvPr>
         </p:nvSpPr>
-        <p:spPr/>
+        <p:spPr>
+          <a:xfrm>
+            <a:off x="1125300" y="5469856"/>
+            <a:ext cx="5849605" cy="320123"/>
+          </a:xfrm>
+        </p:spPr>
         <p:txBody>
           <a:bodyPr/>
-          <a:lstStyle/>
+          <a:lstStyle>
+            <a:lvl1pPr algn="l">
+              <a:defRPr/>
+            </a:lvl1pPr>
+          </a:lstStyle>
           <a:p>
             <a:fld id="{D141DDD6-20F4-44A4-B5AF-F3306E81E3FC}" type="datetimeFigureOut">
               <a:rPr lang="en-GB" smtClean="0"/>
-              <a:t>30/03/2021</a:t>
+              <a:t>03/02/2023</a:t>
             </a:fld>
             <a:endParaRPr lang="en-GB"/>
           </a:p>
@@ -2376,7 +2933,12 @@
             <p:ph type="ftr" sz="quarter" idx="11"/>
           </p:nvPr>
         </p:nvSpPr>
-        <p:spPr/>
+        <p:spPr>
+          <a:xfrm>
+            <a:off x="1125300" y="318640"/>
+            <a:ext cx="4877818" cy="320931"/>
+          </a:xfrm>
+        </p:spPr>
         <p:txBody>
           <a:bodyPr/>
           <a:lstStyle/>
@@ -2395,7 +2957,12 @@
             <p:ph type="sldNum" sz="quarter" idx="12"/>
           </p:nvPr>
         </p:nvSpPr>
-        <p:spPr/>
+        <p:spPr>
+          <a:xfrm>
+            <a:off x="6176794" y="137408"/>
+            <a:ext cx="811019" cy="503578"/>
+          </a:xfrm>
+        </p:spPr>
         <p:txBody>
           <a:bodyPr/>
           <a:lstStyle/>
@@ -2408,10 +2975,50 @@
           </a:p>
         </p:txBody>
       </p:sp>
+      <p:pic>
+        <p:nvPicPr>
+          <p:cNvPr id="22" name="Picture 21" descr="RedHashing.emf"/>
+          <p:cNvPicPr>
+            <a:picLocks/>
+          </p:cNvPicPr>
+          <p:nvPr/>
+        </p:nvPicPr>
+        <p:blipFill rotWithShape="1">
+          <a:blip r:embed="rId2">
+            <a:duotone>
+              <a:schemeClr val="accent1">
+                <a:shade val="45000"/>
+                <a:satMod val="135000"/>
+              </a:schemeClr>
+              <a:prstClr val="white"/>
+            </a:duotone>
+            <a:extLst>
+              <a:ext uri="{28A0092B-C50C-407E-A947-70E740481C1C}">
+                <a14:useLocalDpi xmlns:a14="http://schemas.microsoft.com/office/drawing/2010/main" val="0"/>
+              </a:ext>
+            </a:extLst>
+          </a:blip>
+          <a:srcRect l="-116" t="474" r="48549" b="36564"/>
+          <a:stretch/>
+        </p:blipFill>
+        <p:spPr>
+          <a:xfrm>
+            <a:off x="1125460" y="643464"/>
+            <a:ext cx="5879592" cy="155448"/>
+          </a:xfrm>
+          <a:prstGeom prst="rect">
+            <a:avLst/>
+          </a:prstGeom>
+          <a:noFill/>
+          <a:ln>
+            <a:noFill/>
+          </a:ln>
+        </p:spPr>
+      </p:pic>
     </p:spTree>
     <p:extLst>
       <p:ext uri="{BB962C8B-B14F-4D97-AF65-F5344CB8AC3E}">
-        <p14:creationId xmlns:p14="http://schemas.microsoft.com/office/powerpoint/2010/main" val="1054642759"/>
+        <p14:creationId xmlns:p14="http://schemas.microsoft.com/office/powerpoint/2010/main" val="791240934"/>
       </p:ext>
     </p:extLst>
   </p:cSld>
@@ -2425,7 +3032,7 @@
 <p:sldMaster xmlns:a="http://schemas.openxmlformats.org/drawingml/2006/main" xmlns:r="http://schemas.openxmlformats.org/officeDocument/2006/relationships" xmlns:p="http://schemas.openxmlformats.org/presentationml/2006/main">
   <p:cSld>
     <p:bg>
-      <p:bgRef idx="1001">
+      <p:bgRef idx="1003">
         <a:schemeClr val="bg1"/>
       </p:bgRef>
     </p:bg>
@@ -2443,6 +3050,125 @@
           <a:chExt cx="0" cy="0"/>
         </a:xfrm>
       </p:grpSpPr>
+      <p:pic>
+        <p:nvPicPr>
+          <p:cNvPr id="12" name="Picture 11"/>
+          <p:cNvPicPr>
+            <a:picLocks noChangeAspect="1"/>
+          </p:cNvPicPr>
+          <p:nvPr/>
+        </p:nvPicPr>
+        <p:blipFill rotWithShape="1">
+          <a:blip r:embed="rId13">
+            <a:extLst>
+              <a:ext uri="{28A0092B-C50C-407E-A947-70E740481C1C}">
+                <a14:useLocalDpi xmlns:a14="http://schemas.microsoft.com/office/drawing/2010/main" val="0"/>
+              </a:ext>
+            </a:extLst>
+          </a:blip>
+          <a:srcRect t="1538" b="-1538"/>
+          <a:stretch/>
+        </p:blipFill>
+        <p:spPr>
+          <a:xfrm>
+            <a:off x="0" y="6119336"/>
+            <a:ext cx="12192000" cy="742950"/>
+          </a:xfrm>
+          <a:prstGeom prst="rect">
+            <a:avLst/>
+          </a:prstGeom>
+        </p:spPr>
+      </p:pic>
+      <p:sp>
+        <p:nvSpPr>
+          <p:cNvPr id="13" name="Rectangle 12"/>
+          <p:cNvSpPr/>
+          <p:nvPr/>
+        </p:nvSpPr>
+        <p:spPr>
+          <a:xfrm>
+            <a:off x="0" y="468769"/>
+            <a:ext cx="12192000" cy="5647024"/>
+          </a:xfrm>
+          <a:prstGeom prst="rect">
+            <a:avLst/>
+          </a:prstGeom>
+          <a:gradFill flip="none" rotWithShape="1">
+            <a:gsLst>
+              <a:gs pos="0">
+                <a:schemeClr val="bg2">
+                  <a:alpha val="0"/>
+                  <a:lumMod val="100000"/>
+                </a:schemeClr>
+              </a:gs>
+              <a:gs pos="100000">
+                <a:schemeClr val="bg2">
+                  <a:lumMod val="95000"/>
+                  <a:lumOff val="5000"/>
+                </a:schemeClr>
+              </a:gs>
+            </a:gsLst>
+            <a:lin ang="5400000" scaled="0"/>
+            <a:tileRect/>
+          </a:gradFill>
+          <a:ln>
+            <a:noFill/>
+          </a:ln>
+        </p:spPr>
+        <p:style>
+          <a:lnRef idx="2">
+            <a:schemeClr val="accent1">
+              <a:shade val="50000"/>
+            </a:schemeClr>
+          </a:lnRef>
+          <a:fillRef idx="1">
+            <a:schemeClr val="accent1"/>
+          </a:fillRef>
+          <a:effectRef idx="0">
+            <a:schemeClr val="accent1"/>
+          </a:effectRef>
+          <a:fontRef idx="minor">
+            <a:schemeClr val="lt1"/>
+          </a:fontRef>
+        </p:style>
+      </p:sp>
+      <p:cxnSp>
+        <p:nvCxnSpPr>
+          <p:cNvPr id="14" name="Straight Connector 13"/>
+          <p:cNvCxnSpPr/>
+          <p:nvPr/>
+        </p:nvCxnSpPr>
+        <p:spPr>
+          <a:xfrm>
+            <a:off x="0" y="6121269"/>
+            <a:ext cx="12192000" cy="0"/>
+          </a:xfrm>
+          <a:prstGeom prst="line">
+            <a:avLst/>
+          </a:prstGeom>
+          <a:ln w="12700">
+            <a:solidFill>
+              <a:srgbClr val="000001">
+                <a:alpha val="20000"/>
+              </a:srgbClr>
+            </a:solidFill>
+          </a:ln>
+        </p:spPr>
+        <p:style>
+          <a:lnRef idx="1">
+            <a:schemeClr val="accent1"/>
+          </a:lnRef>
+          <a:fillRef idx="0">
+            <a:schemeClr val="accent1"/>
+          </a:fillRef>
+          <a:effectRef idx="0">
+            <a:schemeClr val="accent1"/>
+          </a:effectRef>
+          <a:fontRef idx="minor">
+            <a:schemeClr val="tx1"/>
+          </a:fontRef>
+        </p:style>
+      </p:cxnSp>
       <p:sp>
         <p:nvSpPr>
           <p:cNvPr id="2" name="Title Placeholder 1"/>
@@ -2455,24 +3181,24 @@
         </p:nvSpPr>
         <p:spPr>
           <a:xfrm>
-            <a:off x="838200" y="365125"/>
-            <a:ext cx="10515600" cy="1325563"/>
+            <a:off x="1130270" y="953324"/>
+            <a:ext cx="9603275" cy="1049235"/>
           </a:xfrm>
           <a:prstGeom prst="rect">
             <a:avLst/>
           </a:prstGeom>
         </p:spPr>
         <p:txBody>
-          <a:bodyPr vert="horz" lIns="91440" tIns="45720" rIns="91440" bIns="45720" rtlCol="0" anchor="ctr">
+          <a:bodyPr vert="horz" lIns="91440" tIns="45720" rIns="91440" bIns="45720" rtlCol="0" anchor="t">
             <a:normAutofit/>
           </a:bodyPr>
           <a:lstStyle/>
           <a:p>
             <a:r>
-              <a:rPr lang="en-US" smtClean="0"/>
+              <a:rPr lang="en-US"/>
               <a:t>Click to edit Master title style</a:t>
             </a:r>
-            <a:endParaRPr lang="en-GB"/>
+            <a:endParaRPr lang="en-US" dirty="0"/>
           </a:p>
         </p:txBody>
       </p:sp>
@@ -2488,8 +3214,8 @@
         </p:nvSpPr>
         <p:spPr>
           <a:xfrm>
-            <a:off x="838200" y="1825625"/>
-            <a:ext cx="10515600" cy="4351338"/>
+            <a:off x="1130270" y="2171769"/>
+            <a:ext cx="9603275" cy="3294576"/>
           </a:xfrm>
           <a:prstGeom prst="rect">
             <a:avLst/>
@@ -2503,38 +3229,38 @@
           <a:p>
             <a:pPr lvl="0"/>
             <a:r>
-              <a:rPr lang="en-US" smtClean="0"/>
-              <a:t>Edit Master text styles</a:t>
+              <a:rPr lang="en-US"/>
+              <a:t>Click to edit Master text styles</a:t>
             </a:r>
           </a:p>
           <a:p>
             <a:pPr lvl="1"/>
             <a:r>
-              <a:rPr lang="en-US" smtClean="0"/>
+              <a:rPr lang="en-US"/>
               <a:t>Second level</a:t>
             </a:r>
           </a:p>
           <a:p>
             <a:pPr lvl="2"/>
             <a:r>
-              <a:rPr lang="en-US" smtClean="0"/>
+              <a:rPr lang="en-US"/>
               <a:t>Third level</a:t>
             </a:r>
           </a:p>
           <a:p>
             <a:pPr lvl="3"/>
             <a:r>
-              <a:rPr lang="en-US" smtClean="0"/>
+              <a:rPr lang="en-US"/>
               <a:t>Fourth level</a:t>
             </a:r>
           </a:p>
           <a:p>
             <a:pPr lvl="4"/>
             <a:r>
-              <a:rPr lang="en-US" smtClean="0"/>
+              <a:rPr lang="en-US"/>
               <a:t>Fifth level</a:t>
             </a:r>
-            <a:endParaRPr lang="en-GB"/>
+            <a:endParaRPr lang="en-US" dirty="0"/>
           </a:p>
         </p:txBody>
       </p:sp>
@@ -2550,8 +3276,8 @@
         </p:nvSpPr>
         <p:spPr>
           <a:xfrm>
-            <a:off x="838200" y="6356350"/>
-            <a:ext cx="2743200" cy="365125"/>
+            <a:off x="7232830" y="330370"/>
+            <a:ext cx="2515396" cy="309201"/>
           </a:xfrm>
           <a:prstGeom prst="rect">
             <a:avLst/>
@@ -2560,8 +3286,8 @@
         <p:txBody>
           <a:bodyPr vert="horz" lIns="91440" tIns="45720" rIns="91440" bIns="45720" rtlCol="0" anchor="ctr"/>
           <a:lstStyle>
-            <a:lvl1pPr algn="l">
-              <a:defRPr sz="1200">
+            <a:lvl1pPr algn="r">
+              <a:defRPr sz="1000">
                 <a:solidFill>
                   <a:schemeClr val="tx1">
                     <a:tint val="75000"/>
@@ -2573,7 +3299,7 @@
           <a:p>
             <a:fld id="{D141DDD6-20F4-44A4-B5AF-F3306E81E3FC}" type="datetimeFigureOut">
               <a:rPr lang="en-GB" smtClean="0"/>
-              <a:t>30/03/2021</a:t>
+              <a:t>03/02/2023</a:t>
             </a:fld>
             <a:endParaRPr lang="en-GB"/>
           </a:p>
@@ -2591,8 +3317,8 @@
         </p:nvSpPr>
         <p:spPr>
           <a:xfrm>
-            <a:off x="4038600" y="6356350"/>
-            <a:ext cx="4114800" cy="365125"/>
+            <a:off x="1130270" y="329307"/>
+            <a:ext cx="5938836" cy="309201"/>
           </a:xfrm>
           <a:prstGeom prst="rect">
             <a:avLst/>
@@ -2601,8 +3327,8 @@
         <p:txBody>
           <a:bodyPr vert="horz" lIns="91440" tIns="45720" rIns="91440" bIns="45720" rtlCol="0" anchor="ctr"/>
           <a:lstStyle>
-            <a:lvl1pPr algn="ctr">
-              <a:defRPr sz="1200">
+            <a:lvl1pPr algn="l">
+              <a:defRPr sz="1000">
                 <a:solidFill>
                   <a:schemeClr val="tx1">
                     <a:tint val="75000"/>
@@ -2628,22 +3354,20 @@
         </p:nvSpPr>
         <p:spPr>
           <a:xfrm>
-            <a:off x="8610600" y="6356350"/>
-            <a:ext cx="2743200" cy="365125"/>
+            <a:off x="9918076" y="137408"/>
+            <a:ext cx="811019" cy="503578"/>
           </a:xfrm>
           <a:prstGeom prst="rect">
             <a:avLst/>
           </a:prstGeom>
         </p:spPr>
         <p:txBody>
-          <a:bodyPr vert="horz" lIns="91440" tIns="45720" rIns="91440" bIns="45720" rtlCol="0" anchor="ctr"/>
+          <a:bodyPr vert="horz" lIns="91440" tIns="45720" rIns="91440" bIns="45720" rtlCol="0" anchor="t"/>
           <a:lstStyle>
             <a:lvl1pPr algn="r">
-              <a:defRPr sz="1200">
-                <a:solidFill>
-                  <a:schemeClr val="tx1">
-                    <a:tint val="75000"/>
-                  </a:schemeClr>
+              <a:defRPr sz="2800">
+                <a:solidFill>
+                  <a:schemeClr val="accent1"/>
                 </a:solidFill>
               </a:defRPr>
             </a:lvl1pPr>
@@ -2660,23 +3384,23 @@
     </p:spTree>
     <p:extLst>
       <p:ext uri="{BB962C8B-B14F-4D97-AF65-F5344CB8AC3E}">
-        <p14:creationId xmlns:p14="http://schemas.microsoft.com/office/powerpoint/2010/main" val="3412472375"/>
+        <p14:creationId xmlns:p14="http://schemas.microsoft.com/office/powerpoint/2010/main" val="2128771478"/>
       </p:ext>
     </p:extLst>
   </p:cSld>
   <p:clrMap bg1="lt1" tx1="dk1" bg2="lt2" tx2="dk2" accent1="accent1" accent2="accent2" accent3="accent3" accent4="accent4" accent5="accent5" accent6="accent6" hlink="hlink" folHlink="folHlink"/>
   <p:sldLayoutIdLst>
-    <p:sldLayoutId id="2147483721" r:id="rId1"/>
-    <p:sldLayoutId id="2147483722" r:id="rId2"/>
-    <p:sldLayoutId id="2147483723" r:id="rId3"/>
-    <p:sldLayoutId id="2147483724" r:id="rId4"/>
-    <p:sldLayoutId id="2147483725" r:id="rId5"/>
-    <p:sldLayoutId id="2147483726" r:id="rId6"/>
-    <p:sldLayoutId id="2147483727" r:id="rId7"/>
-    <p:sldLayoutId id="2147483728" r:id="rId8"/>
-    <p:sldLayoutId id="2147483729" r:id="rId9"/>
-    <p:sldLayoutId id="2147483730" r:id="rId10"/>
-    <p:sldLayoutId id="2147483731" r:id="rId11"/>
+    <p:sldLayoutId id="2147483762" r:id="rId1"/>
+    <p:sldLayoutId id="2147483763" r:id="rId2"/>
+    <p:sldLayoutId id="2147483764" r:id="rId3"/>
+    <p:sldLayoutId id="2147483765" r:id="rId4"/>
+    <p:sldLayoutId id="2147483766" r:id="rId5"/>
+    <p:sldLayoutId id="2147483767" r:id="rId6"/>
+    <p:sldLayoutId id="2147483768" r:id="rId7"/>
+    <p:sldLayoutId id="2147483769" r:id="rId8"/>
+    <p:sldLayoutId id="2147483770" r:id="rId9"/>
+    <p:sldLayoutId id="2147483771" r:id="rId10"/>
+    <p:sldLayoutId id="2147483772" r:id="rId11"/>
   </p:sldLayoutIdLst>
   <p:txStyles>
     <p:titleStyle>
@@ -2688,10 +3412,11 @@
           <a:spcPct val="0"/>
         </a:spcBef>
         <a:buNone/>
-        <a:defRPr sz="4400" kern="1200">
+        <a:defRPr sz="3200" b="0" i="0" kern="1200" cap="none">
           <a:solidFill>
             <a:schemeClr val="tx1"/>
           </a:solidFill>
+          <a:effectLst/>
           <a:latin typeface="+mj-lt"/>
           <a:ea typeface="+mj-ea"/>
           <a:cs typeface="+mj-cs"/>
@@ -2701,17 +3426,22 @@
     <p:bodyStyle>
       <a:lvl1pPr marL="228600" indent="-228600" algn="l" defTabSz="914400" rtl="0" eaLnBrk="1" latinLnBrk="0" hangingPunct="1">
         <a:lnSpc>
-          <a:spcPct val="90000"/>
+          <a:spcPct val="120000"/>
         </a:lnSpc>
         <a:spcBef>
           <a:spcPts val="1000"/>
         </a:spcBef>
+        <a:buClr>
+          <a:schemeClr val="accent1"/>
+        </a:buClr>
+        <a:buSzPct val="100000"/>
         <a:buFont typeface="Arial" panose="020B0604020202020204" pitchFamily="34" charset="0"/>
         <a:buChar char="•"/>
-        <a:defRPr sz="2800" kern="1200">
+        <a:defRPr sz="2000" kern="1200">
           <a:solidFill>
             <a:schemeClr val="tx1"/>
           </a:solidFill>
+          <a:effectLst/>
           <a:latin typeface="+mn-lt"/>
           <a:ea typeface="+mn-ea"/>
           <a:cs typeface="+mn-cs"/>
@@ -2719,17 +3449,22 @@
       </a:lvl1pPr>
       <a:lvl2pPr marL="685800" indent="-228600" algn="l" defTabSz="914400" rtl="0" eaLnBrk="1" latinLnBrk="0" hangingPunct="1">
         <a:lnSpc>
-          <a:spcPct val="90000"/>
+          <a:spcPct val="120000"/>
         </a:lnSpc>
         <a:spcBef>
           <a:spcPts val="500"/>
         </a:spcBef>
+        <a:buClr>
+          <a:schemeClr val="accent1"/>
+        </a:buClr>
+        <a:buSzPct val="100000"/>
         <a:buFont typeface="Arial" panose="020B0604020202020204" pitchFamily="34" charset="0"/>
         <a:buChar char="•"/>
-        <a:defRPr sz="2400" kern="1200">
+        <a:defRPr sz="1800" kern="1200" cap="none" baseline="0">
           <a:solidFill>
             <a:schemeClr val="tx1"/>
           </a:solidFill>
+          <a:effectLst/>
           <a:latin typeface="+mn-lt"/>
           <a:ea typeface="+mn-ea"/>
           <a:cs typeface="+mn-cs"/>
@@ -2737,17 +3472,22 @@
       </a:lvl2pPr>
       <a:lvl3pPr marL="1143000" indent="-228600" algn="l" defTabSz="914400" rtl="0" eaLnBrk="1" latinLnBrk="0" hangingPunct="1">
         <a:lnSpc>
-          <a:spcPct val="90000"/>
+          <a:spcPct val="120000"/>
         </a:lnSpc>
         <a:spcBef>
           <a:spcPts val="500"/>
         </a:spcBef>
+        <a:buClr>
+          <a:schemeClr val="accent1"/>
+        </a:buClr>
+        <a:buSzPct val="100000"/>
         <a:buFont typeface="Arial" panose="020B0604020202020204" pitchFamily="34" charset="0"/>
         <a:buChar char="•"/>
-        <a:defRPr sz="2000" kern="1200">
+        <a:defRPr sz="1600" kern="1200">
           <a:solidFill>
             <a:schemeClr val="tx1"/>
           </a:solidFill>
+          <a:effectLst/>
           <a:latin typeface="+mn-lt"/>
           <a:ea typeface="+mn-ea"/>
           <a:cs typeface="+mn-cs"/>
@@ -2755,17 +3495,22 @@
       </a:lvl3pPr>
       <a:lvl4pPr marL="1600200" indent="-228600" algn="l" defTabSz="914400" rtl="0" eaLnBrk="1" latinLnBrk="0" hangingPunct="1">
         <a:lnSpc>
-          <a:spcPct val="90000"/>
+          <a:spcPct val="120000"/>
         </a:lnSpc>
         <a:spcBef>
           <a:spcPts val="500"/>
         </a:spcBef>
+        <a:buClr>
+          <a:schemeClr val="accent1"/>
+        </a:buClr>
+        <a:buSzPct val="100000"/>
         <a:buFont typeface="Arial" panose="020B0604020202020204" pitchFamily="34" charset="0"/>
         <a:buChar char="•"/>
-        <a:defRPr sz="1800" kern="1200">
+        <a:defRPr sz="1400" kern="1200" cap="none" baseline="0">
           <a:solidFill>
             <a:schemeClr val="tx1"/>
           </a:solidFill>
+          <a:effectLst/>
           <a:latin typeface="+mn-lt"/>
           <a:ea typeface="+mn-ea"/>
           <a:cs typeface="+mn-cs"/>
@@ -2773,17 +3518,22 @@
       </a:lvl4pPr>
       <a:lvl5pPr marL="2057400" indent="-228600" algn="l" defTabSz="914400" rtl="0" eaLnBrk="1" latinLnBrk="0" hangingPunct="1">
         <a:lnSpc>
-          <a:spcPct val="90000"/>
+          <a:spcPct val="120000"/>
         </a:lnSpc>
         <a:spcBef>
           <a:spcPts val="500"/>
         </a:spcBef>
+        <a:buClr>
+          <a:schemeClr val="accent1"/>
+        </a:buClr>
+        <a:buSzPct val="100000"/>
         <a:buFont typeface="Arial" panose="020B0604020202020204" pitchFamily="34" charset="0"/>
         <a:buChar char="•"/>
-        <a:defRPr sz="1800" kern="1200">
+        <a:defRPr sz="1200" kern="1200">
           <a:solidFill>
             <a:schemeClr val="tx1"/>
           </a:solidFill>
+          <a:effectLst/>
           <a:latin typeface="+mn-lt"/>
           <a:ea typeface="+mn-ea"/>
           <a:cs typeface="+mn-cs"/>
@@ -2791,17 +3541,22 @@
       </a:lvl5pPr>
       <a:lvl6pPr marL="2514600" indent="-228600" algn="l" defTabSz="914400" rtl="0" eaLnBrk="1" latinLnBrk="0" hangingPunct="1">
         <a:lnSpc>
-          <a:spcPct val="90000"/>
+          <a:spcPct val="120000"/>
         </a:lnSpc>
         <a:spcBef>
           <a:spcPts val="500"/>
         </a:spcBef>
+        <a:buClr>
+          <a:schemeClr val="accent1"/>
+        </a:buClr>
+        <a:buSzPct val="100000"/>
         <a:buFont typeface="Arial" panose="020B0604020202020204" pitchFamily="34" charset="0"/>
         <a:buChar char="•"/>
-        <a:defRPr sz="1800" kern="1200">
+        <a:defRPr sz="1200" kern="1200">
           <a:solidFill>
             <a:schemeClr val="tx1"/>
           </a:solidFill>
+          <a:effectLst/>
           <a:latin typeface="+mn-lt"/>
           <a:ea typeface="+mn-ea"/>
           <a:cs typeface="+mn-cs"/>
@@ -2809,17 +3564,22 @@
       </a:lvl6pPr>
       <a:lvl7pPr marL="2971800" indent="-228600" algn="l" defTabSz="914400" rtl="0" eaLnBrk="1" latinLnBrk="0" hangingPunct="1">
         <a:lnSpc>
-          <a:spcPct val="90000"/>
+          <a:spcPct val="120000"/>
         </a:lnSpc>
         <a:spcBef>
           <a:spcPts val="500"/>
         </a:spcBef>
+        <a:buClr>
+          <a:schemeClr val="accent1"/>
+        </a:buClr>
+        <a:buSzPct val="100000"/>
         <a:buFont typeface="Arial" panose="020B0604020202020204" pitchFamily="34" charset="0"/>
         <a:buChar char="•"/>
-        <a:defRPr sz="1800" kern="1200">
+        <a:defRPr sz="1200" kern="1200">
           <a:solidFill>
             <a:schemeClr val="tx1"/>
           </a:solidFill>
+          <a:effectLst/>
           <a:latin typeface="+mn-lt"/>
           <a:ea typeface="+mn-ea"/>
           <a:cs typeface="+mn-cs"/>
@@ -2827,17 +3587,22 @@
       </a:lvl7pPr>
       <a:lvl8pPr marL="3429000" indent="-228600" algn="l" defTabSz="914400" rtl="0" eaLnBrk="1" latinLnBrk="0" hangingPunct="1">
         <a:lnSpc>
-          <a:spcPct val="90000"/>
+          <a:spcPct val="120000"/>
         </a:lnSpc>
         <a:spcBef>
           <a:spcPts val="500"/>
         </a:spcBef>
+        <a:buClr>
+          <a:schemeClr val="accent1"/>
+        </a:buClr>
+        <a:buSzPct val="100000"/>
         <a:buFont typeface="Arial" panose="020B0604020202020204" pitchFamily="34" charset="0"/>
         <a:buChar char="•"/>
-        <a:defRPr sz="1800" kern="1200">
+        <a:defRPr sz="1200" kern="1200" baseline="0">
           <a:solidFill>
             <a:schemeClr val="tx1"/>
           </a:solidFill>
+          <a:effectLst/>
           <a:latin typeface="+mn-lt"/>
           <a:ea typeface="+mn-ea"/>
           <a:cs typeface="+mn-cs"/>
@@ -2845,17 +3610,22 @@
       </a:lvl8pPr>
       <a:lvl9pPr marL="3886200" indent="-228600" algn="l" defTabSz="914400" rtl="0" eaLnBrk="1" latinLnBrk="0" hangingPunct="1">
         <a:lnSpc>
-          <a:spcPct val="90000"/>
+          <a:spcPct val="120000"/>
         </a:lnSpc>
         <a:spcBef>
           <a:spcPts val="500"/>
         </a:spcBef>
+        <a:buClr>
+          <a:schemeClr val="accent1"/>
+        </a:buClr>
+        <a:buSzPct val="100000"/>
         <a:buFont typeface="Arial" panose="020B0604020202020204" pitchFamily="34" charset="0"/>
         <a:buChar char="•"/>
-        <a:defRPr sz="1800" kern="1200">
+        <a:defRPr sz="1200" kern="1200" baseline="0">
           <a:solidFill>
             <a:schemeClr val="tx1"/>
           </a:solidFill>
+          <a:effectLst/>
           <a:latin typeface="+mn-lt"/>
           <a:ea typeface="+mn-ea"/>
           <a:cs typeface="+mn-cs"/>
@@ -2978,9 +3748,60 @@
           <a:chExt cx="0" cy="0"/>
         </a:xfrm>
       </p:grpSpPr>
+      <p:sp>
+        <p:nvSpPr>
+          <p:cNvPr id="7" name="TextBox 6"/>
+          <p:cNvSpPr txBox="1"/>
+          <p:nvPr/>
+        </p:nvSpPr>
+        <p:spPr>
+          <a:xfrm>
+            <a:off x="1705970" y="421668"/>
+            <a:ext cx="3336041" cy="1200329"/>
+          </a:xfrm>
+          <a:prstGeom prst="rect">
+            <a:avLst/>
+          </a:prstGeom>
+          <a:noFill/>
+        </p:spPr>
+        <p:txBody>
+          <a:bodyPr wrap="none" rtlCol="0">
+            <a:spAutoFit/>
+          </a:bodyPr>
+          <a:lstStyle/>
+          <a:p>
+            <a:pPr algn="ctr"/>
+            <a:r>
+              <a:rPr lang="en-GB" sz="3600" dirty="0">
+                <a:solidFill>
+                  <a:schemeClr val="bg1"/>
+                </a:solidFill>
+              </a:rPr>
+              <a:t>BUKU PETUNJUK</a:t>
+            </a:r>
+          </a:p>
+          <a:p>
+            <a:pPr algn="ctr"/>
+            <a:r>
+              <a:rPr lang="en-GB" sz="3600" dirty="0">
+                <a:solidFill>
+                  <a:schemeClr val="bg1"/>
+                </a:solidFill>
+              </a:rPr>
+              <a:t>USER</a:t>
+            </a:r>
+          </a:p>
+        </p:txBody>
+      </p:sp>
       <p:pic>
         <p:nvPicPr>
-          <p:cNvPr id="6" name="Picture 5"/>
+          <p:cNvPr id="3" name="Picture 2">
+            <a:extLst>
+              <a:ext uri="{FF2B5EF4-FFF2-40B4-BE49-F238E27FC236}">
+                <a16:creationId xmlns:a16="http://schemas.microsoft.com/office/drawing/2014/main" id="{303566A1-B16D-F8EB-F062-7F529718D155}"/>
+              </a:ext>
+            </a:extLst>
+          </p:cNvPr>
           <p:cNvPicPr>
             <a:picLocks noChangeAspect="1"/>
           </p:cNvPicPr>
@@ -2988,13 +3809,13 @@
         </p:nvPicPr>
         <p:blipFill rotWithShape="1">
           <a:blip r:embed="rId2"/>
-          <a:srcRect l="12866" t="13305" r="13701" b="225"/>
+          <a:srcRect l="10478" t="14297" r="11875" b="11157"/>
           <a:stretch/>
         </p:blipFill>
         <p:spPr>
           <a:xfrm>
-            <a:off x="723331" y="0"/>
-            <a:ext cx="10672549" cy="6754943"/>
+            <a:off x="1210235" y="672353"/>
+            <a:ext cx="9466729" cy="5109883"/>
           </a:xfrm>
           <a:prstGeom prst="rect">
             <a:avLst/>
@@ -3003,14 +3824,20 @@
       </p:pic>
       <p:sp>
         <p:nvSpPr>
-          <p:cNvPr id="7" name="TextBox 6"/>
+          <p:cNvPr id="5" name="TextBox 4">
+            <a:extLst>
+              <a:ext uri="{FF2B5EF4-FFF2-40B4-BE49-F238E27FC236}">
+                <a16:creationId xmlns:a16="http://schemas.microsoft.com/office/drawing/2014/main" id="{09E65416-3DB3-A539-6340-664D6B18D695}"/>
+              </a:ext>
+            </a:extLst>
+          </p:cNvPr>
           <p:cNvSpPr txBox="1"/>
           <p:nvPr/>
         </p:nvSpPr>
         <p:spPr>
           <a:xfrm>
-            <a:off x="1705970" y="421668"/>
-            <a:ext cx="3336041" cy="1200329"/>
+            <a:off x="4693212" y="0"/>
+            <a:ext cx="2805576" cy="584775"/>
           </a:xfrm>
           <a:prstGeom prst="rect">
             <a:avLst/>
@@ -3023,31 +3850,22 @@
           </a:bodyPr>
           <a:lstStyle/>
           <a:p>
-            <a:pPr algn="ctr"/>
-            <a:r>
-              <a:rPr lang="en-GB" sz="3600" dirty="0" smtClean="0">
-                <a:solidFill>
-                  <a:schemeClr val="bg1"/>
-                </a:solidFill>
-              </a:rPr>
-              <a:t>BUKU PETUNJUK</a:t>
-            </a:r>
-          </a:p>
-          <a:p>
-            <a:pPr algn="ctr"/>
-            <a:r>
-              <a:rPr lang="en-GB" sz="3600" dirty="0" smtClean="0">
-                <a:solidFill>
-                  <a:schemeClr val="bg1"/>
-                </a:solidFill>
-              </a:rPr>
-              <a:t>USER</a:t>
-            </a:r>
-            <a:endParaRPr lang="en-GB" sz="3600" dirty="0">
-              <a:solidFill>
-                <a:schemeClr val="bg1"/>
-              </a:solidFill>
-            </a:endParaRPr>
+            <a:r>
+              <a:rPr lang="en-GB" sz="3200" dirty="0">
+                <a:ln w="0"/>
+                <a:solidFill>
+                  <a:schemeClr val="accent1"/>
+                </a:solidFill>
+                <a:effectLst>
+                  <a:outerShdw blurRad="38100" dist="25400" dir="5400000" algn="ctr" rotWithShape="0">
+                    <a:srgbClr val="6E747A">
+                      <a:alpha val="43000"/>
+                    </a:srgbClr>
+                  </a:outerShdw>
+                </a:effectLst>
+              </a:rPr>
+              <a:t>RENBUT BARU</a:t>
+            </a:r>
           </a:p>
         </p:txBody>
       </p:sp>
@@ -3061,13 +3879,6 @@
   <p:clrMapOvr>
     <a:masterClrMapping/>
   </p:clrMapOvr>
-  <p:timing>
-    <p:tnLst>
-      <p:par>
-        <p:cTn id="1" dur="indefinite" restart="never" nodeType="tmRoot"/>
-      </p:par>
-    </p:tnLst>
-  </p:timing>
 </p:sld>
 </file>
 
@@ -3110,7 +3921,7 @@
           </a:bodyPr>
           <a:lstStyle/>
           <a:p>
-            <a:endParaRPr lang="en-GB" dirty="0" smtClean="0"/>
+            <a:endParaRPr lang="en-GB" dirty="0"/>
           </a:p>
         </p:txBody>
       </p:sp>
@@ -3122,8 +3933,8 @@
         </p:nvSpPr>
         <p:spPr>
           <a:xfrm>
-            <a:off x="3493827" y="2634017"/>
-            <a:ext cx="5489003" cy="1107996"/>
+            <a:off x="298981" y="0"/>
+            <a:ext cx="10584949" cy="584775"/>
           </a:xfrm>
           <a:prstGeom prst="rect">
             <a:avLst/>
@@ -3137,64 +3948,389 @@
           <a:lstStyle/>
           <a:p>
             <a:r>
-              <a:rPr lang="en-GB" sz="6600" b="1" dirty="0" smtClean="0">
-                <a:ln w="12700" cmpd="sng">
+              <a:rPr lang="en-GB" sz="3200" dirty="0">
+                <a:ln w="0"/>
+                <a:solidFill>
+                  <a:schemeClr val="accent1"/>
+                </a:solidFill>
+                <a:effectLst>
+                  <a:outerShdw blurRad="38100" dist="25400" dir="5400000" algn="ctr" rotWithShape="0">
+                    <a:srgbClr val="6E747A">
+                      <a:alpha val="43000"/>
+                    </a:srgbClr>
+                  </a:outerShdw>
+                </a:effectLst>
+              </a:rPr>
+              <a:t>HALAMAN STATUS USULAN (</a:t>
+            </a:r>
+            <a:r>
+              <a:rPr lang="en-GB" sz="3200" dirty="0" err="1">
+                <a:ln w="0"/>
+                <a:solidFill>
+                  <a:schemeClr val="accent1"/>
+                </a:solidFill>
+                <a:effectLst>
+                  <a:outerShdw blurRad="38100" dist="25400" dir="5400000" algn="ctr" rotWithShape="0">
+                    <a:srgbClr val="6E747A">
+                      <a:alpha val="43000"/>
+                    </a:srgbClr>
+                  </a:outerShdw>
+                </a:effectLst>
+              </a:rPr>
+              <a:t>khusus</a:t>
+            </a:r>
+            <a:r>
+              <a:rPr lang="en-GB" sz="3200" dirty="0">
+                <a:ln w="0"/>
+                <a:solidFill>
+                  <a:schemeClr val="accent1"/>
+                </a:solidFill>
+                <a:effectLst>
+                  <a:outerShdw blurRad="38100" dist="25400" dir="5400000" algn="ctr" rotWithShape="0">
+                    <a:srgbClr val="6E747A">
+                      <a:alpha val="43000"/>
+                    </a:srgbClr>
+                  </a:outerShdw>
+                </a:effectLst>
+              </a:rPr>
+              <a:t> </a:t>
+            </a:r>
+            <a:r>
+              <a:rPr lang="en-GB" sz="3200" dirty="0" err="1">
+                <a:ln w="0"/>
+                <a:solidFill>
+                  <a:schemeClr val="accent1"/>
+                </a:solidFill>
+                <a:effectLst>
+                  <a:outerShdw blurRad="38100" dist="25400" dir="5400000" algn="ctr" rotWithShape="0">
+                    <a:srgbClr val="6E747A">
+                      <a:alpha val="43000"/>
+                    </a:srgbClr>
+                  </a:outerShdw>
+                </a:effectLst>
+              </a:rPr>
+              <a:t>bidang</a:t>
+            </a:r>
+            <a:r>
+              <a:rPr lang="en-GB" sz="3200" dirty="0">
+                <a:ln w="0"/>
+                <a:solidFill>
+                  <a:schemeClr val="accent1"/>
+                </a:solidFill>
+                <a:effectLst>
+                  <a:outerShdw blurRad="38100" dist="25400" dir="5400000" algn="ctr" rotWithShape="0">
+                    <a:srgbClr val="6E747A">
+                      <a:alpha val="43000"/>
+                    </a:srgbClr>
+                  </a:outerShdw>
+                </a:effectLst>
+              </a:rPr>
+              <a:t> &amp; </a:t>
+            </a:r>
+            <a:r>
+              <a:rPr lang="en-GB" sz="3200" dirty="0" err="1">
+                <a:ln w="0"/>
+                <a:solidFill>
+                  <a:schemeClr val="accent1"/>
+                </a:solidFill>
+                <a:effectLst>
+                  <a:outerShdw blurRad="38100" dist="25400" dir="5400000" algn="ctr" rotWithShape="0">
+                    <a:srgbClr val="6E747A">
+                      <a:alpha val="43000"/>
+                    </a:srgbClr>
+                  </a:outerShdw>
+                </a:effectLst>
+              </a:rPr>
+              <a:t>bagian</a:t>
+            </a:r>
+            <a:r>
+              <a:rPr lang="en-GB" sz="3200" dirty="0">
+                <a:ln w="0"/>
+                <a:solidFill>
+                  <a:schemeClr val="accent1"/>
+                </a:solidFill>
+                <a:effectLst>
+                  <a:outerShdw blurRad="38100" dist="25400" dir="5400000" algn="ctr" rotWithShape="0">
+                    <a:srgbClr val="6E747A">
+                      <a:alpha val="43000"/>
+                    </a:srgbClr>
+                  </a:outerShdw>
+                </a:effectLst>
+              </a:rPr>
+              <a:t>)</a:t>
+            </a:r>
+          </a:p>
+        </p:txBody>
+      </p:sp>
+      <p:pic>
+        <p:nvPicPr>
+          <p:cNvPr id="8" name="Picture 7">
+            <a:extLst>
+              <a:ext uri="{FF2B5EF4-FFF2-40B4-BE49-F238E27FC236}">
+                <a16:creationId xmlns:a16="http://schemas.microsoft.com/office/drawing/2014/main" id="{371B7D69-4818-FAB2-2760-A61602D4DDF6}"/>
+              </a:ext>
+            </a:extLst>
+          </p:cNvPr>
+          <p:cNvPicPr>
+            <a:picLocks noChangeAspect="1"/>
+          </p:cNvPicPr>
+          <p:nvPr/>
+        </p:nvPicPr>
+        <p:blipFill rotWithShape="1">
+          <a:blip r:embed="rId2"/>
+          <a:srcRect l="7831" t="16258" r="8897" b="14492"/>
+          <a:stretch/>
+        </p:blipFill>
+        <p:spPr>
+          <a:xfrm>
+            <a:off x="298981" y="1876988"/>
+            <a:ext cx="6535270" cy="4164170"/>
+          </a:xfrm>
+          <a:prstGeom prst="rect">
+            <a:avLst/>
+          </a:prstGeom>
+        </p:spPr>
+      </p:pic>
+      <p:sp>
+        <p:nvSpPr>
+          <p:cNvPr id="9" name="Rectangle 8">
+            <a:extLst>
+              <a:ext uri="{FF2B5EF4-FFF2-40B4-BE49-F238E27FC236}">
+                <a16:creationId xmlns:a16="http://schemas.microsoft.com/office/drawing/2014/main" id="{6ACC0C2D-8410-0AD0-C834-C4EAAE4BEE3B}"/>
+              </a:ext>
+            </a:extLst>
+          </p:cNvPr>
+          <p:cNvSpPr/>
+          <p:nvPr/>
+        </p:nvSpPr>
+        <p:spPr>
+          <a:xfrm>
+            <a:off x="7696395" y="1876988"/>
+            <a:ext cx="4495605" cy="3079376"/>
+          </a:xfrm>
+          <a:prstGeom prst="rect">
+            <a:avLst/>
+          </a:prstGeom>
+        </p:spPr>
+        <p:style>
+          <a:lnRef idx="2">
+            <a:schemeClr val="accent2">
+              <a:shade val="50000"/>
+            </a:schemeClr>
+          </a:lnRef>
+          <a:fillRef idx="1">
+            <a:schemeClr val="accent2"/>
+          </a:fillRef>
+          <a:effectRef idx="0">
+            <a:schemeClr val="accent2"/>
+          </a:effectRef>
+          <a:fontRef idx="minor">
+            <a:schemeClr val="lt1"/>
+          </a:fontRef>
+        </p:style>
+        <p:txBody>
+          <a:bodyPr rtlCol="0" anchor="ctr"/>
+          <a:lstStyle/>
+          <a:p>
+            <a:r>
+              <a:rPr lang="en-GB" dirty="0"/>
+              <a:t>STATUS USULAN </a:t>
+            </a:r>
+          </a:p>
+          <a:p>
+            <a:pPr marL="342900" indent="-342900">
+              <a:buAutoNum type="arabicPeriod"/>
+            </a:pPr>
+            <a:r>
+              <a:rPr lang="en-GB" b="1" dirty="0"/>
+              <a:t>Tindakan </a:t>
+            </a:r>
+            <a:r>
+              <a:rPr lang="en-GB" b="1" dirty="0" err="1"/>
+              <a:t>Usulan</a:t>
+            </a:r>
+            <a:r>
+              <a:rPr lang="en-GB" b="1" dirty="0"/>
+              <a:t> </a:t>
+            </a:r>
+          </a:p>
+          <a:p>
+            <a:pPr marL="342900" indent="-342900">
+              <a:buAutoNum type="arabicPeriod"/>
+            </a:pPr>
+            <a:r>
+              <a:rPr lang="en-GB" b="1" dirty="0"/>
+              <a:t>Jika </a:t>
+            </a:r>
+            <a:r>
+              <a:rPr lang="en-GB" b="1" dirty="0" err="1"/>
+              <a:t>Diakomodir</a:t>
+            </a:r>
+            <a:r>
+              <a:rPr lang="en-GB" b="1" dirty="0"/>
+              <a:t> </a:t>
+            </a:r>
+          </a:p>
+          <a:p>
+            <a:pPr marL="342900" indent="-342900">
+              <a:buAutoNum type="arabicPeriod"/>
+            </a:pPr>
+            <a:r>
+              <a:rPr lang="en-GB" b="1" dirty="0" err="1"/>
+              <a:t>Catatan</a:t>
+            </a:r>
+            <a:r>
+              <a:rPr lang="en-GB" b="1" dirty="0"/>
+              <a:t>/</a:t>
+            </a:r>
+            <a:r>
+              <a:rPr lang="en-GB" b="1" dirty="0" err="1"/>
+              <a:t>Deskripsi</a:t>
+            </a:r>
+            <a:r>
+              <a:rPr lang="en-GB" b="1" dirty="0"/>
+              <a:t> </a:t>
+            </a:r>
+          </a:p>
+          <a:p>
+            <a:pPr marL="342900" indent="-342900">
+              <a:buAutoNum type="arabicPeriod"/>
+            </a:pPr>
+            <a:r>
+              <a:rPr lang="en-GB" b="1" dirty="0"/>
+              <a:t>Volume yang di ACC</a:t>
+            </a:r>
+          </a:p>
+          <a:p>
+            <a:pPr marL="342900" indent="-342900">
+              <a:buAutoNum type="arabicPeriod"/>
+            </a:pPr>
+            <a:r>
+              <a:rPr lang="en-GB" b="1" dirty="0" err="1"/>
+              <a:t>Satuan</a:t>
+            </a:r>
+            <a:r>
+              <a:rPr lang="en-GB" b="1" dirty="0"/>
+              <a:t> yang di ACC </a:t>
+            </a:r>
+          </a:p>
+          <a:p>
+            <a:pPr marL="342900" indent="-342900">
+              <a:buAutoNum type="arabicPeriod"/>
+            </a:pPr>
+            <a:r>
+              <a:rPr lang="en-GB" b="1" dirty="0" err="1"/>
+              <a:t>Bidang</a:t>
+            </a:r>
+            <a:r>
+              <a:rPr lang="en-GB" b="1" dirty="0"/>
+              <a:t>/Bagian yang </a:t>
+            </a:r>
+            <a:r>
+              <a:rPr lang="en-GB" b="1" dirty="0" err="1"/>
+              <a:t>mengampu</a:t>
+            </a:r>
+            <a:endParaRPr lang="en-GB" b="1" dirty="0"/>
+          </a:p>
+        </p:txBody>
+      </p:sp>
+    </p:spTree>
+    <p:extLst>
+      <p:ext uri="{BB962C8B-B14F-4D97-AF65-F5344CB8AC3E}">
+        <p14:creationId xmlns:p14="http://schemas.microsoft.com/office/powerpoint/2010/main" val="516448766"/>
+      </p:ext>
+    </p:extLst>
+  </p:cSld>
+  <p:clrMapOvr>
+    <a:masterClrMapping/>
+  </p:clrMapOvr>
+</p:sld>
+</file>
+
+<file path=ppt/slides/slide11.xml><?xml version="1.0" encoding="utf-8"?>
+<p:sld xmlns:a="http://schemas.openxmlformats.org/drawingml/2006/main" xmlns:r="http://schemas.openxmlformats.org/officeDocument/2006/relationships" xmlns:p="http://schemas.openxmlformats.org/presentationml/2006/main">
+  <p:cSld>
+    <p:spTree>
+      <p:nvGrpSpPr>
+        <p:cNvPr id="1" name=""/>
+        <p:cNvGrpSpPr/>
+        <p:nvPr/>
+      </p:nvGrpSpPr>
+      <p:grpSpPr>
+        <a:xfrm>
+          <a:off x="0" y="0"/>
+          <a:ext cx="0" cy="0"/>
+          <a:chOff x="0" y="0"/>
+          <a:chExt cx="0" cy="0"/>
+        </a:xfrm>
+      </p:grpSpPr>
+      <p:sp>
+        <p:nvSpPr>
+          <p:cNvPr id="2" name="TextBox 1"/>
+          <p:cNvSpPr txBox="1"/>
+          <p:nvPr/>
+        </p:nvSpPr>
+        <p:spPr>
+          <a:xfrm>
+            <a:off x="8625385" y="1692322"/>
+            <a:ext cx="184731" cy="369332"/>
+          </a:xfrm>
+          <a:prstGeom prst="rect">
+            <a:avLst/>
+          </a:prstGeom>
+          <a:noFill/>
+        </p:spPr>
+        <p:txBody>
+          <a:bodyPr wrap="none" rtlCol="0">
+            <a:spAutoFit/>
+          </a:bodyPr>
+          <a:lstStyle/>
+          <a:p>
+            <a:endParaRPr lang="en-GB" dirty="0"/>
+          </a:p>
+        </p:txBody>
+      </p:sp>
+      <p:sp>
+        <p:nvSpPr>
+          <p:cNvPr id="6" name="TextBox 5"/>
+          <p:cNvSpPr txBox="1"/>
+          <p:nvPr/>
+        </p:nvSpPr>
+        <p:spPr>
+          <a:xfrm>
+            <a:off x="3493827" y="2634017"/>
+            <a:ext cx="5976316" cy="1107996"/>
+          </a:xfrm>
+          <a:prstGeom prst="rect">
+            <a:avLst/>
+          </a:prstGeom>
+          <a:noFill/>
+        </p:spPr>
+        <p:txBody>
+          <a:bodyPr wrap="none" rtlCol="0">
+            <a:spAutoFit/>
+          </a:bodyPr>
+          <a:lstStyle/>
+          <a:p>
+            <a:r>
+              <a:rPr lang="en-GB" sz="6600" b="1" dirty="0">
+                <a:ln w="6600">
                   <a:solidFill>
-                    <a:schemeClr val="accent4"/>
+                    <a:schemeClr val="accent2"/>
                   </a:solidFill>
                   <a:prstDash val="solid"/>
                 </a:ln>
-                <a:gradFill>
-                  <a:gsLst>
-                    <a:gs pos="0">
-                      <a:schemeClr val="accent4"/>
-                    </a:gs>
-                    <a:gs pos="4000">
-                      <a:schemeClr val="accent4">
-                        <a:lumMod val="60000"/>
-                        <a:lumOff val="40000"/>
-                      </a:schemeClr>
-                    </a:gs>
-                    <a:gs pos="87000">
-                      <a:schemeClr val="accent4">
-                        <a:lumMod val="20000"/>
-                        <a:lumOff val="80000"/>
-                      </a:schemeClr>
-                    </a:gs>
-                  </a:gsLst>
-                  <a:lin ang="5400000"/>
-                </a:gradFill>
+                <a:solidFill>
+                  <a:srgbClr val="FFFFFF"/>
+                </a:solidFill>
+                <a:effectLst>
+                  <a:outerShdw dist="38100" dir="2700000" algn="tl" rotWithShape="0">
+                    <a:schemeClr val="accent2"/>
+                  </a:outerShdw>
+                </a:effectLst>
               </a:rPr>
               <a:t>TERIMA KASIH </a:t>
             </a:r>
-            <a:endParaRPr lang="en-GB" sz="6600" b="1" dirty="0">
-              <a:ln w="12700" cmpd="sng">
-                <a:solidFill>
-                  <a:schemeClr val="accent4"/>
-                </a:solidFill>
-                <a:prstDash val="solid"/>
-              </a:ln>
-              <a:gradFill>
-                <a:gsLst>
-                  <a:gs pos="0">
-                    <a:schemeClr val="accent4"/>
-                  </a:gs>
-                  <a:gs pos="4000">
-                    <a:schemeClr val="accent4">
-                      <a:lumMod val="60000"/>
-                      <a:lumOff val="40000"/>
-                    </a:schemeClr>
-                  </a:gs>
-                  <a:gs pos="87000">
-                    <a:schemeClr val="accent4">
-                      <a:lumMod val="20000"/>
-                      <a:lumOff val="80000"/>
-                    </a:schemeClr>
-                  </a:gs>
-                </a:gsLst>
-                <a:lin ang="5400000"/>
-              </a:gradFill>
-            </a:endParaRPr>
           </a:p>
         </p:txBody>
       </p:sp>
@@ -3208,13 +4344,6 @@
   <p:clrMapOvr>
     <a:masterClrMapping/>
   </p:clrMapOvr>
-  <p:timing>
-    <p:tnLst>
-      <p:par>
-        <p:cTn id="1" dur="indefinite" restart="never" nodeType="tmRoot"/>
-      </p:par>
-    </p:tnLst>
-  </p:timing>
 </p:sld>
 </file>
 
@@ -3243,8 +4372,8 @@
         </p:nvSpPr>
         <p:spPr>
           <a:xfrm>
-            <a:off x="464023" y="409432"/>
-            <a:ext cx="11259404" cy="3606259"/>
+            <a:off x="359391" y="122661"/>
+            <a:ext cx="11259404" cy="3877985"/>
           </a:xfrm>
           <a:prstGeom prst="rect">
             <a:avLst/>
@@ -3252,18 +4381,16 @@
         </p:spPr>
         <p:style>
           <a:lnRef idx="2">
-            <a:schemeClr val="accent6">
-              <a:shade val="50000"/>
-            </a:schemeClr>
+            <a:schemeClr val="accent2"/>
           </a:lnRef>
           <a:fillRef idx="1">
-            <a:schemeClr val="accent6"/>
+            <a:schemeClr val="lt1"/>
           </a:fillRef>
           <a:effectRef idx="0">
-            <a:schemeClr val="accent6"/>
+            <a:schemeClr val="accent2"/>
           </a:effectRef>
           <a:fontRef idx="minor">
-            <a:schemeClr val="lt1"/>
+            <a:schemeClr val="dk1"/>
           </a:fontRef>
         </p:style>
         <p:txBody>
@@ -3297,7 +4424,7 @@
           </a:bodyPr>
           <a:lstStyle/>
           <a:p>
-            <a:endParaRPr lang="en-GB" dirty="0" smtClean="0"/>
+            <a:endParaRPr lang="en-GB" dirty="0"/>
           </a:p>
         </p:txBody>
       </p:sp>
@@ -3309,8 +4436,8 @@
         </p:nvSpPr>
         <p:spPr>
           <a:xfrm>
-            <a:off x="573205" y="549160"/>
-            <a:ext cx="10617958" cy="3724096"/>
+            <a:off x="359391" y="122661"/>
+            <a:ext cx="10617958" cy="3877985"/>
           </a:xfrm>
           <a:prstGeom prst="rect">
             <a:avLst/>
@@ -3344,7 +4471,7 @@
               <a:buAutoNum type="arabicPeriod"/>
             </a:pPr>
             <a:r>
-              <a:rPr lang="en-GB" dirty="0" err="1" smtClean="0">
+              <a:rPr lang="en-GB" dirty="0" err="1">
                 <a:solidFill>
                   <a:schemeClr val="tx1"/>
                 </a:solidFill>
@@ -3352,7 +4479,7 @@
               <a:t>Buka</a:t>
             </a:r>
             <a:r>
-              <a:rPr lang="en-GB" dirty="0" smtClean="0">
+              <a:rPr lang="en-GB" dirty="0">
                 <a:solidFill>
                   <a:schemeClr val="tx1"/>
                 </a:solidFill>
@@ -3360,14 +4487,14 @@
               <a:t> WEB BROWSER, </a:t>
             </a:r>
             <a:br>
-              <a:rPr lang="en-GB" dirty="0" smtClean="0">
+              <a:rPr lang="en-GB" dirty="0">
                 <a:solidFill>
                   <a:schemeClr val="tx1"/>
                 </a:solidFill>
               </a:rPr>
             </a:br>
             <a:r>
-              <a:rPr lang="en-GB" dirty="0" err="1" smtClean="0">
+              <a:rPr lang="en-GB" dirty="0" err="1">
                 <a:solidFill>
                   <a:schemeClr val="tx1"/>
                 </a:solidFill>
@@ -3375,15 +4502,15 @@
               <a:t>Contoh</a:t>
             </a:r>
             <a:r>
-              <a:rPr lang="en-GB" dirty="0" smtClean="0">
-                <a:solidFill>
-                  <a:schemeClr val="tx1"/>
-                </a:solidFill>
-              </a:rPr>
-              <a:t> </a:t>
-            </a:r>
-            <a:r>
-              <a:rPr lang="en-GB" b="1" dirty="0" smtClean="0">
+              <a:rPr lang="en-GB" dirty="0">
+                <a:solidFill>
+                  <a:schemeClr val="tx1"/>
+                </a:solidFill>
+              </a:rPr>
+              <a:t> </a:t>
+            </a:r>
+            <a:r>
+              <a:rPr lang="en-GB" b="1" dirty="0">
                 <a:solidFill>
                   <a:schemeClr val="tx1"/>
                 </a:solidFill>
@@ -3391,7 +4518,7 @@
               <a:t>Google Chrome </a:t>
             </a:r>
             <a:r>
-              <a:rPr lang="en-GB" dirty="0" err="1" smtClean="0">
+              <a:rPr lang="en-GB" dirty="0" err="1">
                 <a:solidFill>
                   <a:schemeClr val="tx1"/>
                 </a:solidFill>
@@ -3399,15 +4526,15 @@
               <a:t>atau</a:t>
             </a:r>
             <a:r>
-              <a:rPr lang="en-GB" dirty="0" smtClean="0">
-                <a:solidFill>
-                  <a:schemeClr val="tx1"/>
-                </a:solidFill>
-              </a:rPr>
-              <a:t> </a:t>
-            </a:r>
-            <a:r>
-              <a:rPr lang="en-GB" b="1" dirty="0" smtClean="0">
+              <a:rPr lang="en-GB" dirty="0">
+                <a:solidFill>
+                  <a:schemeClr val="tx1"/>
+                </a:solidFill>
+              </a:rPr>
+              <a:t> </a:t>
+            </a:r>
+            <a:r>
+              <a:rPr lang="en-GB" b="1" dirty="0">
                 <a:solidFill>
                   <a:schemeClr val="tx1"/>
                 </a:solidFill>
@@ -3415,7 +4542,7 @@
               <a:t>Microsoft Edge </a:t>
             </a:r>
             <a:r>
-              <a:rPr lang="en-GB" dirty="0" smtClean="0">
+              <a:rPr lang="en-GB" dirty="0">
                 <a:solidFill>
                   <a:schemeClr val="tx1"/>
                 </a:solidFill>
@@ -3423,7 +4550,7 @@
               <a:t>(</a:t>
             </a:r>
             <a:r>
-              <a:rPr lang="en-GB" dirty="0" err="1" smtClean="0">
+              <a:rPr lang="en-GB" dirty="0" err="1">
                 <a:solidFill>
                   <a:schemeClr val="tx1"/>
                 </a:solidFill>
@@ -3431,15 +4558,15 @@
               <a:t>tidak</a:t>
             </a:r>
             <a:r>
-              <a:rPr lang="en-GB" dirty="0" smtClean="0">
-                <a:solidFill>
-                  <a:schemeClr val="tx1"/>
-                </a:solidFill>
-              </a:rPr>
-              <a:t> </a:t>
-            </a:r>
-            <a:r>
-              <a:rPr lang="en-GB" dirty="0" err="1" smtClean="0">
+              <a:rPr lang="en-GB" dirty="0">
+                <a:solidFill>
+                  <a:schemeClr val="tx1"/>
+                </a:solidFill>
+              </a:rPr>
+              <a:t> </a:t>
+            </a:r>
+            <a:r>
+              <a:rPr lang="en-GB" dirty="0" err="1">
                 <a:solidFill>
                   <a:schemeClr val="tx1"/>
                 </a:solidFill>
@@ -3447,15 +4574,15 @@
               <a:t>disarankan</a:t>
             </a:r>
             <a:r>
-              <a:rPr lang="en-GB" dirty="0" smtClean="0">
-                <a:solidFill>
-                  <a:schemeClr val="tx1"/>
-                </a:solidFill>
-              </a:rPr>
-              <a:t> </a:t>
-            </a:r>
-            <a:r>
-              <a:rPr lang="en-GB" dirty="0" err="1" smtClean="0">
+              <a:rPr lang="en-GB" dirty="0">
+                <a:solidFill>
+                  <a:schemeClr val="tx1"/>
+                </a:solidFill>
+              </a:rPr>
+              <a:t> </a:t>
+            </a:r>
+            <a:r>
+              <a:rPr lang="en-GB" dirty="0" err="1">
                 <a:solidFill>
                   <a:schemeClr val="tx1"/>
                 </a:solidFill>
@@ -3463,15 +4590,15 @@
               <a:t>menggunakan</a:t>
             </a:r>
             <a:r>
-              <a:rPr lang="en-GB" dirty="0" smtClean="0">
-                <a:solidFill>
-                  <a:schemeClr val="tx1"/>
-                </a:solidFill>
-              </a:rPr>
-              <a:t> </a:t>
-            </a:r>
-            <a:r>
-              <a:rPr lang="en-GB" dirty="0" err="1" smtClean="0">
+              <a:rPr lang="en-GB" dirty="0">
+                <a:solidFill>
+                  <a:schemeClr val="tx1"/>
+                </a:solidFill>
+              </a:rPr>
+              <a:t> </a:t>
+            </a:r>
+            <a:r>
+              <a:rPr lang="en-GB" dirty="0" err="1">
                 <a:solidFill>
                   <a:schemeClr val="tx1"/>
                 </a:solidFill>
@@ -3479,15 +4606,15 @@
               <a:t>firefox</a:t>
             </a:r>
             <a:r>
-              <a:rPr lang="en-GB" dirty="0" smtClean="0">
-                <a:solidFill>
-                  <a:schemeClr val="tx1"/>
-                </a:solidFill>
-              </a:rPr>
-              <a:t> </a:t>
-            </a:r>
-            <a:r>
-              <a:rPr lang="en-GB" dirty="0" err="1" smtClean="0">
+              <a:rPr lang="en-GB" dirty="0">
+                <a:solidFill>
+                  <a:schemeClr val="tx1"/>
+                </a:solidFill>
+              </a:rPr>
+              <a:t> </a:t>
+            </a:r>
+            <a:r>
+              <a:rPr lang="en-GB" dirty="0" err="1">
                 <a:solidFill>
                   <a:schemeClr val="tx1"/>
                 </a:solidFill>
@@ -3495,7 +4622,7 @@
               <a:t>dan</a:t>
             </a:r>
             <a:r>
-              <a:rPr lang="en-GB" dirty="0" smtClean="0">
+              <a:rPr lang="en-GB" dirty="0">
                 <a:solidFill>
                   <a:schemeClr val="tx1"/>
                 </a:solidFill>
@@ -3511,13 +4638,6 @@
             </a:endParaRPr>
           </a:p>
           <a:p>
-            <a:endParaRPr lang="en-GB" dirty="0" smtClean="0">
-              <a:solidFill>
-                <a:schemeClr val="tx1"/>
-              </a:solidFill>
-            </a:endParaRPr>
-          </a:p>
-          <a:p>
             <a:endParaRPr lang="en-GB" dirty="0">
               <a:solidFill>
                 <a:schemeClr val="tx1"/>
@@ -3525,190 +4645,120 @@
             </a:endParaRPr>
           </a:p>
           <a:p>
-            <a:endParaRPr lang="en-GB" dirty="0" smtClean="0">
+            <a:endParaRPr lang="en-GB" dirty="0">
               <a:solidFill>
                 <a:schemeClr val="tx1"/>
               </a:solidFill>
             </a:endParaRPr>
           </a:p>
           <a:p>
-            <a:r>
-              <a:rPr lang="en-GB" dirty="0" smtClean="0">
-                <a:solidFill>
-                  <a:schemeClr val="tx1"/>
-                </a:solidFill>
-              </a:rPr>
-              <a:t>2. </a:t>
-            </a:r>
-            <a:r>
-              <a:rPr lang="en-GB" dirty="0" err="1" smtClean="0">
-                <a:solidFill>
-                  <a:schemeClr val="tx1"/>
-                </a:solidFill>
-              </a:rPr>
-              <a:t>Akses</a:t>
-            </a:r>
-            <a:r>
-              <a:rPr lang="en-GB" dirty="0" smtClean="0">
-                <a:solidFill>
-                  <a:schemeClr val="tx1"/>
-                </a:solidFill>
-              </a:rPr>
-              <a:t> Link </a:t>
-            </a:r>
-            <a:r>
-              <a:rPr lang="en-GB" dirty="0" err="1" smtClean="0">
-                <a:solidFill>
-                  <a:schemeClr val="tx1"/>
-                </a:solidFill>
-              </a:rPr>
-              <a:t>dibawah</a:t>
-            </a:r>
-            <a:r>
-              <a:rPr lang="en-GB" dirty="0" smtClean="0">
-                <a:solidFill>
-                  <a:schemeClr val="tx1"/>
-                </a:solidFill>
-              </a:rPr>
-              <a:t> </a:t>
-            </a:r>
-            <a:r>
-              <a:rPr lang="en-GB" dirty="0" err="1" smtClean="0">
-                <a:solidFill>
-                  <a:schemeClr val="tx1"/>
-                </a:solidFill>
-              </a:rPr>
-              <a:t>ini</a:t>
-            </a:r>
-            <a:r>
-              <a:rPr lang="en-GB" dirty="0" smtClean="0">
-                <a:solidFill>
-                  <a:schemeClr val="tx1"/>
-                </a:solidFill>
-              </a:rPr>
-              <a:t> </a:t>
-            </a:r>
-          </a:p>
-          <a:p>
-            <a:r>
-              <a:rPr lang="en-GB" sz="2800">
-                <a:solidFill>
-                  <a:schemeClr val="tx1"/>
-                </a:solidFill>
-                <a:hlinkClick r:id="rId2"/>
-              </a:rPr>
-              <a:t>http</a:t>
-            </a:r>
-            <a:r>
-              <a:rPr lang="en-GB" sz="2800">
-                <a:solidFill>
-                  <a:schemeClr val="tx1"/>
-                </a:solidFill>
-                <a:hlinkClick r:id="rId2"/>
-              </a:rPr>
-              <a:t>://</a:t>
-            </a:r>
-            <a:r>
-              <a:rPr lang="en-GB" sz="2800" smtClean="0">
-                <a:solidFill>
-                  <a:schemeClr val="tx1"/>
-                </a:solidFill>
-                <a:hlinkClick r:id="rId2"/>
-              </a:rPr>
-              <a:t>s.id/rkbursj-internal</a:t>
-            </a:r>
-            <a:r>
-              <a:rPr lang="en-GB" sz="2800">
-                <a:solidFill>
-                  <a:schemeClr val="tx1"/>
-                </a:solidFill>
-                <a:hlinkClick r:id="rId2"/>
-              </a:rPr>
-              <a:t>/ </a:t>
-            </a:r>
-            <a:r>
-              <a:rPr lang="en-GB" sz="2800" dirty="0" smtClean="0">
-                <a:solidFill>
-                  <a:schemeClr val="tx1"/>
-                </a:solidFill>
-              </a:rPr>
-              <a:t>			</a:t>
-            </a:r>
-            <a:r>
-              <a:rPr lang="en-GB" sz="2800" smtClean="0">
-                <a:solidFill>
-                  <a:schemeClr val="tx1"/>
-                </a:solidFill>
-              </a:rPr>
-              <a:t>	</a:t>
-            </a:r>
-            <a:r>
-              <a:rPr lang="en-GB" sz="2800" smtClean="0">
-                <a:solidFill>
-                  <a:schemeClr val="tx1"/>
-                </a:solidFill>
-              </a:rPr>
-              <a:t>- </a:t>
-            </a:r>
-            <a:r>
-              <a:rPr lang="en-GB" sz="2800" dirty="0" smtClean="0">
-                <a:solidFill>
-                  <a:schemeClr val="tx1"/>
-                </a:solidFill>
-              </a:rPr>
-              <a:t>Internal RSJ</a:t>
-            </a:r>
-          </a:p>
-          <a:p>
-            <a:r>
-              <a:rPr lang="en-GB" sz="2800" dirty="0" smtClean="0">
-                <a:solidFill>
-                  <a:schemeClr val="tx1"/>
-                </a:solidFill>
-                <a:hlinkClick r:id="rId2"/>
-              </a:rPr>
-              <a:t>http://s.id/rkbursj-eksternal/</a:t>
-            </a:r>
-            <a:r>
-              <a:rPr lang="en-GB" sz="2800" dirty="0" smtClean="0">
-                <a:solidFill>
-                  <a:schemeClr val="tx1"/>
-                </a:solidFill>
-              </a:rPr>
-              <a:t> </a:t>
-            </a:r>
-            <a:r>
-              <a:rPr lang="en-GB" sz="2800" dirty="0" smtClean="0">
-                <a:solidFill>
-                  <a:schemeClr val="tx1"/>
-                </a:solidFill>
-              </a:rPr>
-              <a:t>				- </a:t>
-            </a:r>
-            <a:r>
-              <a:rPr lang="en-GB" sz="2800" dirty="0" err="1" smtClean="0">
-                <a:solidFill>
-                  <a:schemeClr val="tx1"/>
-                </a:solidFill>
-              </a:rPr>
-              <a:t>Eksternal</a:t>
-            </a:r>
-            <a:r>
-              <a:rPr lang="en-GB" sz="2800" dirty="0" smtClean="0">
-                <a:solidFill>
-                  <a:schemeClr val="tx1"/>
-                </a:solidFill>
-              </a:rPr>
-              <a:t> RSJ</a:t>
-            </a:r>
-            <a:endParaRPr lang="en-GB" sz="4800" dirty="0" smtClean="0">
+            <a:endParaRPr lang="en-GB" dirty="0">
               <a:solidFill>
                 <a:schemeClr val="tx1"/>
               </a:solidFill>
             </a:endParaRPr>
           </a:p>
           <a:p>
-            <a:endParaRPr lang="en-GB" dirty="0" smtClean="0">
+            <a:r>
+              <a:rPr lang="en-GB" dirty="0">
+                <a:solidFill>
+                  <a:schemeClr val="tx1"/>
+                </a:solidFill>
+              </a:rPr>
+              <a:t>2. </a:t>
+            </a:r>
+            <a:r>
+              <a:rPr lang="en-GB" dirty="0" err="1">
+                <a:solidFill>
+                  <a:schemeClr val="tx1"/>
+                </a:solidFill>
+              </a:rPr>
+              <a:t>Akses</a:t>
+            </a:r>
+            <a:r>
+              <a:rPr lang="en-GB" dirty="0">
+                <a:solidFill>
+                  <a:schemeClr val="tx1"/>
+                </a:solidFill>
+              </a:rPr>
+              <a:t> Link </a:t>
+            </a:r>
+            <a:r>
+              <a:rPr lang="en-GB" dirty="0" err="1">
+                <a:solidFill>
+                  <a:schemeClr val="tx1"/>
+                </a:solidFill>
+              </a:rPr>
+              <a:t>dibawah</a:t>
+            </a:r>
+            <a:r>
+              <a:rPr lang="en-GB" dirty="0">
+                <a:solidFill>
+                  <a:schemeClr val="tx1"/>
+                </a:solidFill>
+              </a:rPr>
+              <a:t> </a:t>
+            </a:r>
+            <a:r>
+              <a:rPr lang="en-GB" dirty="0" err="1">
+                <a:solidFill>
+                  <a:schemeClr val="tx1"/>
+                </a:solidFill>
+              </a:rPr>
+              <a:t>ini</a:t>
+            </a:r>
+            <a:r>
+              <a:rPr lang="en-GB" dirty="0">
+                <a:solidFill>
+                  <a:schemeClr val="tx1"/>
+                </a:solidFill>
+              </a:rPr>
+              <a:t> </a:t>
+            </a:r>
+          </a:p>
+          <a:p>
+            <a:r>
+              <a:rPr lang="en-GB" sz="2800" dirty="0" err="1">
+                <a:solidFill>
+                  <a:schemeClr val="tx1"/>
+                </a:solidFill>
+              </a:rPr>
+              <a:t>Renbut</a:t>
+            </a:r>
+            <a:r>
+              <a:rPr lang="en-GB" sz="2800" dirty="0">
+                <a:solidFill>
+                  <a:schemeClr val="tx1"/>
+                </a:solidFill>
+              </a:rPr>
+              <a:t> </a:t>
+            </a:r>
+            <a:r>
+              <a:rPr lang="en-GB" sz="2800" dirty="0" err="1">
+                <a:solidFill>
+                  <a:schemeClr val="tx1"/>
+                </a:solidFill>
+              </a:rPr>
+              <a:t>Baru</a:t>
+            </a:r>
+            <a:r>
+              <a:rPr lang="en-GB" sz="2800" dirty="0">
+                <a:solidFill>
+                  <a:schemeClr val="tx1"/>
+                </a:solidFill>
+              </a:rPr>
+              <a:t> Internal   : </a:t>
+            </a:r>
+            <a:r>
+              <a:rPr lang="en-GB" sz="2800" dirty="0">
+                <a:solidFill>
+                  <a:schemeClr val="tx1"/>
+                </a:solidFill>
+                <a:hlinkClick r:id="rId2"/>
+              </a:rPr>
+              <a:t>https://bit.ly/renbutbaru-localrsj</a:t>
+            </a:r>
+            <a:endParaRPr lang="en-GB" sz="2800" dirty="0">
               <a:solidFill>
                 <a:schemeClr val="tx1"/>
               </a:solidFill>
@@ -3716,7 +4766,185 @@
           </a:p>
           <a:p>
             <a:r>
-              <a:rPr lang="en-GB" dirty="0" smtClean="0">
+              <a:rPr lang="en-GB" sz="2800" dirty="0" err="1">
+                <a:solidFill>
+                  <a:schemeClr val="tx1"/>
+                </a:solidFill>
+              </a:rPr>
+              <a:t>Renbut</a:t>
+            </a:r>
+            <a:r>
+              <a:rPr lang="en-GB" sz="2800" dirty="0">
+                <a:solidFill>
+                  <a:schemeClr val="tx1"/>
+                </a:solidFill>
+              </a:rPr>
+              <a:t> </a:t>
+            </a:r>
+            <a:r>
+              <a:rPr lang="en-GB" sz="2800" dirty="0" err="1">
+                <a:solidFill>
+                  <a:schemeClr val="tx1"/>
+                </a:solidFill>
+              </a:rPr>
+              <a:t>Baru</a:t>
+            </a:r>
+            <a:r>
+              <a:rPr lang="en-GB" sz="2800" dirty="0">
+                <a:solidFill>
+                  <a:schemeClr val="tx1"/>
+                </a:solidFill>
+              </a:rPr>
+              <a:t> </a:t>
+            </a:r>
+            <a:r>
+              <a:rPr lang="en-GB" sz="2800" dirty="0" err="1">
+                <a:solidFill>
+                  <a:schemeClr val="tx1"/>
+                </a:solidFill>
+              </a:rPr>
+              <a:t>Eksternal</a:t>
+            </a:r>
+            <a:r>
+              <a:rPr lang="en-GB" sz="2800" dirty="0">
+                <a:solidFill>
+                  <a:schemeClr val="tx1"/>
+                </a:solidFill>
+              </a:rPr>
+              <a:t> : </a:t>
+            </a:r>
+            <a:r>
+              <a:rPr lang="en-GB" sz="2800" dirty="0">
+                <a:solidFill>
+                  <a:schemeClr val="tx1"/>
+                </a:solidFill>
+                <a:hlinkClick r:id="rId3"/>
+              </a:rPr>
+              <a:t>https://bit.ly/renbutbaru-rsj</a:t>
+            </a:r>
+            <a:r>
+              <a:rPr lang="en-GB" sz="2800" dirty="0">
+                <a:solidFill>
+                  <a:schemeClr val="tx1"/>
+                </a:solidFill>
+              </a:rPr>
+              <a:t> </a:t>
+            </a:r>
+          </a:p>
+          <a:p>
+            <a:r>
+              <a:rPr lang="en-GB" sz="2000" dirty="0">
+                <a:solidFill>
+                  <a:schemeClr val="tx1"/>
+                </a:solidFill>
+              </a:rPr>
+              <a:t>(Gedung PH, </a:t>
+            </a:r>
+            <a:r>
+              <a:rPr lang="en-GB" sz="2000" dirty="0" err="1">
+                <a:solidFill>
+                  <a:schemeClr val="tx1"/>
+                </a:solidFill>
+              </a:rPr>
+              <a:t>Kepegawaian</a:t>
+            </a:r>
+            <a:r>
+              <a:rPr lang="en-GB" sz="2000" dirty="0">
+                <a:solidFill>
+                  <a:schemeClr val="tx1"/>
+                </a:solidFill>
+              </a:rPr>
+              <a:t>, </a:t>
+            </a:r>
+            <a:r>
+              <a:rPr lang="en-GB" sz="2000" dirty="0" err="1">
+                <a:solidFill>
+                  <a:schemeClr val="tx1"/>
+                </a:solidFill>
+              </a:rPr>
+              <a:t>Sekre</a:t>
+            </a:r>
+            <a:r>
+              <a:rPr lang="en-GB" sz="2000" dirty="0">
+                <a:solidFill>
+                  <a:schemeClr val="tx1"/>
+                </a:solidFill>
+              </a:rPr>
+              <a:t> </a:t>
+            </a:r>
+            <a:r>
+              <a:rPr lang="en-GB" sz="2000" dirty="0" err="1">
+                <a:solidFill>
+                  <a:schemeClr val="tx1"/>
+                </a:solidFill>
+              </a:rPr>
+              <a:t>Keuangan</a:t>
+            </a:r>
+            <a:r>
+              <a:rPr lang="en-GB" sz="2000" dirty="0">
+                <a:solidFill>
+                  <a:schemeClr val="tx1"/>
+                </a:solidFill>
+              </a:rPr>
+              <a:t>, </a:t>
+            </a:r>
+            <a:r>
+              <a:rPr lang="en-GB" sz="2000" dirty="0" err="1">
+                <a:solidFill>
+                  <a:schemeClr val="tx1"/>
+                </a:solidFill>
+              </a:rPr>
+              <a:t>Bidper</a:t>
+            </a:r>
+            <a:r>
+              <a:rPr lang="en-GB" sz="2000" dirty="0">
+                <a:solidFill>
+                  <a:schemeClr val="tx1"/>
+                </a:solidFill>
+              </a:rPr>
+              <a:t> </a:t>
+            </a:r>
+            <a:r>
+              <a:rPr lang="en-GB" sz="2000" dirty="0" err="1">
+                <a:solidFill>
+                  <a:schemeClr val="tx1"/>
+                </a:solidFill>
+              </a:rPr>
+              <a:t>Bidmed</a:t>
+            </a:r>
+            <a:r>
+              <a:rPr lang="en-GB" sz="2000" dirty="0">
+                <a:solidFill>
+                  <a:schemeClr val="tx1"/>
+                </a:solidFill>
+              </a:rPr>
+              <a:t>, </a:t>
+            </a:r>
+            <a:r>
+              <a:rPr lang="en-GB" sz="2000" dirty="0" err="1">
+                <a:solidFill>
+                  <a:schemeClr val="tx1"/>
+                </a:solidFill>
+              </a:rPr>
+              <a:t>Perkutut</a:t>
+            </a:r>
+            <a:r>
+              <a:rPr lang="en-GB" sz="2000" dirty="0">
+                <a:solidFill>
+                  <a:schemeClr val="tx1"/>
+                </a:solidFill>
+              </a:rPr>
+              <a:t>)</a:t>
+            </a:r>
+            <a:endParaRPr lang="en-GB" dirty="0">
+              <a:solidFill>
+                <a:schemeClr val="tx1"/>
+              </a:solidFill>
+            </a:endParaRPr>
+          </a:p>
+          <a:p>
+            <a:r>
+              <a:rPr lang="en-GB" dirty="0">
                 <a:solidFill>
                   <a:schemeClr val="tx1"/>
                 </a:solidFill>
@@ -3724,7 +4952,7 @@
               <a:t>3. </a:t>
             </a:r>
             <a:r>
-              <a:rPr lang="en-GB" dirty="0" err="1" smtClean="0">
+              <a:rPr lang="en-GB" dirty="0" err="1">
                 <a:solidFill>
                   <a:schemeClr val="tx1"/>
                 </a:solidFill>
@@ -3732,15 +4960,15 @@
               <a:t>Maka</a:t>
             </a:r>
             <a:r>
-              <a:rPr lang="en-GB" dirty="0" smtClean="0">
-                <a:solidFill>
-                  <a:schemeClr val="tx1"/>
-                </a:solidFill>
-              </a:rPr>
-              <a:t> </a:t>
-            </a:r>
-            <a:r>
-              <a:rPr lang="en-GB" dirty="0" err="1" smtClean="0">
+              <a:rPr lang="en-GB" dirty="0">
+                <a:solidFill>
+                  <a:schemeClr val="tx1"/>
+                </a:solidFill>
+              </a:rPr>
+              <a:t> </a:t>
+            </a:r>
+            <a:r>
+              <a:rPr lang="en-GB" dirty="0" err="1">
                 <a:solidFill>
                   <a:schemeClr val="tx1"/>
                 </a:solidFill>
@@ -3748,15 +4976,15 @@
               <a:t>akan</a:t>
             </a:r>
             <a:r>
-              <a:rPr lang="en-GB" dirty="0" smtClean="0">
-                <a:solidFill>
-                  <a:schemeClr val="tx1"/>
-                </a:solidFill>
-              </a:rPr>
-              <a:t> </a:t>
-            </a:r>
-            <a:r>
-              <a:rPr lang="en-GB" dirty="0" err="1" smtClean="0">
+              <a:rPr lang="en-GB" dirty="0">
+                <a:solidFill>
+                  <a:schemeClr val="tx1"/>
+                </a:solidFill>
+              </a:rPr>
+              <a:t> </a:t>
+            </a:r>
+            <a:r>
+              <a:rPr lang="en-GB" dirty="0" err="1">
                 <a:solidFill>
                   <a:schemeClr val="tx1"/>
                 </a:solidFill>
@@ -3764,15 +4992,15 @@
               <a:t>muncul</a:t>
             </a:r>
             <a:r>
-              <a:rPr lang="en-GB" dirty="0" smtClean="0">
-                <a:solidFill>
-                  <a:schemeClr val="tx1"/>
-                </a:solidFill>
-              </a:rPr>
-              <a:t> </a:t>
-            </a:r>
-            <a:r>
-              <a:rPr lang="en-GB" dirty="0" err="1" smtClean="0">
+              <a:rPr lang="en-GB" dirty="0">
+                <a:solidFill>
+                  <a:schemeClr val="tx1"/>
+                </a:solidFill>
+              </a:rPr>
+              <a:t> </a:t>
+            </a:r>
+            <a:r>
+              <a:rPr lang="en-GB" dirty="0" err="1">
                 <a:solidFill>
                   <a:schemeClr val="tx1"/>
                 </a:solidFill>
@@ -3780,15 +5008,15 @@
               <a:t>tampilan</a:t>
             </a:r>
             <a:r>
-              <a:rPr lang="en-GB" dirty="0" smtClean="0">
-                <a:solidFill>
-                  <a:schemeClr val="tx1"/>
-                </a:solidFill>
-              </a:rPr>
-              <a:t> </a:t>
-            </a:r>
-            <a:r>
-              <a:rPr lang="en-GB" dirty="0" err="1" smtClean="0">
+              <a:rPr lang="en-GB" dirty="0">
+                <a:solidFill>
+                  <a:schemeClr val="tx1"/>
+                </a:solidFill>
+              </a:rPr>
+              <a:t> </a:t>
+            </a:r>
+            <a:r>
+              <a:rPr lang="en-GB" dirty="0" err="1">
                 <a:solidFill>
                   <a:schemeClr val="tx1"/>
                 </a:solidFill>
@@ -3796,15 +5024,15 @@
               <a:t>awal</a:t>
             </a:r>
             <a:r>
-              <a:rPr lang="en-GB" dirty="0" smtClean="0">
-                <a:solidFill>
-                  <a:schemeClr val="tx1"/>
-                </a:solidFill>
-              </a:rPr>
-              <a:t> </a:t>
-            </a:r>
-            <a:r>
-              <a:rPr lang="en-GB" dirty="0" err="1" smtClean="0">
+              <a:rPr lang="en-GB" dirty="0">
+                <a:solidFill>
+                  <a:schemeClr val="tx1"/>
+                </a:solidFill>
+              </a:rPr>
+              <a:t> </a:t>
+            </a:r>
+            <a:r>
+              <a:rPr lang="en-GB" dirty="0" err="1">
                 <a:solidFill>
                   <a:schemeClr val="tx1"/>
                 </a:solidFill>
@@ -3812,7 +5040,7 @@
               <a:t>halaman</a:t>
             </a:r>
             <a:r>
-              <a:rPr lang="en-GB" dirty="0" smtClean="0">
+              <a:rPr lang="en-GB" dirty="0">
                 <a:solidFill>
                   <a:schemeClr val="tx1"/>
                 </a:solidFill>
@@ -3820,7 +5048,7 @@
               <a:t> login </a:t>
             </a:r>
             <a:r>
-              <a:rPr lang="en-GB" dirty="0" err="1" smtClean="0">
+              <a:rPr lang="en-GB" dirty="0" err="1">
                 <a:solidFill>
                   <a:schemeClr val="tx1"/>
                 </a:solidFill>
@@ -3828,15 +5056,15 @@
               <a:t>seperti</a:t>
             </a:r>
             <a:r>
-              <a:rPr lang="en-GB" dirty="0" smtClean="0">
-                <a:solidFill>
-                  <a:schemeClr val="tx1"/>
-                </a:solidFill>
-              </a:rPr>
-              <a:t> </a:t>
-            </a:r>
-            <a:r>
-              <a:rPr lang="en-GB" dirty="0" err="1" smtClean="0">
+              <a:rPr lang="en-GB" dirty="0">
+                <a:solidFill>
+                  <a:schemeClr val="tx1"/>
+                </a:solidFill>
+              </a:rPr>
+              <a:t> </a:t>
+            </a:r>
+            <a:r>
+              <a:rPr lang="en-GB" dirty="0" err="1">
                 <a:solidFill>
                   <a:schemeClr val="tx1"/>
                 </a:solidFill>
@@ -3844,22 +5072,22 @@
               <a:t>berikut</a:t>
             </a:r>
             <a:r>
-              <a:rPr lang="en-GB" dirty="0" smtClean="0">
-                <a:solidFill>
-                  <a:schemeClr val="tx1"/>
-                </a:solidFill>
-              </a:rPr>
-              <a:t> </a:t>
-            </a:r>
-            <a:r>
-              <a:rPr lang="en-GB" dirty="0" err="1" smtClean="0">
+              <a:rPr lang="en-GB" dirty="0">
+                <a:solidFill>
+                  <a:schemeClr val="tx1"/>
+                </a:solidFill>
+              </a:rPr>
+              <a:t> </a:t>
+            </a:r>
+            <a:r>
+              <a:rPr lang="en-GB" dirty="0" err="1">
                 <a:solidFill>
                   <a:schemeClr val="tx1"/>
                 </a:solidFill>
               </a:rPr>
               <a:t>ini</a:t>
             </a:r>
-            <a:endParaRPr lang="en-GB" dirty="0" smtClean="0">
+            <a:endParaRPr lang="en-GB" dirty="0">
               <a:solidFill>
                 <a:schemeClr val="tx1"/>
               </a:solidFill>
@@ -3883,13 +5111,13 @@
           <p:nvPr/>
         </p:nvPicPr>
         <p:blipFill rotWithShape="1">
-          <a:blip r:embed="rId3"/>
+          <a:blip r:embed="rId4"/>
           <a:srcRect l="687" t="37860" r="95552" b="54975"/>
           <a:stretch/>
         </p:blipFill>
         <p:spPr>
           <a:xfrm>
-            <a:off x="3357347" y="1206226"/>
+            <a:off x="3433683" y="833972"/>
             <a:ext cx="874246" cy="936688"/>
           </a:xfrm>
           <a:prstGeom prst="rect">
@@ -3906,13 +5134,13 @@
           <p:nvPr/>
         </p:nvPicPr>
         <p:blipFill rotWithShape="1">
-          <a:blip r:embed="rId4"/>
+          <a:blip r:embed="rId5"/>
           <a:srcRect l="4806" t="28308" r="90627" b="64209"/>
           <a:stretch/>
         </p:blipFill>
         <p:spPr>
           <a:xfrm>
-            <a:off x="4545492" y="1223978"/>
+            <a:off x="4621828" y="851724"/>
             <a:ext cx="1022793" cy="942574"/>
           </a:xfrm>
           <a:prstGeom prst="rect">
@@ -3929,14 +5157,14 @@
           <p:nvPr/>
         </p:nvPicPr>
         <p:blipFill rotWithShape="1">
-          <a:blip r:embed="rId5"/>
+          <a:blip r:embed="rId6"/>
           <a:srcRect l="12866" t="13305" r="13701" b="225"/>
           <a:stretch/>
         </p:blipFill>
         <p:spPr>
           <a:xfrm>
-            <a:off x="4128447" y="4015691"/>
-            <a:ext cx="3930556" cy="2487755"/>
+            <a:off x="3635189" y="3885691"/>
+            <a:ext cx="4502332" cy="2849648"/>
           </a:xfrm>
           <a:prstGeom prst="rect">
             <a:avLst/>
@@ -3958,13 +5186,6 @@
   <p:clrMapOvr>
     <a:masterClrMapping/>
   </p:clrMapOvr>
-  <p:timing>
-    <p:tnLst>
-      <p:par>
-        <p:cTn id="1" dur="indefinite" restart="never" nodeType="tmRoot"/>
-      </p:par>
-    </p:tnLst>
-  </p:timing>
 </p:sld>
 </file>
 
@@ -4007,13 +5228,198 @@
           </a:bodyPr>
           <a:lstStyle/>
           <a:p>
-            <a:endParaRPr lang="en-GB" dirty="0" smtClean="0"/>
+            <a:endParaRPr lang="en-GB" dirty="0"/>
+          </a:p>
+        </p:txBody>
+      </p:sp>
+      <p:sp>
+        <p:nvSpPr>
+          <p:cNvPr id="5" name="Rectangle 4"/>
+          <p:cNvSpPr/>
+          <p:nvPr/>
+        </p:nvSpPr>
+        <p:spPr>
+          <a:xfrm>
+            <a:off x="8085997" y="1008530"/>
+            <a:ext cx="3835020" cy="5022377"/>
+          </a:xfrm>
+          <a:prstGeom prst="rect">
+            <a:avLst/>
+          </a:prstGeom>
+        </p:spPr>
+        <p:style>
+          <a:lnRef idx="2">
+            <a:schemeClr val="accent2">
+              <a:shade val="50000"/>
+            </a:schemeClr>
+          </a:lnRef>
+          <a:fillRef idx="1">
+            <a:schemeClr val="accent2"/>
+          </a:fillRef>
+          <a:effectRef idx="0">
+            <a:schemeClr val="accent2"/>
+          </a:effectRef>
+          <a:fontRef idx="minor">
+            <a:schemeClr val="lt1"/>
+          </a:fontRef>
+        </p:style>
+        <p:txBody>
+          <a:bodyPr rtlCol="0" anchor="ctr"/>
+          <a:lstStyle/>
+          <a:p>
+            <a:r>
+              <a:rPr lang="en-GB" dirty="0"/>
+              <a:t>SILAHKAN MASUKAN </a:t>
+            </a:r>
+          </a:p>
+          <a:p>
+            <a:endParaRPr lang="en-GB" dirty="0"/>
+          </a:p>
+          <a:p>
+            <a:pPr marL="342900" indent="-342900">
+              <a:buAutoNum type="arabicPeriod"/>
+            </a:pPr>
+            <a:r>
+              <a:rPr lang="en-GB" b="1" dirty="0"/>
+              <a:t>TAHUN ANGGARAN (2024) </a:t>
+            </a:r>
+          </a:p>
+          <a:p>
+            <a:pPr marL="342900" indent="-342900">
+              <a:buAutoNum type="arabicPeriod"/>
+            </a:pPr>
+            <a:r>
+              <a:rPr lang="en-GB" b="1" dirty="0"/>
+              <a:t>USERNAME</a:t>
+            </a:r>
+            <a:r>
+              <a:rPr lang="en-GB" dirty="0"/>
+              <a:t> </a:t>
+            </a:r>
+          </a:p>
+          <a:p>
+            <a:pPr marL="342900" indent="-342900">
+              <a:buAutoNum type="arabicPeriod"/>
+            </a:pPr>
+            <a:r>
+              <a:rPr lang="en-GB" b="1" dirty="0"/>
+              <a:t>PASSWORD</a:t>
+            </a:r>
+            <a:r>
+              <a:rPr lang="en-GB" dirty="0"/>
+              <a:t> </a:t>
+            </a:r>
+          </a:p>
+          <a:p>
+            <a:br>
+              <a:rPr lang="en-GB" dirty="0"/>
+            </a:br>
+            <a:r>
+              <a:rPr lang="en-GB" dirty="0"/>
+              <a:t>MASING-MASING UNIT</a:t>
+            </a:r>
+          </a:p>
+          <a:p>
+            <a:endParaRPr lang="en-GB" dirty="0"/>
+          </a:p>
+          <a:p>
+            <a:r>
+              <a:rPr lang="en-GB" b="1" dirty="0"/>
+              <a:t>KLIK SIGN IN</a:t>
+            </a:r>
+          </a:p>
+          <a:p>
+            <a:endParaRPr lang="en-GB" dirty="0"/>
+          </a:p>
+          <a:p>
+            <a:r>
+              <a:rPr lang="en-GB" dirty="0" err="1"/>
+              <a:t>Jika</a:t>
+            </a:r>
+            <a:r>
+              <a:rPr lang="en-GB" dirty="0"/>
+              <a:t> </a:t>
+            </a:r>
+            <a:r>
+              <a:rPr lang="en-GB" dirty="0" err="1"/>
+              <a:t>ada</a:t>
+            </a:r>
+            <a:r>
+              <a:rPr lang="en-GB" dirty="0"/>
+              <a:t> </a:t>
+            </a:r>
+            <a:r>
+              <a:rPr lang="en-GB" dirty="0" err="1"/>
+              <a:t>kesulitan</a:t>
+            </a:r>
+            <a:r>
+              <a:rPr lang="en-GB" dirty="0"/>
+              <a:t> </a:t>
+            </a:r>
+            <a:r>
+              <a:rPr lang="en-GB" dirty="0" err="1"/>
+              <a:t>silahkan</a:t>
+            </a:r>
+            <a:r>
+              <a:rPr lang="en-GB" dirty="0"/>
+              <a:t> </a:t>
+            </a:r>
+            <a:r>
+              <a:rPr lang="en-GB" dirty="0" err="1"/>
+              <a:t>menghubungi</a:t>
+            </a:r>
+            <a:r>
+              <a:rPr lang="en-GB" dirty="0"/>
+              <a:t> </a:t>
+            </a:r>
+            <a:r>
+              <a:rPr lang="en-GB" dirty="0" err="1"/>
+              <a:t>kontak</a:t>
+            </a:r>
+            <a:r>
+              <a:rPr lang="en-GB" dirty="0"/>
+              <a:t> yang </a:t>
+            </a:r>
+            <a:r>
+              <a:rPr lang="en-GB" dirty="0" err="1"/>
+              <a:t>berada</a:t>
+            </a:r>
+            <a:r>
+              <a:rPr lang="en-GB" dirty="0"/>
+              <a:t> </a:t>
+            </a:r>
+            <a:r>
+              <a:rPr lang="en-GB" dirty="0" err="1"/>
+              <a:t>dibawah</a:t>
+            </a:r>
+            <a:r>
+              <a:rPr lang="en-GB" dirty="0"/>
+              <a:t> </a:t>
+            </a:r>
+            <a:r>
+              <a:rPr lang="en-GB" dirty="0" err="1"/>
+              <a:t>tombol</a:t>
+            </a:r>
+            <a:r>
+              <a:rPr lang="en-GB" dirty="0"/>
+              <a:t> </a:t>
+            </a:r>
+            <a:r>
+              <a:rPr lang="en-GB" b="1" dirty="0"/>
+              <a:t>sign in</a:t>
+            </a:r>
           </a:p>
         </p:txBody>
       </p:sp>
       <p:pic>
         <p:nvPicPr>
-          <p:cNvPr id="4" name="Picture 3"/>
+          <p:cNvPr id="3" name="Picture 2">
+            <a:extLst>
+              <a:ext uri="{FF2B5EF4-FFF2-40B4-BE49-F238E27FC236}">
+                <a16:creationId xmlns:a16="http://schemas.microsoft.com/office/drawing/2014/main" id="{1E056913-525C-F7DC-820F-F8B666B2203F}"/>
+              </a:ext>
+            </a:extLst>
+          </p:cNvPr>
           <p:cNvPicPr>
             <a:picLocks noChangeAspect="1"/>
           </p:cNvPicPr>
@@ -4021,212 +5427,68 @@
         </p:nvPicPr>
         <p:blipFill rotWithShape="1">
           <a:blip r:embed="rId2"/>
-          <a:srcRect l="12866" t="13305" r="13701" b="225"/>
+          <a:srcRect l="10478" t="14297" r="11875" b="11157"/>
           <a:stretch/>
         </p:blipFill>
         <p:spPr>
           <a:xfrm>
-            <a:off x="109184" y="436728"/>
-            <a:ext cx="7547026" cy="5022377"/>
+            <a:off x="270983" y="1008530"/>
+            <a:ext cx="7423907" cy="4007223"/>
           </a:xfrm>
           <a:prstGeom prst="rect">
             <a:avLst/>
           </a:prstGeom>
-          <a:ln>
+          <a:ln w="28575">
             <a:solidFill>
-              <a:schemeClr val="tx1"/>
+              <a:schemeClr val="accent1"/>
             </a:solidFill>
           </a:ln>
         </p:spPr>
       </p:pic>
       <p:sp>
         <p:nvSpPr>
-          <p:cNvPr id="5" name="Rectangle 4"/>
-          <p:cNvSpPr/>
+          <p:cNvPr id="4" name="TextBox 3">
+            <a:extLst>
+              <a:ext uri="{FF2B5EF4-FFF2-40B4-BE49-F238E27FC236}">
+                <a16:creationId xmlns:a16="http://schemas.microsoft.com/office/drawing/2014/main" id="{3B7E03DE-2B6B-6B31-D9A7-2DCE459B1150}"/>
+              </a:ext>
+            </a:extLst>
+          </p:cNvPr>
+          <p:cNvSpPr txBox="1"/>
           <p:nvPr/>
         </p:nvSpPr>
         <p:spPr>
           <a:xfrm>
-            <a:off x="7888407" y="423080"/>
-            <a:ext cx="3835020" cy="5022377"/>
+            <a:off x="299410" y="0"/>
+            <a:ext cx="1250663" cy="584775"/>
           </a:xfrm>
           <a:prstGeom prst="rect">
             <a:avLst/>
           </a:prstGeom>
-        </p:spPr>
-        <p:style>
-          <a:lnRef idx="2">
-            <a:schemeClr val="accent6">
-              <a:shade val="50000"/>
-            </a:schemeClr>
-          </a:lnRef>
-          <a:fillRef idx="1">
-            <a:schemeClr val="accent6"/>
-          </a:fillRef>
-          <a:effectRef idx="0">
-            <a:schemeClr val="accent6"/>
-          </a:effectRef>
-          <a:fontRef idx="minor">
-            <a:schemeClr val="lt1"/>
-          </a:fontRef>
-        </p:style>
-        <p:txBody>
-          <a:bodyPr rtlCol="0" anchor="ctr"/>
+          <a:noFill/>
+        </p:spPr>
+        <p:txBody>
+          <a:bodyPr wrap="none" rtlCol="0">
+            <a:spAutoFit/>
+          </a:bodyPr>
           <a:lstStyle/>
           <a:p>
-            <a:pPr algn="ctr"/>
-            <a:r>
-              <a:rPr lang="en-GB" dirty="0" smtClean="0"/>
-              <a:t>SILAHKAN MASUKAN </a:t>
-            </a:r>
-          </a:p>
-          <a:p>
-            <a:pPr algn="ctr"/>
-            <a:endParaRPr lang="en-GB" dirty="0" smtClean="0"/>
-          </a:p>
-          <a:p>
-            <a:pPr marL="342900" indent="-342900" algn="ctr">
-              <a:buAutoNum type="arabicPeriod"/>
-            </a:pPr>
-            <a:r>
-              <a:rPr lang="en-GB" b="1" dirty="0" smtClean="0"/>
-              <a:t>TAHUN ANGGARAN </a:t>
-            </a:r>
-          </a:p>
-          <a:p>
-            <a:pPr marL="342900" indent="-342900" algn="ctr">
-              <a:buAutoNum type="arabicPeriod"/>
-            </a:pPr>
-            <a:r>
-              <a:rPr lang="en-GB" b="1" dirty="0" smtClean="0"/>
-              <a:t>USERNAME</a:t>
-            </a:r>
-            <a:r>
-              <a:rPr lang="en-GB" dirty="0" smtClean="0"/>
-              <a:t> </a:t>
-            </a:r>
-          </a:p>
-          <a:p>
-            <a:pPr marL="342900" indent="-342900" algn="ctr">
-              <a:buAutoNum type="arabicPeriod"/>
-            </a:pPr>
-            <a:r>
-              <a:rPr lang="en-GB" b="1" dirty="0" smtClean="0"/>
-              <a:t>PASSWORD</a:t>
-            </a:r>
-            <a:r>
-              <a:rPr lang="en-GB" dirty="0" smtClean="0"/>
-              <a:t> </a:t>
-            </a:r>
-          </a:p>
-          <a:p>
-            <a:pPr algn="ctr"/>
-            <a:r>
-              <a:rPr lang="en-GB" dirty="0" smtClean="0"/>
-              <a:t/>
-            </a:r>
-            <a:br>
-              <a:rPr lang="en-GB" dirty="0" smtClean="0"/>
-            </a:br>
-            <a:r>
-              <a:rPr lang="en-GB" dirty="0" smtClean="0"/>
-              <a:t>MASING-MASING UNIT</a:t>
-            </a:r>
-          </a:p>
-          <a:p>
-            <a:pPr algn="ctr"/>
-            <a:endParaRPr lang="en-GB" dirty="0" smtClean="0"/>
-          </a:p>
-          <a:p>
-            <a:pPr algn="ctr"/>
-            <a:r>
-              <a:rPr lang="en-GB" b="1" dirty="0" smtClean="0"/>
-              <a:t>KLIK SIGN IN</a:t>
-            </a:r>
-          </a:p>
-          <a:p>
-            <a:pPr algn="ctr"/>
-            <a:endParaRPr lang="en-GB" dirty="0"/>
-          </a:p>
-          <a:p>
-            <a:pPr algn="ctr"/>
-            <a:r>
-              <a:rPr lang="en-GB" dirty="0" err="1" smtClean="0"/>
-              <a:t>Jika</a:t>
-            </a:r>
-            <a:r>
-              <a:rPr lang="en-GB" dirty="0" smtClean="0"/>
-              <a:t> </a:t>
-            </a:r>
-            <a:r>
-              <a:rPr lang="en-GB" dirty="0" err="1" smtClean="0"/>
-              <a:t>ada</a:t>
-            </a:r>
-            <a:r>
-              <a:rPr lang="en-GB" dirty="0" smtClean="0"/>
-              <a:t> </a:t>
-            </a:r>
-            <a:r>
-              <a:rPr lang="en-GB" dirty="0" err="1" smtClean="0"/>
-              <a:t>kesulitan</a:t>
-            </a:r>
-            <a:r>
-              <a:rPr lang="en-GB" dirty="0" smtClean="0"/>
-              <a:t> </a:t>
-            </a:r>
-            <a:r>
-              <a:rPr lang="en-GB" dirty="0" err="1" smtClean="0"/>
-              <a:t>silahkan</a:t>
-            </a:r>
-            <a:r>
-              <a:rPr lang="en-GB" dirty="0" smtClean="0"/>
-              <a:t> </a:t>
-            </a:r>
-            <a:r>
-              <a:rPr lang="en-GB" dirty="0" err="1" smtClean="0"/>
-              <a:t>menghubungi</a:t>
-            </a:r>
-            <a:r>
-              <a:rPr lang="en-GB" dirty="0" smtClean="0"/>
-              <a:t> </a:t>
-            </a:r>
-            <a:r>
-              <a:rPr lang="en-GB" dirty="0" err="1" smtClean="0"/>
-              <a:t>kontak</a:t>
-            </a:r>
-            <a:r>
-              <a:rPr lang="en-GB" dirty="0" smtClean="0"/>
-              <a:t> yang </a:t>
-            </a:r>
-            <a:r>
-              <a:rPr lang="en-GB" dirty="0" err="1" smtClean="0"/>
-              <a:t>berada</a:t>
-            </a:r>
-            <a:r>
-              <a:rPr lang="en-GB" dirty="0" smtClean="0"/>
-              <a:t> </a:t>
-            </a:r>
-            <a:r>
-              <a:rPr lang="en-GB" dirty="0" err="1" smtClean="0"/>
-              <a:t>dibawah</a:t>
-            </a:r>
-            <a:r>
-              <a:rPr lang="en-GB" dirty="0" smtClean="0"/>
-              <a:t> </a:t>
-            </a:r>
-            <a:r>
-              <a:rPr lang="en-GB" dirty="0" err="1" smtClean="0"/>
-              <a:t>tombol</a:t>
-            </a:r>
-            <a:r>
-              <a:rPr lang="en-GB" dirty="0" smtClean="0"/>
-              <a:t> </a:t>
-            </a:r>
-            <a:r>
-              <a:rPr lang="en-GB" b="1" dirty="0" smtClean="0"/>
-              <a:t>sign in</a:t>
-            </a:r>
-            <a:endParaRPr lang="en-GB" b="1" dirty="0"/>
+            <a:r>
+              <a:rPr lang="en-GB" sz="3200" dirty="0">
+                <a:ln w="0"/>
+                <a:solidFill>
+                  <a:schemeClr val="accent1"/>
+                </a:solidFill>
+                <a:effectLst>
+                  <a:outerShdw blurRad="38100" dist="25400" dir="5400000" algn="ctr" rotWithShape="0">
+                    <a:srgbClr val="6E747A">
+                      <a:alpha val="43000"/>
+                    </a:srgbClr>
+                  </a:outerShdw>
+                </a:effectLst>
+              </a:rPr>
+              <a:t>Login</a:t>
+            </a:r>
           </a:p>
         </p:txBody>
       </p:sp>
@@ -4240,13 +5502,6 @@
   <p:clrMapOvr>
     <a:masterClrMapping/>
   </p:clrMapOvr>
-  <p:timing>
-    <p:tnLst>
-      <p:par>
-        <p:cTn id="1" dur="indefinite" restart="never" nodeType="tmRoot"/>
-      </p:par>
-    </p:tnLst>
-  </p:timing>
 </p:sld>
 </file>
 
@@ -4289,7 +5544,7 @@
           </a:bodyPr>
           <a:lstStyle/>
           <a:p>
-            <a:endParaRPr lang="en-GB" dirty="0" smtClean="0"/>
+            <a:endParaRPr lang="en-GB" dirty="0"/>
           </a:p>
         </p:txBody>
       </p:sp>
@@ -4301,12 +5556,15 @@
         </p:nvSpPr>
         <p:spPr>
           <a:xfrm>
-            <a:off x="7615452" y="1161934"/>
+            <a:off x="7965076" y="1119214"/>
             <a:ext cx="4107975" cy="3439237"/>
           </a:xfrm>
           <a:prstGeom prst="rect">
             <a:avLst/>
           </a:prstGeom>
+          <a:solidFill>
+            <a:schemeClr val="accent2"/>
+          </a:solidFill>
         </p:spPr>
         <p:style>
           <a:lnRef idx="2">
@@ -4329,45 +5587,41 @@
           <a:lstStyle/>
           <a:p>
             <a:r>
-              <a:rPr lang="en-GB" dirty="0" err="1" smtClean="0"/>
+              <a:rPr lang="en-GB" dirty="0" err="1"/>
               <a:t>Ini</a:t>
             </a:r>
             <a:r>
-              <a:rPr lang="en-GB" dirty="0" smtClean="0"/>
-              <a:t> </a:t>
-            </a:r>
-            <a:r>
-              <a:rPr lang="en-GB" dirty="0" err="1" smtClean="0"/>
+              <a:rPr lang="en-GB" dirty="0"/>
+              <a:t> </a:t>
+            </a:r>
+            <a:r>
+              <a:rPr lang="en-GB" dirty="0" err="1"/>
               <a:t>Halaman</a:t>
             </a:r>
             <a:r>
-              <a:rPr lang="en-GB" dirty="0" smtClean="0"/>
-              <a:t> </a:t>
-            </a:r>
-            <a:r>
-              <a:rPr lang="en-GB" dirty="0" err="1" smtClean="0"/>
+              <a:rPr lang="en-GB" dirty="0"/>
+              <a:t> </a:t>
+            </a:r>
+            <a:r>
+              <a:rPr lang="en-GB" dirty="0" err="1"/>
               <a:t>setelah</a:t>
             </a:r>
             <a:r>
-              <a:rPr lang="en-GB" dirty="0" smtClean="0"/>
+              <a:rPr lang="en-GB" dirty="0"/>
               <a:t> Login </a:t>
             </a:r>
             <a:br>
-              <a:rPr lang="en-GB" dirty="0" smtClean="0"/>
+              <a:rPr lang="en-GB" dirty="0"/>
             </a:br>
-            <a:r>
-              <a:rPr lang="en-GB" dirty="0" smtClean="0"/>
-              <a:t/>
-            </a:r>
             <a:br>
-              <a:rPr lang="en-GB" dirty="0" smtClean="0"/>
+              <a:rPr lang="en-GB" dirty="0"/>
             </a:br>
             <a:r>
-              <a:rPr lang="en-GB" dirty="0" err="1" smtClean="0"/>
+              <a:rPr lang="en-GB" dirty="0" err="1"/>
               <a:t>Pilih</a:t>
             </a:r>
             <a:r>
-              <a:rPr lang="en-GB" dirty="0" smtClean="0"/>
+              <a:rPr lang="en-GB" dirty="0"/>
               <a:t> Menu </a:t>
             </a:r>
           </a:p>
@@ -4379,19 +5633,19 @@
               <a:buAutoNum type="arabicPeriod"/>
             </a:pPr>
             <a:r>
-              <a:rPr lang="en-GB" b="1" dirty="0" err="1" smtClean="0"/>
+              <a:rPr lang="en-GB" b="1" dirty="0" err="1"/>
               <a:t>Halaman</a:t>
             </a:r>
             <a:r>
-              <a:rPr lang="en-GB" b="1" dirty="0" smtClean="0"/>
-              <a:t> </a:t>
-            </a:r>
-            <a:r>
-              <a:rPr lang="en-GB" b="1" dirty="0" err="1" smtClean="0"/>
+              <a:rPr lang="en-GB" b="1" dirty="0"/>
+              <a:t> </a:t>
+            </a:r>
+            <a:r>
+              <a:rPr lang="en-GB" b="1" dirty="0" err="1"/>
               <a:t>Depan</a:t>
             </a:r>
             <a:r>
-              <a:rPr lang="en-GB" b="1" dirty="0" smtClean="0"/>
+              <a:rPr lang="en-GB" b="1" dirty="0"/>
               <a:t> </a:t>
             </a:r>
           </a:p>
@@ -4400,35 +5654,35 @@
               <a:buAutoNum type="arabicPeriod"/>
             </a:pPr>
             <a:r>
-              <a:rPr lang="en-GB" b="1" dirty="0" err="1" smtClean="0"/>
+              <a:rPr lang="en-GB" b="1" dirty="0" err="1"/>
               <a:t>Usulan</a:t>
             </a:r>
             <a:r>
-              <a:rPr lang="en-GB" b="1" dirty="0" smtClean="0"/>
-              <a:t> </a:t>
-            </a:r>
-            <a:r>
-              <a:rPr lang="en-GB" b="1" dirty="0" err="1" smtClean="0"/>
+              <a:rPr lang="en-GB" b="1" dirty="0"/>
+              <a:t> </a:t>
+            </a:r>
+            <a:r>
+              <a:rPr lang="en-GB" b="1" dirty="0" err="1"/>
               <a:t>Kebutuhan</a:t>
             </a:r>
             <a:r>
-              <a:rPr lang="en-GB" b="1" dirty="0" smtClean="0"/>
+              <a:rPr lang="en-GB" b="1" dirty="0"/>
               <a:t> – </a:t>
             </a:r>
             <a:r>
-              <a:rPr lang="en-GB" b="1" dirty="0" err="1" smtClean="0"/>
+              <a:rPr lang="en-GB" b="1" dirty="0" err="1"/>
               <a:t>Belanja</a:t>
             </a:r>
             <a:r>
-              <a:rPr lang="en-GB" b="1" dirty="0" smtClean="0"/>
-              <a:t> </a:t>
-            </a:r>
-            <a:r>
-              <a:rPr lang="en-GB" b="1" dirty="0" err="1" smtClean="0"/>
+              <a:rPr lang="en-GB" b="1" dirty="0"/>
+              <a:t> </a:t>
+            </a:r>
+            <a:r>
+              <a:rPr lang="en-GB" b="1" dirty="0" err="1"/>
               <a:t>Pegawai</a:t>
             </a:r>
             <a:r>
-              <a:rPr lang="en-GB" b="1" dirty="0" smtClean="0"/>
+              <a:rPr lang="en-GB" b="1" dirty="0"/>
               <a:t> </a:t>
             </a:r>
           </a:p>
@@ -4437,43 +5691,43 @@
               <a:buAutoNum type="arabicPeriod"/>
             </a:pPr>
             <a:r>
-              <a:rPr lang="en-GB" b="1" dirty="0" err="1" smtClean="0"/>
+              <a:rPr lang="en-GB" b="1" dirty="0" err="1"/>
               <a:t>Usulan</a:t>
             </a:r>
             <a:r>
-              <a:rPr lang="en-GB" b="1" dirty="0" smtClean="0"/>
-              <a:t> </a:t>
-            </a:r>
-            <a:r>
-              <a:rPr lang="en-GB" b="1" dirty="0" err="1" smtClean="0"/>
+              <a:rPr lang="en-GB" b="1" dirty="0"/>
+              <a:t> </a:t>
+            </a:r>
+            <a:r>
+              <a:rPr lang="en-GB" b="1" dirty="0" err="1"/>
               <a:t>Kebutuhan</a:t>
             </a:r>
             <a:r>
-              <a:rPr lang="en-GB" b="1" dirty="0" smtClean="0"/>
+              <a:rPr lang="en-GB" b="1" dirty="0"/>
               <a:t> – </a:t>
             </a:r>
             <a:r>
-              <a:rPr lang="en-GB" b="1" dirty="0" err="1" smtClean="0"/>
+              <a:rPr lang="en-GB" b="1" dirty="0" err="1"/>
               <a:t>Belanja</a:t>
             </a:r>
             <a:r>
-              <a:rPr lang="en-GB" b="1" dirty="0" smtClean="0"/>
-              <a:t> </a:t>
-            </a:r>
-            <a:r>
-              <a:rPr lang="en-GB" b="1" dirty="0" err="1" smtClean="0"/>
+              <a:rPr lang="en-GB" b="1" dirty="0"/>
+              <a:t> </a:t>
+            </a:r>
+            <a:r>
+              <a:rPr lang="en-GB" b="1" dirty="0" err="1"/>
               <a:t>Barang</a:t>
             </a:r>
             <a:r>
-              <a:rPr lang="en-GB" b="1" dirty="0" smtClean="0"/>
+              <a:rPr lang="en-GB" b="1" dirty="0"/>
               <a:t> &amp; </a:t>
             </a:r>
             <a:r>
-              <a:rPr lang="en-GB" b="1" dirty="0" err="1" smtClean="0"/>
+              <a:rPr lang="en-GB" b="1" dirty="0" err="1"/>
               <a:t>Jasa</a:t>
             </a:r>
             <a:r>
-              <a:rPr lang="en-GB" b="1" dirty="0" smtClean="0"/>
+              <a:rPr lang="en-GB" b="1" dirty="0"/>
               <a:t> </a:t>
             </a:r>
           </a:p>
@@ -4482,27 +5736,27 @@
               <a:buAutoNum type="arabicPeriod"/>
             </a:pPr>
             <a:r>
-              <a:rPr lang="en-GB" b="1" dirty="0" err="1" smtClean="0"/>
+              <a:rPr lang="en-GB" b="1" dirty="0" err="1"/>
               <a:t>Usulan</a:t>
             </a:r>
             <a:r>
-              <a:rPr lang="en-GB" b="1" dirty="0" smtClean="0"/>
-              <a:t> </a:t>
-            </a:r>
-            <a:r>
-              <a:rPr lang="en-GB" b="1" dirty="0" err="1" smtClean="0"/>
+              <a:rPr lang="en-GB" b="1" dirty="0"/>
+              <a:t> </a:t>
+            </a:r>
+            <a:r>
+              <a:rPr lang="en-GB" b="1" dirty="0" err="1"/>
               <a:t>Kebutuhan</a:t>
             </a:r>
             <a:r>
-              <a:rPr lang="en-GB" b="1" dirty="0" smtClean="0"/>
+              <a:rPr lang="en-GB" b="1" dirty="0"/>
               <a:t> – </a:t>
             </a:r>
             <a:r>
-              <a:rPr lang="en-GB" b="1" dirty="0" err="1" smtClean="0"/>
+              <a:rPr lang="en-GB" b="1" dirty="0" err="1"/>
               <a:t>Belanja</a:t>
             </a:r>
             <a:r>
-              <a:rPr lang="en-GB" b="1" dirty="0" smtClean="0"/>
+              <a:rPr lang="en-GB" b="1" dirty="0"/>
               <a:t> Modal </a:t>
             </a:r>
           </a:p>
@@ -4511,15 +5765,15 @@
               <a:buAutoNum type="arabicPeriod"/>
             </a:pPr>
             <a:r>
-              <a:rPr lang="en-GB" b="1" dirty="0" err="1" smtClean="0"/>
+              <a:rPr lang="en-GB" b="1" dirty="0" err="1"/>
               <a:t>Buku</a:t>
             </a:r>
             <a:r>
-              <a:rPr lang="en-GB" b="1" dirty="0" smtClean="0"/>
-              <a:t> </a:t>
-            </a:r>
-            <a:r>
-              <a:rPr lang="en-GB" b="1" dirty="0" err="1" smtClean="0"/>
+              <a:rPr lang="en-GB" b="1" dirty="0"/>
+              <a:t> </a:t>
+            </a:r>
+            <a:r>
+              <a:rPr lang="en-GB" b="1" dirty="0" err="1"/>
               <a:t>Petunjuk</a:t>
             </a:r>
             <a:endParaRPr lang="en-GB" b="1" dirty="0"/>
@@ -4534,8 +5788,8 @@
         </p:nvSpPr>
         <p:spPr>
           <a:xfrm>
-            <a:off x="327546" y="204716"/>
-            <a:ext cx="3253839" cy="584775"/>
+            <a:off x="299410" y="0"/>
+            <a:ext cx="2414444" cy="584775"/>
           </a:xfrm>
           <a:prstGeom prst="rect">
             <a:avLst/>
@@ -4549,89 +5803,56 @@
           <a:lstStyle/>
           <a:p>
             <a:r>
-              <a:rPr lang="en-GB" sz="3200" b="1" dirty="0" smtClean="0">
-                <a:ln w="12700" cmpd="sng">
-                  <a:solidFill>
-                    <a:schemeClr val="accent4"/>
-                  </a:solidFill>
-                  <a:prstDash val="solid"/>
-                </a:ln>
-                <a:gradFill>
-                  <a:gsLst>
-                    <a:gs pos="0">
-                      <a:schemeClr val="accent4"/>
-                    </a:gs>
-                    <a:gs pos="4000">
-                      <a:schemeClr val="accent4">
-                        <a:lumMod val="60000"/>
-                        <a:lumOff val="40000"/>
-                      </a:schemeClr>
-                    </a:gs>
-                    <a:gs pos="87000">
-                      <a:schemeClr val="accent4">
-                        <a:lumMod val="20000"/>
-                        <a:lumOff val="80000"/>
-                      </a:schemeClr>
-                    </a:gs>
-                  </a:gsLst>
-                  <a:lin ang="5400000"/>
-                </a:gradFill>
-              </a:rPr>
-              <a:t>HALAMAN DEPAN</a:t>
-            </a:r>
-            <a:endParaRPr lang="en-GB" sz="3200" b="1" dirty="0">
-              <a:ln w="12700" cmpd="sng">
-                <a:solidFill>
-                  <a:schemeClr val="accent4"/>
-                </a:solidFill>
-                <a:prstDash val="solid"/>
-              </a:ln>
-              <a:gradFill>
-                <a:gsLst>
-                  <a:gs pos="0">
-                    <a:schemeClr val="accent4"/>
-                  </a:gs>
-                  <a:gs pos="4000">
-                    <a:schemeClr val="accent4">
-                      <a:lumMod val="60000"/>
-                      <a:lumOff val="40000"/>
-                    </a:schemeClr>
-                  </a:gs>
-                  <a:gs pos="87000">
-                    <a:schemeClr val="accent4">
-                      <a:lumMod val="20000"/>
-                      <a:lumOff val="80000"/>
-                    </a:schemeClr>
-                  </a:gs>
-                </a:gsLst>
-                <a:lin ang="5400000"/>
-              </a:gradFill>
-            </a:endParaRPr>
+              <a:rPr lang="en-GB" sz="3200" dirty="0">
+                <a:ln w="0"/>
+                <a:solidFill>
+                  <a:schemeClr val="accent1"/>
+                </a:solidFill>
+                <a:effectLst>
+                  <a:outerShdw blurRad="38100" dist="25400" dir="5400000" algn="ctr" rotWithShape="0">
+                    <a:srgbClr val="6E747A">
+                      <a:alpha val="43000"/>
+                    </a:srgbClr>
+                  </a:outerShdw>
+                </a:effectLst>
+              </a:rPr>
+              <a:t>Dashboard</a:t>
+            </a:r>
           </a:p>
         </p:txBody>
       </p:sp>
       <p:pic>
         <p:nvPicPr>
-          <p:cNvPr id="4" name="Picture 3"/>
+          <p:cNvPr id="7" name="Picture 6">
+            <a:extLst>
+              <a:ext uri="{FF2B5EF4-FFF2-40B4-BE49-F238E27FC236}">
+                <a16:creationId xmlns:a16="http://schemas.microsoft.com/office/drawing/2014/main" id="{49C415C4-B511-C2D6-67F4-6C64C17888C0}"/>
+              </a:ext>
+            </a:extLst>
+          </p:cNvPr>
           <p:cNvPicPr>
             <a:picLocks noChangeAspect="1"/>
           </p:cNvPicPr>
           <p:nvPr/>
         </p:nvPicPr>
-        <p:blipFill>
+        <p:blipFill rotWithShape="1">
           <a:blip r:embed="rId2"/>
-          <a:stretch>
-            <a:fillRect/>
-          </a:stretch>
+          <a:srcRect t="12983" b="5612"/>
+          <a:stretch/>
         </p:blipFill>
         <p:spPr>
           <a:xfrm>
-            <a:off x="327546" y="1161934"/>
-            <a:ext cx="7003696" cy="3764487"/>
+            <a:off x="299410" y="1176003"/>
+            <a:ext cx="7266330" cy="3325660"/>
           </a:xfrm>
           <a:prstGeom prst="rect">
             <a:avLst/>
           </a:prstGeom>
+          <a:ln w="28575">
+            <a:solidFill>
+              <a:schemeClr val="accent1"/>
+            </a:solidFill>
+          </a:ln>
         </p:spPr>
       </p:pic>
     </p:spTree>
@@ -4644,13 +5865,6 @@
   <p:clrMapOvr>
     <a:masterClrMapping/>
   </p:clrMapOvr>
-  <p:timing>
-    <p:tnLst>
-      <p:par>
-        <p:cTn id="1" dur="indefinite" restart="never" nodeType="tmRoot"/>
-      </p:par>
-    </p:tnLst>
-  </p:timing>
 </p:sld>
 </file>
 
@@ -4693,196 +5907,240 @@
           </a:bodyPr>
           <a:lstStyle/>
           <a:p>
-            <a:endParaRPr lang="en-GB" dirty="0" smtClean="0"/>
+            <a:endParaRPr lang="en-GB" dirty="0"/>
+          </a:p>
+        </p:txBody>
+      </p:sp>
+      <p:sp>
+        <p:nvSpPr>
+          <p:cNvPr id="6" name="TextBox 5"/>
+          <p:cNvSpPr txBox="1"/>
+          <p:nvPr/>
+        </p:nvSpPr>
+        <p:spPr>
+          <a:xfrm>
+            <a:off x="400334" y="0"/>
+            <a:ext cx="4044697" cy="584775"/>
+          </a:xfrm>
+          <a:prstGeom prst="rect">
+            <a:avLst/>
+          </a:prstGeom>
+          <a:noFill/>
+        </p:spPr>
+        <p:txBody>
+          <a:bodyPr wrap="none" rtlCol="0">
+            <a:spAutoFit/>
+          </a:bodyPr>
+          <a:lstStyle/>
+          <a:p>
+            <a:r>
+              <a:rPr lang="en-GB" sz="3200" dirty="0" err="1">
+                <a:ln w="0"/>
+                <a:solidFill>
+                  <a:schemeClr val="accent1"/>
+                </a:solidFill>
+                <a:effectLst>
+                  <a:outerShdw blurRad="38100" dist="25400" dir="5400000" algn="ctr" rotWithShape="0">
+                    <a:srgbClr val="6E747A">
+                      <a:alpha val="43000"/>
+                    </a:srgbClr>
+                  </a:outerShdw>
+                </a:effectLst>
+              </a:rPr>
+              <a:t>Isian</a:t>
+            </a:r>
+            <a:r>
+              <a:rPr lang="en-GB" sz="3200" dirty="0">
+                <a:ln w="0"/>
+                <a:solidFill>
+                  <a:schemeClr val="accent1"/>
+                </a:solidFill>
+                <a:effectLst>
+                  <a:outerShdw blurRad="38100" dist="25400" dir="5400000" algn="ctr" rotWithShape="0">
+                    <a:srgbClr val="6E747A">
+                      <a:alpha val="43000"/>
+                    </a:srgbClr>
+                  </a:outerShdw>
+                </a:effectLst>
+              </a:rPr>
+              <a:t> </a:t>
+            </a:r>
+            <a:r>
+              <a:rPr lang="en-GB" sz="3200" dirty="0" err="1">
+                <a:ln w="0"/>
+                <a:solidFill>
+                  <a:schemeClr val="accent1"/>
+                </a:solidFill>
+                <a:effectLst>
+                  <a:outerShdw blurRad="38100" dist="25400" dir="5400000" algn="ctr" rotWithShape="0">
+                    <a:srgbClr val="6E747A">
+                      <a:alpha val="43000"/>
+                    </a:srgbClr>
+                  </a:outerShdw>
+                </a:effectLst>
+              </a:rPr>
+              <a:t>Usulan</a:t>
+            </a:r>
+            <a:r>
+              <a:rPr lang="en-GB" sz="3200" dirty="0">
+                <a:ln w="0"/>
+                <a:solidFill>
+                  <a:schemeClr val="accent1"/>
+                </a:solidFill>
+                <a:effectLst>
+                  <a:outerShdw blurRad="38100" dist="25400" dir="5400000" algn="ctr" rotWithShape="0">
+                    <a:srgbClr val="6E747A">
+                      <a:alpha val="43000"/>
+                    </a:srgbClr>
+                  </a:outerShdw>
+                </a:effectLst>
+              </a:rPr>
+              <a:t> </a:t>
+            </a:r>
+            <a:r>
+              <a:rPr lang="en-GB" sz="3200" dirty="0" err="1">
+                <a:ln w="0"/>
+                <a:solidFill>
+                  <a:schemeClr val="accent1"/>
+                </a:solidFill>
+                <a:effectLst>
+                  <a:outerShdw blurRad="38100" dist="25400" dir="5400000" algn="ctr" rotWithShape="0">
+                    <a:srgbClr val="6E747A">
+                      <a:alpha val="43000"/>
+                    </a:srgbClr>
+                  </a:outerShdw>
+                </a:effectLst>
+              </a:rPr>
+              <a:t>Belanja</a:t>
+            </a:r>
+            <a:endParaRPr lang="en-GB" sz="3200" dirty="0">
+              <a:ln w="0"/>
+              <a:solidFill>
+                <a:schemeClr val="accent1"/>
+              </a:solidFill>
+              <a:effectLst>
+                <a:outerShdw blurRad="38100" dist="25400" dir="5400000" algn="ctr" rotWithShape="0">
+                  <a:srgbClr val="6E747A">
+                    <a:alpha val="43000"/>
+                  </a:srgbClr>
+                </a:outerShdw>
+              </a:effectLst>
+            </a:endParaRPr>
+          </a:p>
+        </p:txBody>
+      </p:sp>
+      <p:sp>
+        <p:nvSpPr>
+          <p:cNvPr id="7" name="Rectangle 6"/>
+          <p:cNvSpPr/>
+          <p:nvPr/>
+        </p:nvSpPr>
+        <p:spPr>
+          <a:xfrm>
+            <a:off x="8294920" y="998161"/>
+            <a:ext cx="3496745" cy="1063493"/>
+          </a:xfrm>
+          <a:prstGeom prst="rect">
+            <a:avLst/>
+          </a:prstGeom>
+        </p:spPr>
+        <p:style>
+          <a:lnRef idx="2">
+            <a:schemeClr val="accent2">
+              <a:shade val="50000"/>
+            </a:schemeClr>
+          </a:lnRef>
+          <a:fillRef idx="1">
+            <a:schemeClr val="accent2"/>
+          </a:fillRef>
+          <a:effectRef idx="0">
+            <a:schemeClr val="accent2"/>
+          </a:effectRef>
+          <a:fontRef idx="minor">
+            <a:schemeClr val="lt1"/>
+          </a:fontRef>
+        </p:style>
+        <p:txBody>
+          <a:bodyPr rtlCol="0" anchor="ctr"/>
+          <a:lstStyle/>
+          <a:p>
+            <a:r>
+              <a:rPr lang="en-GB" b="1" dirty="0"/>
+              <a:t>KLIK + </a:t>
+            </a:r>
+            <a:r>
+              <a:rPr lang="en-GB" b="1" dirty="0" err="1"/>
+              <a:t>Tambah</a:t>
+            </a:r>
+            <a:r>
+              <a:rPr lang="en-GB" b="1" dirty="0"/>
+              <a:t> </a:t>
+            </a:r>
+            <a:r>
+              <a:rPr lang="en-GB" b="1" dirty="0" err="1"/>
+              <a:t>Usulan</a:t>
+            </a:r>
+            <a:endParaRPr lang="en-GB" b="1" dirty="0"/>
+          </a:p>
+          <a:p>
+            <a:r>
+              <a:rPr lang="en-GB" dirty="0" err="1"/>
+              <a:t>Untuk</a:t>
+            </a:r>
+            <a:r>
+              <a:rPr lang="en-GB" dirty="0"/>
+              <a:t> </a:t>
+            </a:r>
+            <a:r>
+              <a:rPr lang="en-GB" dirty="0" err="1"/>
+              <a:t>menambahkan</a:t>
+            </a:r>
+            <a:r>
+              <a:rPr lang="en-GB" dirty="0"/>
+              <a:t> </a:t>
+            </a:r>
+            <a:r>
+              <a:rPr lang="en-GB" dirty="0" err="1"/>
+              <a:t>usulan</a:t>
+            </a:r>
+            <a:endParaRPr lang="en-GB" dirty="0"/>
           </a:p>
         </p:txBody>
       </p:sp>
       <p:pic>
         <p:nvPicPr>
-          <p:cNvPr id="4" name="Picture 3"/>
+          <p:cNvPr id="5" name="Picture 4">
+            <a:extLst>
+              <a:ext uri="{FF2B5EF4-FFF2-40B4-BE49-F238E27FC236}">
+                <a16:creationId xmlns:a16="http://schemas.microsoft.com/office/drawing/2014/main" id="{6CD856D6-7977-7F21-C589-F982EA13F9E6}"/>
+              </a:ext>
+            </a:extLst>
+          </p:cNvPr>
           <p:cNvPicPr>
             <a:picLocks noChangeAspect="1"/>
           </p:cNvPicPr>
           <p:nvPr/>
         </p:nvPicPr>
-        <p:blipFill>
+        <p:blipFill rotWithShape="1">
           <a:blip r:embed="rId2"/>
-          <a:stretch>
-            <a:fillRect/>
-          </a:stretch>
+          <a:srcRect t="14538" b="5619"/>
+          <a:stretch/>
         </p:blipFill>
         <p:spPr>
           <a:xfrm>
-            <a:off x="195617" y="998161"/>
-            <a:ext cx="7010401" cy="3943351"/>
+            <a:off x="400334" y="998161"/>
+            <a:ext cx="7710637" cy="3461297"/>
           </a:xfrm>
           <a:prstGeom prst="rect">
             <a:avLst/>
           </a:prstGeom>
+          <a:ln w="28575">
+            <a:solidFill>
+              <a:schemeClr val="accent1"/>
+            </a:solidFill>
+          </a:ln>
         </p:spPr>
       </p:pic>
-      <p:sp>
-        <p:nvSpPr>
-          <p:cNvPr id="6" name="TextBox 5"/>
-          <p:cNvSpPr txBox="1"/>
-          <p:nvPr/>
-        </p:nvSpPr>
-        <p:spPr>
-          <a:xfrm>
-            <a:off x="327546" y="204716"/>
-            <a:ext cx="7967374" cy="584775"/>
-          </a:xfrm>
-          <a:prstGeom prst="rect">
-            <a:avLst/>
-          </a:prstGeom>
-          <a:noFill/>
-        </p:spPr>
-        <p:txBody>
-          <a:bodyPr wrap="none" rtlCol="0">
-            <a:spAutoFit/>
-          </a:bodyPr>
-          <a:lstStyle/>
-          <a:p>
-            <a:r>
-              <a:rPr lang="en-GB" sz="3200" b="1" dirty="0" smtClean="0">
-                <a:ln w="12700" cmpd="sng">
-                  <a:solidFill>
-                    <a:schemeClr val="accent4"/>
-                  </a:solidFill>
-                  <a:prstDash val="solid"/>
-                </a:ln>
-                <a:gradFill>
-                  <a:gsLst>
-                    <a:gs pos="0">
-                      <a:schemeClr val="accent4"/>
-                    </a:gs>
-                    <a:gs pos="4000">
-                      <a:schemeClr val="accent4">
-                        <a:lumMod val="60000"/>
-                        <a:lumOff val="40000"/>
-                      </a:schemeClr>
-                    </a:gs>
-                    <a:gs pos="87000">
-                      <a:schemeClr val="accent4">
-                        <a:lumMod val="20000"/>
-                        <a:lumOff val="80000"/>
-                      </a:schemeClr>
-                    </a:gs>
-                  </a:gsLst>
-                  <a:lin ang="5400000"/>
-                </a:gradFill>
-              </a:rPr>
-              <a:t>HALAMAN USULAN BELANJA BARANG &amp; JASA</a:t>
-            </a:r>
-            <a:endParaRPr lang="en-GB" sz="3200" b="1" dirty="0">
-              <a:ln w="12700" cmpd="sng">
-                <a:solidFill>
-                  <a:schemeClr val="accent4"/>
-                </a:solidFill>
-                <a:prstDash val="solid"/>
-              </a:ln>
-              <a:gradFill>
-                <a:gsLst>
-                  <a:gs pos="0">
-                    <a:schemeClr val="accent4"/>
-                  </a:gs>
-                  <a:gs pos="4000">
-                    <a:schemeClr val="accent4">
-                      <a:lumMod val="60000"/>
-                      <a:lumOff val="40000"/>
-                    </a:schemeClr>
-                  </a:gs>
-                  <a:gs pos="87000">
-                    <a:schemeClr val="accent4">
-                      <a:lumMod val="20000"/>
-                      <a:lumOff val="80000"/>
-                    </a:schemeClr>
-                  </a:gs>
-                </a:gsLst>
-                <a:lin ang="5400000"/>
-              </a:gradFill>
-            </a:endParaRPr>
-          </a:p>
-        </p:txBody>
-      </p:sp>
-      <p:sp>
-        <p:nvSpPr>
-          <p:cNvPr id="7" name="Rectangle 6"/>
-          <p:cNvSpPr/>
-          <p:nvPr/>
-        </p:nvSpPr>
-        <p:spPr>
-          <a:xfrm>
-            <a:off x="7451678" y="998161"/>
-            <a:ext cx="4339987" cy="1063493"/>
-          </a:xfrm>
-          <a:prstGeom prst="rect">
-            <a:avLst/>
-          </a:prstGeom>
-        </p:spPr>
-        <p:style>
-          <a:lnRef idx="2">
-            <a:schemeClr val="accent6">
-              <a:shade val="50000"/>
-            </a:schemeClr>
-          </a:lnRef>
-          <a:fillRef idx="1">
-            <a:schemeClr val="accent6"/>
-          </a:fillRef>
-          <a:effectRef idx="0">
-            <a:schemeClr val="accent6"/>
-          </a:effectRef>
-          <a:fontRef idx="minor">
-            <a:schemeClr val="lt1"/>
-          </a:fontRef>
-        </p:style>
-        <p:txBody>
-          <a:bodyPr rtlCol="0" anchor="ctr"/>
-          <a:lstStyle/>
-          <a:p>
-            <a:r>
-              <a:rPr lang="en-GB" b="1" dirty="0" smtClean="0"/>
-              <a:t>KLIK + </a:t>
-            </a:r>
-            <a:r>
-              <a:rPr lang="en-GB" b="1" dirty="0" err="1" smtClean="0"/>
-              <a:t>Tambah</a:t>
-            </a:r>
-            <a:r>
-              <a:rPr lang="en-GB" b="1" dirty="0" smtClean="0"/>
-              <a:t> </a:t>
-            </a:r>
-            <a:r>
-              <a:rPr lang="en-GB" b="1" dirty="0" err="1" smtClean="0"/>
-              <a:t>Usulan</a:t>
-            </a:r>
-            <a:endParaRPr lang="en-GB" b="1" dirty="0" smtClean="0"/>
-          </a:p>
-          <a:p>
-            <a:r>
-              <a:rPr lang="en-GB" dirty="0" err="1" smtClean="0"/>
-              <a:t>Untuk</a:t>
-            </a:r>
-            <a:r>
-              <a:rPr lang="en-GB" dirty="0" smtClean="0"/>
-              <a:t> </a:t>
-            </a:r>
-            <a:r>
-              <a:rPr lang="en-GB" dirty="0" err="1" smtClean="0"/>
-              <a:t>menambahkan</a:t>
-            </a:r>
-            <a:r>
-              <a:rPr lang="en-GB" dirty="0" smtClean="0"/>
-              <a:t> </a:t>
-            </a:r>
-            <a:r>
-              <a:rPr lang="en-GB" dirty="0" err="1" smtClean="0"/>
-              <a:t>usulan</a:t>
-            </a:r>
-            <a:endParaRPr lang="en-GB" dirty="0"/>
-          </a:p>
-        </p:txBody>
-      </p:sp>
     </p:spTree>
     <p:extLst>
       <p:ext uri="{BB962C8B-B14F-4D97-AF65-F5344CB8AC3E}">
@@ -4893,13 +6151,6 @@
   <p:clrMapOvr>
     <a:masterClrMapping/>
   </p:clrMapOvr>
-  <p:timing>
-    <p:tnLst>
-      <p:par>
-        <p:cTn id="1" dur="indefinite" restart="never" nodeType="tmRoot"/>
-      </p:par>
-    </p:tnLst>
-  </p:timing>
 </p:sld>
 </file>
 
@@ -4942,7 +6193,7 @@
           </a:bodyPr>
           <a:lstStyle/>
           <a:p>
-            <a:endParaRPr lang="en-GB" dirty="0" smtClean="0"/>
+            <a:endParaRPr lang="en-GB" dirty="0"/>
           </a:p>
         </p:txBody>
       </p:sp>
@@ -4954,8 +6205,8 @@
         </p:nvSpPr>
         <p:spPr>
           <a:xfrm>
-            <a:off x="7560861" y="1392072"/>
-            <a:ext cx="4094328" cy="4954137"/>
+            <a:off x="8097672" y="937637"/>
+            <a:ext cx="4094328" cy="5769435"/>
           </a:xfrm>
           <a:prstGeom prst="rect">
             <a:avLst/>
@@ -4963,15 +6214,15 @@
         </p:spPr>
         <p:style>
           <a:lnRef idx="2">
-            <a:schemeClr val="accent6">
+            <a:schemeClr val="accent2">
               <a:shade val="50000"/>
             </a:schemeClr>
           </a:lnRef>
           <a:fillRef idx="1">
-            <a:schemeClr val="accent6"/>
+            <a:schemeClr val="accent2"/>
           </a:fillRef>
           <a:effectRef idx="0">
-            <a:schemeClr val="accent6"/>
+            <a:schemeClr val="accent2"/>
           </a:effectRef>
           <a:fontRef idx="minor">
             <a:schemeClr val="lt1"/>
@@ -4982,7 +6233,7 @@
           <a:lstStyle/>
           <a:p>
             <a:r>
-              <a:rPr lang="en-GB" dirty="0" smtClean="0"/>
+              <a:rPr lang="en-GB" dirty="0"/>
               <a:t>TAMBAH USULAN BARANG / JASA </a:t>
             </a:r>
           </a:p>
@@ -4991,7 +6242,7 @@
               <a:buAutoNum type="arabicPeriod"/>
             </a:pPr>
             <a:r>
-              <a:rPr lang="en-GB" b="1" dirty="0" smtClean="0"/>
+              <a:rPr lang="en-GB" b="1" dirty="0"/>
               <a:t>Nama Program </a:t>
             </a:r>
           </a:p>
@@ -5000,15 +6251,15 @@
               <a:buAutoNum type="arabicPeriod"/>
             </a:pPr>
             <a:r>
-              <a:rPr lang="en-GB" b="1" dirty="0" smtClean="0"/>
+              <a:rPr lang="en-GB" b="1" dirty="0"/>
               <a:t>Nama </a:t>
             </a:r>
             <a:r>
-              <a:rPr lang="en-GB" b="1" dirty="0" err="1" smtClean="0"/>
+              <a:rPr lang="en-GB" b="1" dirty="0" err="1"/>
               <a:t>Kegiatan</a:t>
             </a:r>
             <a:r>
-              <a:rPr lang="en-GB" b="1" dirty="0" smtClean="0"/>
+              <a:rPr lang="en-GB" b="1" dirty="0"/>
               <a:t> </a:t>
             </a:r>
           </a:p>
@@ -5017,15 +6268,15 @@
               <a:buAutoNum type="arabicPeriod"/>
             </a:pPr>
             <a:r>
-              <a:rPr lang="en-GB" b="1" dirty="0" smtClean="0"/>
+              <a:rPr lang="en-GB" b="1" dirty="0"/>
               <a:t>Nama </a:t>
             </a:r>
             <a:r>
-              <a:rPr lang="en-GB" b="1" dirty="0" err="1" smtClean="0"/>
+              <a:rPr lang="en-GB" b="1" dirty="0" err="1"/>
               <a:t>subkegiatan</a:t>
             </a:r>
             <a:r>
-              <a:rPr lang="en-GB" b="1" dirty="0" smtClean="0"/>
+              <a:rPr lang="en-GB" b="1" dirty="0"/>
               <a:t> </a:t>
             </a:r>
           </a:p>
@@ -5034,11 +6285,11 @@
               <a:buAutoNum type="arabicPeriod"/>
             </a:pPr>
             <a:r>
-              <a:rPr lang="en-GB" b="1" dirty="0" smtClean="0"/>
+              <a:rPr lang="en-GB" b="1" dirty="0"/>
               <a:t>Nama </a:t>
             </a:r>
             <a:r>
-              <a:rPr lang="en-GB" b="1" dirty="0" err="1" smtClean="0"/>
+              <a:rPr lang="en-GB" b="1" dirty="0" err="1"/>
               <a:t>Uraian</a:t>
             </a:r>
             <a:r>
@@ -5046,11 +6297,11 @@
               <a:t> </a:t>
             </a:r>
             <a:r>
-              <a:rPr lang="en-GB" b="1" dirty="0" err="1" smtClean="0"/>
+              <a:rPr lang="en-GB" b="1" dirty="0" err="1"/>
               <a:t>Belanja</a:t>
             </a:r>
             <a:r>
-              <a:rPr lang="en-GB" b="1" dirty="0" smtClean="0"/>
+              <a:rPr lang="en-GB" b="1" dirty="0"/>
               <a:t> </a:t>
             </a:r>
           </a:p>
@@ -5059,11 +6310,11 @@
               <a:buAutoNum type="arabicPeriod"/>
             </a:pPr>
             <a:r>
-              <a:rPr lang="en-GB" b="1" dirty="0" err="1" smtClean="0"/>
+              <a:rPr lang="en-GB" b="1" dirty="0" err="1"/>
               <a:t>Sumber</a:t>
             </a:r>
             <a:r>
-              <a:rPr lang="en-GB" b="1" dirty="0" smtClean="0"/>
+              <a:rPr lang="en-GB" b="1" dirty="0"/>
               <a:t> Dana</a:t>
             </a:r>
           </a:p>
@@ -5072,85 +6323,79 @@
               <a:buAutoNum type="arabicPeriod"/>
             </a:pPr>
             <a:r>
-              <a:rPr lang="en-GB" b="1" dirty="0" smtClean="0"/>
+              <a:rPr lang="en-GB" b="1" dirty="0"/>
               <a:t>Nama </a:t>
             </a:r>
             <a:r>
-              <a:rPr lang="en-GB" b="1" dirty="0" err="1" smtClean="0"/>
+              <a:rPr lang="en-GB" b="1" dirty="0" err="1"/>
               <a:t>Barang</a:t>
             </a:r>
             <a:r>
-              <a:rPr lang="en-GB" b="1" dirty="0" smtClean="0"/>
+              <a:rPr lang="en-GB" b="1" dirty="0"/>
               <a:t> / </a:t>
             </a:r>
             <a:r>
-              <a:rPr lang="en-GB" b="1" dirty="0" err="1" smtClean="0"/>
+              <a:rPr lang="en-GB" b="1" dirty="0" err="1"/>
               <a:t>jasa</a:t>
             </a:r>
-            <a:endParaRPr lang="en-GB" b="1" dirty="0" smtClean="0"/>
+            <a:endParaRPr lang="en-GB" b="1" dirty="0"/>
           </a:p>
           <a:p>
             <a:pPr marL="342900" indent="-342900">
               <a:buAutoNum type="arabicPeriod"/>
             </a:pPr>
             <a:r>
-              <a:rPr lang="en-GB" b="1" dirty="0" err="1" smtClean="0"/>
-              <a:t>Kuantitas</a:t>
-            </a:r>
-            <a:endParaRPr lang="en-GB" b="1" dirty="0" smtClean="0"/>
+              <a:rPr lang="en-GB" b="1" dirty="0" err="1"/>
+              <a:t>Tipe</a:t>
+            </a:r>
+            <a:r>
+              <a:rPr lang="en-GB" b="1" dirty="0"/>
+              <a:t> </a:t>
+            </a:r>
+            <a:r>
+              <a:rPr lang="en-GB" b="1" dirty="0" err="1"/>
+              <a:t>Barang</a:t>
+            </a:r>
+            <a:endParaRPr lang="en-GB" b="1" dirty="0"/>
           </a:p>
           <a:p>
             <a:pPr marL="342900" indent="-342900">
               <a:buAutoNum type="arabicPeriod"/>
             </a:pPr>
             <a:r>
-              <a:rPr lang="en-GB" b="1" dirty="0" err="1" smtClean="0"/>
-              <a:t>Satuan</a:t>
-            </a:r>
-            <a:r>
-              <a:rPr lang="en-GB" b="1" dirty="0" smtClean="0"/>
-              <a:t> </a:t>
-            </a:r>
+              <a:rPr lang="en-GB" b="1" dirty="0" err="1"/>
+              <a:t>Jenis</a:t>
+            </a:r>
+            <a:r>
+              <a:rPr lang="en-GB" b="1" dirty="0"/>
+              <a:t> </a:t>
+            </a:r>
+            <a:r>
+              <a:rPr lang="en-GB" b="1" dirty="0" err="1"/>
+              <a:t>Barang</a:t>
+            </a:r>
+            <a:endParaRPr lang="en-GB" b="1" dirty="0"/>
           </a:p>
           <a:p>
             <a:pPr marL="342900" indent="-342900">
               <a:buAutoNum type="arabicPeriod"/>
             </a:pPr>
             <a:r>
-              <a:rPr lang="en-GB" b="1" dirty="0" err="1" smtClean="0"/>
-              <a:t>Skala</a:t>
-            </a:r>
-            <a:r>
-              <a:rPr lang="en-GB" b="1" dirty="0" smtClean="0"/>
-              <a:t> </a:t>
-            </a:r>
-            <a:r>
-              <a:rPr lang="en-GB" b="1" dirty="0" err="1" smtClean="0"/>
-              <a:t>prioritas</a:t>
-            </a:r>
-            <a:r>
-              <a:rPr lang="en-GB" b="1" dirty="0" smtClean="0"/>
-              <a:t> </a:t>
-            </a:r>
+              <a:rPr lang="en-GB" b="1" dirty="0" err="1"/>
+              <a:t>Kuantitas</a:t>
+            </a:r>
+            <a:endParaRPr lang="en-GB" b="1" dirty="0"/>
           </a:p>
           <a:p>
             <a:pPr marL="342900" indent="-342900">
               <a:buAutoNum type="arabicPeriod"/>
             </a:pPr>
             <a:r>
-              <a:rPr lang="en-GB" b="1" dirty="0" err="1" smtClean="0"/>
-              <a:t>Harga</a:t>
-            </a:r>
-            <a:r>
-              <a:rPr lang="en-GB" b="1" dirty="0" smtClean="0"/>
-              <a:t> </a:t>
-            </a:r>
-            <a:r>
-              <a:rPr lang="en-GB" b="1" dirty="0" err="1" smtClean="0"/>
-              <a:t>satuan</a:t>
-            </a:r>
-            <a:r>
-              <a:rPr lang="en-GB" b="1" dirty="0" smtClean="0"/>
+              <a:rPr lang="en-GB" b="1" dirty="0" err="1"/>
+              <a:t>Satuan</a:t>
+            </a:r>
+            <a:r>
+              <a:rPr lang="en-GB" b="1" dirty="0"/>
               <a:t> </a:t>
             </a:r>
           </a:p>
@@ -5159,11 +6404,19 @@
               <a:buAutoNum type="arabicPeriod"/>
             </a:pPr>
             <a:r>
-              <a:rPr lang="en-GB" b="1" dirty="0" err="1" smtClean="0"/>
-              <a:t>Spesifikasi</a:t>
-            </a:r>
-            <a:r>
-              <a:rPr lang="en-GB" b="1" dirty="0" smtClean="0"/>
+              <a:rPr lang="en-GB" b="1" dirty="0" err="1"/>
+              <a:t>Skala</a:t>
+            </a:r>
+            <a:r>
+              <a:rPr lang="en-GB" b="1" dirty="0"/>
+              <a:t> </a:t>
+            </a:r>
+            <a:r>
+              <a:rPr lang="en-GB" b="1" dirty="0" err="1"/>
+              <a:t>prioritas</a:t>
+            </a:r>
+            <a:r>
+              <a:rPr lang="en-GB" b="1" dirty="0"/>
               <a:t> </a:t>
             </a:r>
           </a:p>
@@ -5172,29 +6425,85 @@
               <a:buAutoNum type="arabicPeriod"/>
             </a:pPr>
             <a:r>
-              <a:rPr lang="en-GB" b="1" dirty="0" err="1" smtClean="0"/>
+              <a:rPr lang="en-GB" b="1" dirty="0" err="1"/>
+              <a:t>Harga</a:t>
+            </a:r>
+            <a:r>
+              <a:rPr lang="en-GB" b="1" dirty="0"/>
+              <a:t> </a:t>
+            </a:r>
+            <a:r>
+              <a:rPr lang="en-GB" b="1" dirty="0" err="1"/>
+              <a:t>satuan</a:t>
+            </a:r>
+            <a:r>
+              <a:rPr lang="en-GB" b="1" dirty="0"/>
+              <a:t> </a:t>
+            </a:r>
+          </a:p>
+          <a:p>
+            <a:pPr marL="342900" indent="-342900">
+              <a:buAutoNum type="arabicPeriod"/>
+            </a:pPr>
+            <a:r>
+              <a:rPr lang="en-GB" b="1" dirty="0" err="1"/>
+              <a:t>Spesifikasi</a:t>
+            </a:r>
+            <a:r>
+              <a:rPr lang="en-GB" b="1" dirty="0"/>
+              <a:t> </a:t>
+            </a:r>
+          </a:p>
+          <a:p>
+            <a:pPr marL="342900" indent="-342900">
+              <a:buAutoNum type="arabicPeriod"/>
+            </a:pPr>
+            <a:r>
+              <a:rPr lang="en-GB" b="1" dirty="0" err="1"/>
               <a:t>Catatan</a:t>
             </a:r>
-            <a:r>
-              <a:rPr lang="en-GB" b="1" dirty="0" smtClean="0"/>
-              <a:t> </a:t>
-            </a:r>
-          </a:p>
-          <a:p>
-            <a:r>
-              <a:rPr lang="en-GB" dirty="0" err="1" smtClean="0"/>
+            <a:endParaRPr lang="en-GB" b="1" dirty="0"/>
+          </a:p>
+          <a:p>
+            <a:pPr marL="342900" indent="-342900">
+              <a:buAutoNum type="arabicPeriod"/>
+            </a:pPr>
+            <a:r>
+              <a:rPr lang="en-GB" b="1" dirty="0"/>
+              <a:t>Upload </a:t>
+            </a:r>
+            <a:r>
+              <a:rPr lang="en-GB" b="1" dirty="0" err="1"/>
+              <a:t>Dokumen</a:t>
+            </a:r>
+            <a:r>
+              <a:rPr lang="en-GB" b="1" dirty="0"/>
+              <a:t> </a:t>
+            </a:r>
+            <a:r>
+              <a:rPr lang="en-GB" b="1" dirty="0" err="1"/>
+              <a:t>Pendukung</a:t>
+            </a:r>
+            <a:r>
+              <a:rPr lang="en-GB" b="1" dirty="0"/>
+              <a:t> </a:t>
+            </a:r>
+          </a:p>
+          <a:p>
+            <a:r>
+              <a:rPr lang="en-GB" dirty="0" err="1"/>
               <a:t>Jika</a:t>
             </a:r>
             <a:r>
-              <a:rPr lang="en-GB" b="1" dirty="0" smtClean="0"/>
-              <a:t> </a:t>
-            </a:r>
-            <a:r>
-              <a:rPr lang="en-GB" dirty="0" err="1" smtClean="0"/>
+              <a:rPr lang="en-GB" b="1" dirty="0"/>
+              <a:t> </a:t>
+            </a:r>
+            <a:r>
+              <a:rPr lang="en-GB" dirty="0" err="1"/>
               <a:t>sudah</a:t>
             </a:r>
             <a:r>
-              <a:rPr lang="en-GB" b="1" dirty="0" smtClean="0"/>
+              <a:rPr lang="en-GB" b="1" dirty="0"/>
               <a:t> KLIK TAMBAH BARANG</a:t>
             </a:r>
           </a:p>
@@ -5203,94 +6512,184 @@
           </a:p>
           <a:p>
             <a:r>
-              <a:rPr lang="en-GB" dirty="0" err="1" smtClean="0"/>
+              <a:rPr lang="en-GB" dirty="0"/>
+              <a:t>Jika </a:t>
+            </a:r>
+            <a:r>
+              <a:rPr lang="en-GB" dirty="0" err="1"/>
+              <a:t>sudah</a:t>
+            </a:r>
+            <a:r>
+              <a:rPr lang="en-GB" dirty="0"/>
+              <a:t> </a:t>
+            </a:r>
+            <a:r>
+              <a:rPr lang="en-GB" dirty="0" err="1"/>
+              <a:t>yakin</a:t>
+            </a:r>
+            <a:r>
+              <a:rPr lang="en-GB" dirty="0"/>
+              <a:t> </a:t>
+            </a:r>
+            <a:r>
+              <a:rPr lang="en-GB" dirty="0" err="1"/>
+              <a:t>semua</a:t>
+            </a:r>
+            <a:r>
+              <a:rPr lang="en-GB" dirty="0"/>
+              <a:t> </a:t>
+            </a:r>
+            <a:r>
+              <a:rPr lang="en-GB" dirty="0" err="1"/>
+              <a:t>bisa</a:t>
+            </a:r>
+            <a:r>
+              <a:rPr lang="en-GB" dirty="0"/>
+              <a:t> </a:t>
+            </a:r>
+          </a:p>
+          <a:p>
+            <a:r>
+              <a:rPr lang="en-GB" b="1" dirty="0"/>
+              <a:t>KLIK SIMPAN USULAN</a:t>
+            </a:r>
+          </a:p>
+          <a:p>
+            <a:r>
+              <a:rPr lang="en-GB" dirty="0" err="1"/>
               <a:t>Jika</a:t>
             </a:r>
             <a:r>
-              <a:rPr lang="en-GB" dirty="0" smtClean="0"/>
-              <a:t> </a:t>
-            </a:r>
-            <a:r>
-              <a:rPr lang="en-GB" dirty="0" err="1" smtClean="0"/>
-              <a:t>sudah</a:t>
-            </a:r>
-            <a:r>
-              <a:rPr lang="en-GB" dirty="0" smtClean="0"/>
-              <a:t> </a:t>
-            </a:r>
-            <a:r>
-              <a:rPr lang="en-GB" dirty="0" err="1" smtClean="0"/>
-              <a:t>yakin</a:t>
-            </a:r>
-            <a:r>
-              <a:rPr lang="en-GB" dirty="0" smtClean="0"/>
-              <a:t> </a:t>
-            </a:r>
-            <a:r>
-              <a:rPr lang="en-GB" dirty="0" err="1" smtClean="0"/>
-              <a:t>semua</a:t>
-            </a:r>
-            <a:r>
-              <a:rPr lang="en-GB" dirty="0" smtClean="0"/>
-              <a:t> </a:t>
-            </a:r>
-            <a:r>
-              <a:rPr lang="en-GB" dirty="0" err="1" smtClean="0"/>
-              <a:t>bisa</a:t>
-            </a:r>
-            <a:r>
-              <a:rPr lang="en-GB" dirty="0" smtClean="0"/>
-              <a:t> </a:t>
-            </a:r>
-            <a:r>
-              <a:rPr lang="en-GB" b="1" dirty="0" smtClean="0"/>
-              <a:t>KLIK SIMPAN USULAN</a:t>
-            </a:r>
-          </a:p>
-          <a:p>
-            <a:r>
-              <a:rPr lang="en-GB" dirty="0" err="1" smtClean="0"/>
-              <a:t>Jika</a:t>
-            </a:r>
-            <a:r>
-              <a:rPr lang="en-GB" dirty="0" smtClean="0"/>
-              <a:t> </a:t>
-            </a:r>
-            <a:r>
-              <a:rPr lang="en-GB" dirty="0" err="1" smtClean="0"/>
+              <a:rPr lang="en-GB" dirty="0"/>
+              <a:t> </a:t>
+            </a:r>
+            <a:r>
+              <a:rPr lang="en-GB" dirty="0" err="1"/>
               <a:t>tidak</a:t>
             </a:r>
             <a:r>
-              <a:rPr lang="en-GB" dirty="0" smtClean="0"/>
-              <a:t> </a:t>
-            </a:r>
-            <a:r>
-              <a:rPr lang="en-GB" dirty="0" err="1" smtClean="0"/>
+              <a:rPr lang="en-GB" dirty="0"/>
+              <a:t> </a:t>
+            </a:r>
+            <a:r>
+              <a:rPr lang="en-GB" dirty="0" err="1"/>
               <a:t>jadi</a:t>
             </a:r>
             <a:r>
-              <a:rPr lang="en-GB" dirty="0" smtClean="0"/>
-              <a:t> </a:t>
-            </a:r>
-            <a:r>
-              <a:rPr lang="en-GB" dirty="0" err="1" smtClean="0"/>
+              <a:rPr lang="en-GB" dirty="0"/>
+              <a:t> </a:t>
+            </a:r>
+            <a:r>
+              <a:rPr lang="en-GB" dirty="0" err="1"/>
               <a:t>klik</a:t>
             </a:r>
             <a:r>
-              <a:rPr lang="en-GB" dirty="0" smtClean="0"/>
-              <a:t> </a:t>
-            </a:r>
-            <a:r>
-              <a:rPr lang="en-GB" b="1" dirty="0" err="1" smtClean="0"/>
+              <a:rPr lang="en-GB" dirty="0"/>
+              <a:t> </a:t>
+            </a:r>
+            <a:r>
+              <a:rPr lang="en-GB" b="1" dirty="0" err="1"/>
               <a:t>Batal</a:t>
             </a:r>
-            <a:endParaRPr lang="en-GB" b="1" dirty="0" smtClean="0"/>
+            <a:endParaRPr lang="en-GB" b="1" dirty="0"/>
+          </a:p>
+        </p:txBody>
+      </p:sp>
+      <p:sp>
+        <p:nvSpPr>
+          <p:cNvPr id="6" name="TextBox 5"/>
+          <p:cNvSpPr txBox="1"/>
+          <p:nvPr/>
+        </p:nvSpPr>
+        <p:spPr>
+          <a:xfrm>
+            <a:off x="327546" y="110586"/>
+            <a:ext cx="3239990" cy="584775"/>
+          </a:xfrm>
+          <a:prstGeom prst="rect">
+            <a:avLst/>
+          </a:prstGeom>
+          <a:noFill/>
+        </p:spPr>
+        <p:txBody>
+          <a:bodyPr wrap="none" rtlCol="0">
+            <a:spAutoFit/>
+          </a:bodyPr>
+          <a:lstStyle/>
+          <a:p>
+            <a:r>
+              <a:rPr lang="en-GB" sz="3200" dirty="0" err="1">
+                <a:ln w="0"/>
+                <a:solidFill>
+                  <a:schemeClr val="accent1"/>
+                </a:solidFill>
+                <a:effectLst>
+                  <a:outerShdw blurRad="38100" dist="25400" dir="5400000" algn="ctr" rotWithShape="0">
+                    <a:srgbClr val="6E747A">
+                      <a:alpha val="43000"/>
+                    </a:srgbClr>
+                  </a:outerShdw>
+                </a:effectLst>
+              </a:rPr>
+              <a:t>Tambah</a:t>
+            </a:r>
+            <a:r>
+              <a:rPr lang="en-GB" sz="3200" dirty="0">
+                <a:ln w="0"/>
+                <a:solidFill>
+                  <a:schemeClr val="accent1"/>
+                </a:solidFill>
+                <a:effectLst>
+                  <a:outerShdw blurRad="38100" dist="25400" dir="5400000" algn="ctr" rotWithShape="0">
+                    <a:srgbClr val="6E747A">
+                      <a:alpha val="43000"/>
+                    </a:srgbClr>
+                  </a:outerShdw>
+                </a:effectLst>
+              </a:rPr>
+              <a:t> </a:t>
+            </a:r>
+            <a:r>
+              <a:rPr lang="en-GB" sz="3200" dirty="0" err="1">
+                <a:ln w="0"/>
+                <a:solidFill>
+                  <a:schemeClr val="accent1"/>
+                </a:solidFill>
+                <a:effectLst>
+                  <a:outerShdw blurRad="38100" dist="25400" dir="5400000" algn="ctr" rotWithShape="0">
+                    <a:srgbClr val="6E747A">
+                      <a:alpha val="43000"/>
+                    </a:srgbClr>
+                  </a:outerShdw>
+                </a:effectLst>
+              </a:rPr>
+              <a:t>Usulan</a:t>
+            </a:r>
+            <a:endParaRPr lang="en-GB" sz="3200" dirty="0">
+              <a:ln w="0"/>
+              <a:solidFill>
+                <a:schemeClr val="accent1"/>
+              </a:solidFill>
+              <a:effectLst>
+                <a:outerShdw blurRad="38100" dist="25400" dir="5400000" algn="ctr" rotWithShape="0">
+                  <a:srgbClr val="6E747A">
+                    <a:alpha val="43000"/>
+                  </a:srgbClr>
+                </a:outerShdw>
+              </a:effectLst>
+            </a:endParaRPr>
           </a:p>
         </p:txBody>
       </p:sp>
       <p:pic>
         <p:nvPicPr>
-          <p:cNvPr id="4" name="Picture 3"/>
+          <p:cNvPr id="7" name="Picture 6">
+            <a:extLst>
+              <a:ext uri="{FF2B5EF4-FFF2-40B4-BE49-F238E27FC236}">
+                <a16:creationId xmlns:a16="http://schemas.microsoft.com/office/drawing/2014/main" id="{439AB2F0-C9F6-C22C-D518-1B7C611474DB}"/>
+              </a:ext>
+            </a:extLst>
+          </p:cNvPr>
           <p:cNvPicPr>
             <a:picLocks noChangeAspect="1"/>
           </p:cNvPicPr>
@@ -5298,260 +6697,24 @@
         </p:nvPicPr>
         <p:blipFill rotWithShape="1">
           <a:blip r:embed="rId2"/>
-          <a:srcRect l="18152" t="13898" r="19575" b="5232"/>
+          <a:srcRect l="4402" t="16394" r="5615" b="7442"/>
           <a:stretch/>
         </p:blipFill>
         <p:spPr>
           <a:xfrm>
-            <a:off x="559557" y="1542197"/>
-            <a:ext cx="6128129" cy="4476466"/>
+            <a:off x="327546" y="1070277"/>
+            <a:ext cx="7539307" cy="3587891"/>
           </a:xfrm>
           <a:prstGeom prst="rect">
             <a:avLst/>
           </a:prstGeom>
+          <a:ln w="38100">
+            <a:solidFill>
+              <a:schemeClr val="accent1"/>
+            </a:solidFill>
+          </a:ln>
         </p:spPr>
       </p:pic>
-      <p:sp>
-        <p:nvSpPr>
-          <p:cNvPr id="6" name="TextBox 5"/>
-          <p:cNvSpPr txBox="1"/>
-          <p:nvPr/>
-        </p:nvSpPr>
-        <p:spPr>
-          <a:xfrm>
-            <a:off x="327546" y="204716"/>
-            <a:ext cx="9574159" cy="1077218"/>
-          </a:xfrm>
-          <a:prstGeom prst="rect">
-            <a:avLst/>
-          </a:prstGeom>
-          <a:noFill/>
-        </p:spPr>
-        <p:txBody>
-          <a:bodyPr wrap="none" rtlCol="0">
-            <a:spAutoFit/>
-          </a:bodyPr>
-          <a:lstStyle/>
-          <a:p>
-            <a:r>
-              <a:rPr lang="en-GB" sz="3200" b="1" dirty="0" smtClean="0">
-                <a:ln w="12700" cmpd="sng">
-                  <a:solidFill>
-                    <a:schemeClr val="accent4"/>
-                  </a:solidFill>
-                  <a:prstDash val="solid"/>
-                </a:ln>
-                <a:gradFill>
-                  <a:gsLst>
-                    <a:gs pos="0">
-                      <a:schemeClr val="accent4"/>
-                    </a:gs>
-                    <a:gs pos="4000">
-                      <a:schemeClr val="accent4">
-                        <a:lumMod val="60000"/>
-                        <a:lumOff val="40000"/>
-                      </a:schemeClr>
-                    </a:gs>
-                    <a:gs pos="87000">
-                      <a:schemeClr val="accent4">
-                        <a:lumMod val="20000"/>
-                        <a:lumOff val="80000"/>
-                      </a:schemeClr>
-                    </a:gs>
-                  </a:gsLst>
-                  <a:lin ang="5400000"/>
-                </a:gradFill>
-              </a:rPr>
-              <a:t>HALAMAN TAMBAH USULAN BELANJA BARANG &amp; JASA</a:t>
-            </a:r>
-          </a:p>
-          <a:p>
-            <a:r>
-              <a:rPr lang="en-GB" sz="3200" b="1" dirty="0" smtClean="0">
-                <a:ln w="12700" cmpd="sng">
-                  <a:solidFill>
-                    <a:schemeClr val="accent4"/>
-                  </a:solidFill>
-                  <a:prstDash val="solid"/>
-                </a:ln>
-                <a:gradFill>
-                  <a:gsLst>
-                    <a:gs pos="0">
-                      <a:schemeClr val="accent4"/>
-                    </a:gs>
-                    <a:gs pos="4000">
-                      <a:schemeClr val="accent4">
-                        <a:lumMod val="60000"/>
-                        <a:lumOff val="40000"/>
-                      </a:schemeClr>
-                    </a:gs>
-                    <a:gs pos="87000">
-                      <a:schemeClr val="accent4">
-                        <a:lumMod val="20000"/>
-                        <a:lumOff val="80000"/>
-                      </a:schemeClr>
-                    </a:gs>
-                  </a:gsLst>
-                  <a:lin ang="5400000"/>
-                </a:gradFill>
-              </a:rPr>
-              <a:t>(</a:t>
-            </a:r>
-            <a:r>
-              <a:rPr lang="en-GB" sz="3200" b="1" dirty="0" err="1" smtClean="0">
-                <a:ln w="12700" cmpd="sng">
-                  <a:solidFill>
-                    <a:schemeClr val="accent4"/>
-                  </a:solidFill>
-                  <a:prstDash val="solid"/>
-                </a:ln>
-                <a:gradFill>
-                  <a:gsLst>
-                    <a:gs pos="0">
-                      <a:schemeClr val="accent4"/>
-                    </a:gs>
-                    <a:gs pos="4000">
-                      <a:schemeClr val="accent4">
-                        <a:lumMod val="60000"/>
-                        <a:lumOff val="40000"/>
-                      </a:schemeClr>
-                    </a:gs>
-                    <a:gs pos="87000">
-                      <a:schemeClr val="accent4">
-                        <a:lumMod val="20000"/>
-                        <a:lumOff val="80000"/>
-                      </a:schemeClr>
-                    </a:gs>
-                  </a:gsLst>
-                  <a:lin ang="5400000"/>
-                </a:gradFill>
-              </a:rPr>
-              <a:t>tambah</a:t>
-            </a:r>
-            <a:r>
-              <a:rPr lang="en-GB" sz="3200" b="1" dirty="0" smtClean="0">
-                <a:ln w="12700" cmpd="sng">
-                  <a:solidFill>
-                    <a:schemeClr val="accent4"/>
-                  </a:solidFill>
-                  <a:prstDash val="solid"/>
-                </a:ln>
-                <a:gradFill>
-                  <a:gsLst>
-                    <a:gs pos="0">
-                      <a:schemeClr val="accent4"/>
-                    </a:gs>
-                    <a:gs pos="4000">
-                      <a:schemeClr val="accent4">
-                        <a:lumMod val="60000"/>
-                        <a:lumOff val="40000"/>
-                      </a:schemeClr>
-                    </a:gs>
-                    <a:gs pos="87000">
-                      <a:schemeClr val="accent4">
-                        <a:lumMod val="20000"/>
-                        <a:lumOff val="80000"/>
-                      </a:schemeClr>
-                    </a:gs>
-                  </a:gsLst>
-                  <a:lin ang="5400000"/>
-                </a:gradFill>
-              </a:rPr>
-              <a:t> </a:t>
-            </a:r>
-            <a:r>
-              <a:rPr lang="en-GB" sz="3200" b="1" dirty="0" err="1" smtClean="0">
-                <a:ln w="12700" cmpd="sng">
-                  <a:solidFill>
-                    <a:schemeClr val="accent4"/>
-                  </a:solidFill>
-                  <a:prstDash val="solid"/>
-                </a:ln>
-                <a:gradFill>
-                  <a:gsLst>
-                    <a:gs pos="0">
-                      <a:schemeClr val="accent4"/>
-                    </a:gs>
-                    <a:gs pos="4000">
-                      <a:schemeClr val="accent4">
-                        <a:lumMod val="60000"/>
-                        <a:lumOff val="40000"/>
-                      </a:schemeClr>
-                    </a:gs>
-                    <a:gs pos="87000">
-                      <a:schemeClr val="accent4">
-                        <a:lumMod val="20000"/>
-                        <a:lumOff val="80000"/>
-                      </a:schemeClr>
-                    </a:gs>
-                  </a:gsLst>
-                  <a:lin ang="5400000"/>
-                </a:gradFill>
-              </a:rPr>
-              <a:t>usulan</a:t>
-            </a:r>
-            <a:r>
-              <a:rPr lang="en-GB" sz="3200" b="1" dirty="0" smtClean="0">
-                <a:ln w="12700" cmpd="sng">
-                  <a:solidFill>
-                    <a:schemeClr val="accent4"/>
-                  </a:solidFill>
-                  <a:prstDash val="solid"/>
-                </a:ln>
-                <a:gradFill>
-                  <a:gsLst>
-                    <a:gs pos="0">
-                      <a:schemeClr val="accent4"/>
-                    </a:gs>
-                    <a:gs pos="4000">
-                      <a:schemeClr val="accent4">
-                        <a:lumMod val="60000"/>
-                        <a:lumOff val="40000"/>
-                      </a:schemeClr>
-                    </a:gs>
-                    <a:gs pos="87000">
-                      <a:schemeClr val="accent4">
-                        <a:lumMod val="20000"/>
-                        <a:lumOff val="80000"/>
-                      </a:schemeClr>
-                    </a:gs>
-                  </a:gsLst>
-                  <a:lin ang="5400000"/>
-                </a:gradFill>
-              </a:rPr>
-              <a:t>)</a:t>
-            </a:r>
-            <a:endParaRPr lang="en-GB" sz="3200" b="1" dirty="0">
-              <a:ln w="12700" cmpd="sng">
-                <a:solidFill>
-                  <a:schemeClr val="accent4"/>
-                </a:solidFill>
-                <a:prstDash val="solid"/>
-              </a:ln>
-              <a:gradFill>
-                <a:gsLst>
-                  <a:gs pos="0">
-                    <a:schemeClr val="accent4"/>
-                  </a:gs>
-                  <a:gs pos="4000">
-                    <a:schemeClr val="accent4">
-                      <a:lumMod val="60000"/>
-                      <a:lumOff val="40000"/>
-                    </a:schemeClr>
-                  </a:gs>
-                  <a:gs pos="87000">
-                    <a:schemeClr val="accent4">
-                      <a:lumMod val="20000"/>
-                      <a:lumOff val="80000"/>
-                    </a:schemeClr>
-                  </a:gs>
-                </a:gsLst>
-                <a:lin ang="5400000"/>
-              </a:gradFill>
-            </a:endParaRPr>
-          </a:p>
-        </p:txBody>
-      </p:sp>
     </p:spTree>
     <p:extLst>
       <p:ext uri="{BB962C8B-B14F-4D97-AF65-F5344CB8AC3E}">
@@ -5562,13 +6725,6 @@
   <p:clrMapOvr>
     <a:masterClrMapping/>
   </p:clrMapOvr>
-  <p:timing>
-    <p:tnLst>
-      <p:par>
-        <p:cTn id="1" dur="indefinite" restart="never" nodeType="tmRoot"/>
-      </p:par>
-    </p:tnLst>
-  </p:timing>
 </p:sld>
 </file>
 
@@ -5611,7 +6767,314 @@
           </a:bodyPr>
           <a:lstStyle/>
           <a:p>
-            <a:endParaRPr lang="en-GB" dirty="0" smtClean="0"/>
+            <a:endParaRPr lang="en-GB" dirty="0"/>
+          </a:p>
+        </p:txBody>
+      </p:sp>
+      <p:sp>
+        <p:nvSpPr>
+          <p:cNvPr id="5" name="Rectangle 4"/>
+          <p:cNvSpPr/>
+          <p:nvPr/>
+        </p:nvSpPr>
+        <p:spPr>
+          <a:xfrm>
+            <a:off x="7696395" y="877890"/>
+            <a:ext cx="4495605" cy="5455675"/>
+          </a:xfrm>
+          <a:prstGeom prst="rect">
+            <a:avLst/>
+          </a:prstGeom>
+        </p:spPr>
+        <p:style>
+          <a:lnRef idx="2">
+            <a:schemeClr val="accent2">
+              <a:shade val="50000"/>
+            </a:schemeClr>
+          </a:lnRef>
+          <a:fillRef idx="1">
+            <a:schemeClr val="accent2"/>
+          </a:fillRef>
+          <a:effectRef idx="0">
+            <a:schemeClr val="accent2"/>
+          </a:effectRef>
+          <a:fontRef idx="minor">
+            <a:schemeClr val="lt1"/>
+          </a:fontRef>
+        </p:style>
+        <p:txBody>
+          <a:bodyPr rtlCol="0" anchor="ctr"/>
+          <a:lstStyle/>
+          <a:p>
+            <a:r>
+              <a:rPr lang="en-GB" dirty="0"/>
+              <a:t>EDIT USULAN BARANG / JASA </a:t>
+            </a:r>
+          </a:p>
+          <a:p>
+            <a:pPr marL="342900" indent="-342900">
+              <a:buAutoNum type="arabicPeriod"/>
+            </a:pPr>
+            <a:r>
+              <a:rPr lang="en-GB" b="1" dirty="0"/>
+              <a:t>Nama Program </a:t>
+            </a:r>
+          </a:p>
+          <a:p>
+            <a:pPr marL="342900" indent="-342900">
+              <a:buAutoNum type="arabicPeriod"/>
+            </a:pPr>
+            <a:r>
+              <a:rPr lang="en-GB" b="1" dirty="0"/>
+              <a:t>Nama </a:t>
+            </a:r>
+            <a:r>
+              <a:rPr lang="en-GB" b="1" dirty="0" err="1"/>
+              <a:t>Kegiatan</a:t>
+            </a:r>
+            <a:r>
+              <a:rPr lang="en-GB" b="1" dirty="0"/>
+              <a:t> </a:t>
+            </a:r>
+          </a:p>
+          <a:p>
+            <a:pPr marL="342900" indent="-342900">
+              <a:buAutoNum type="arabicPeriod"/>
+            </a:pPr>
+            <a:r>
+              <a:rPr lang="en-GB" b="1" dirty="0"/>
+              <a:t>Nama </a:t>
+            </a:r>
+            <a:r>
+              <a:rPr lang="en-GB" b="1" dirty="0" err="1"/>
+              <a:t>subkegiatan</a:t>
+            </a:r>
+            <a:r>
+              <a:rPr lang="en-GB" b="1" dirty="0"/>
+              <a:t> </a:t>
+            </a:r>
+          </a:p>
+          <a:p>
+            <a:pPr marL="342900" indent="-342900">
+              <a:buAutoNum type="arabicPeriod"/>
+            </a:pPr>
+            <a:r>
+              <a:rPr lang="en-GB" b="1" dirty="0"/>
+              <a:t>Nama </a:t>
+            </a:r>
+            <a:r>
+              <a:rPr lang="en-GB" b="1" dirty="0" err="1"/>
+              <a:t>Uraian</a:t>
+            </a:r>
+            <a:r>
+              <a:rPr lang="en-GB" b="1" dirty="0"/>
+              <a:t> </a:t>
+            </a:r>
+            <a:r>
+              <a:rPr lang="en-GB" b="1" dirty="0" err="1"/>
+              <a:t>Belanja</a:t>
+            </a:r>
+            <a:r>
+              <a:rPr lang="en-GB" b="1" dirty="0"/>
+              <a:t> </a:t>
+            </a:r>
+          </a:p>
+          <a:p>
+            <a:pPr marL="342900" indent="-342900">
+              <a:buAutoNum type="arabicPeriod"/>
+            </a:pPr>
+            <a:r>
+              <a:rPr lang="en-GB" b="1" dirty="0" err="1"/>
+              <a:t>Sumber</a:t>
+            </a:r>
+            <a:r>
+              <a:rPr lang="en-GB" b="1" dirty="0"/>
+              <a:t> Dana</a:t>
+            </a:r>
+          </a:p>
+          <a:p>
+            <a:pPr marL="342900" indent="-342900">
+              <a:buAutoNum type="arabicPeriod"/>
+            </a:pPr>
+            <a:r>
+              <a:rPr lang="en-GB" b="1" dirty="0"/>
+              <a:t>Nama </a:t>
+            </a:r>
+            <a:r>
+              <a:rPr lang="en-GB" b="1" dirty="0" err="1"/>
+              <a:t>Barang</a:t>
+            </a:r>
+            <a:r>
+              <a:rPr lang="en-GB" b="1" dirty="0"/>
+              <a:t> / </a:t>
+            </a:r>
+            <a:r>
+              <a:rPr lang="en-GB" b="1" dirty="0" err="1"/>
+              <a:t>jasa</a:t>
+            </a:r>
+            <a:endParaRPr lang="en-GB" b="1" dirty="0"/>
+          </a:p>
+          <a:p>
+            <a:pPr marL="342900" indent="-342900">
+              <a:buAutoNum type="arabicPeriod"/>
+            </a:pPr>
+            <a:r>
+              <a:rPr lang="en-GB" b="1" dirty="0" err="1"/>
+              <a:t>Tipe</a:t>
+            </a:r>
+            <a:r>
+              <a:rPr lang="en-GB" b="1" dirty="0"/>
+              <a:t> </a:t>
+            </a:r>
+            <a:r>
+              <a:rPr lang="en-GB" b="1" dirty="0" err="1"/>
+              <a:t>Barang</a:t>
+            </a:r>
+            <a:endParaRPr lang="en-GB" b="1" dirty="0"/>
+          </a:p>
+          <a:p>
+            <a:pPr marL="342900" indent="-342900">
+              <a:buAutoNum type="arabicPeriod"/>
+            </a:pPr>
+            <a:r>
+              <a:rPr lang="en-GB" b="1" dirty="0" err="1"/>
+              <a:t>Jenis</a:t>
+            </a:r>
+            <a:r>
+              <a:rPr lang="en-GB" b="1" dirty="0"/>
+              <a:t> </a:t>
+            </a:r>
+            <a:r>
+              <a:rPr lang="en-GB" b="1" dirty="0" err="1"/>
+              <a:t>Barang</a:t>
+            </a:r>
+            <a:endParaRPr lang="en-GB" b="1" dirty="0"/>
+          </a:p>
+          <a:p>
+            <a:pPr marL="342900" indent="-342900">
+              <a:buAutoNum type="arabicPeriod"/>
+            </a:pPr>
+            <a:r>
+              <a:rPr lang="en-GB" b="1" dirty="0" err="1"/>
+              <a:t>Kuantitas</a:t>
+            </a:r>
+            <a:endParaRPr lang="en-GB" b="1" dirty="0"/>
+          </a:p>
+          <a:p>
+            <a:pPr marL="342900" indent="-342900">
+              <a:buAutoNum type="arabicPeriod"/>
+            </a:pPr>
+            <a:r>
+              <a:rPr lang="en-GB" b="1" dirty="0" err="1"/>
+              <a:t>Satuan</a:t>
+            </a:r>
+            <a:r>
+              <a:rPr lang="en-GB" b="1" dirty="0"/>
+              <a:t> </a:t>
+            </a:r>
+          </a:p>
+          <a:p>
+            <a:pPr marL="342900" indent="-342900">
+              <a:buAutoNum type="arabicPeriod"/>
+            </a:pPr>
+            <a:r>
+              <a:rPr lang="en-GB" b="1" dirty="0"/>
+              <a:t>Skala </a:t>
+            </a:r>
+            <a:r>
+              <a:rPr lang="en-GB" b="1" dirty="0" err="1"/>
+              <a:t>prioritas</a:t>
+            </a:r>
+            <a:r>
+              <a:rPr lang="en-GB" b="1" dirty="0"/>
+              <a:t> </a:t>
+            </a:r>
+          </a:p>
+          <a:p>
+            <a:pPr marL="342900" indent="-342900">
+              <a:buAutoNum type="arabicPeriod"/>
+            </a:pPr>
+            <a:r>
+              <a:rPr lang="en-GB" b="1" dirty="0"/>
+              <a:t>Harga </a:t>
+            </a:r>
+            <a:r>
+              <a:rPr lang="en-GB" b="1" dirty="0" err="1"/>
+              <a:t>satuan</a:t>
+            </a:r>
+            <a:r>
+              <a:rPr lang="en-GB" b="1" dirty="0"/>
+              <a:t> </a:t>
+            </a:r>
+          </a:p>
+          <a:p>
+            <a:pPr marL="342900" indent="-342900">
+              <a:buAutoNum type="arabicPeriod"/>
+            </a:pPr>
+            <a:r>
+              <a:rPr lang="en-GB" b="1" dirty="0" err="1"/>
+              <a:t>Spesifikasi</a:t>
+            </a:r>
+            <a:r>
+              <a:rPr lang="en-GB" b="1" dirty="0"/>
+              <a:t> </a:t>
+            </a:r>
+          </a:p>
+          <a:p>
+            <a:pPr marL="342900" indent="-342900">
+              <a:buAutoNum type="arabicPeriod"/>
+            </a:pPr>
+            <a:r>
+              <a:rPr lang="en-GB" b="1" dirty="0" err="1"/>
+              <a:t>Catatan</a:t>
+            </a:r>
+            <a:endParaRPr lang="en-GB" b="1" dirty="0"/>
+          </a:p>
+          <a:p>
+            <a:pPr marL="342900" indent="-342900">
+              <a:buAutoNum type="arabicPeriod"/>
+            </a:pPr>
+            <a:r>
+              <a:rPr lang="en-GB" b="1" dirty="0"/>
+              <a:t>Upload </a:t>
+            </a:r>
+            <a:r>
+              <a:rPr lang="en-GB" b="1" dirty="0" err="1"/>
+              <a:t>Dokumen</a:t>
+            </a:r>
+            <a:r>
+              <a:rPr lang="en-GB" b="1" dirty="0"/>
+              <a:t> </a:t>
+            </a:r>
+            <a:r>
+              <a:rPr lang="en-GB" b="1" dirty="0" err="1"/>
+              <a:t>Pendukung</a:t>
+            </a:r>
+            <a:r>
+              <a:rPr lang="en-GB" b="1" dirty="0"/>
+              <a:t> </a:t>
+            </a:r>
+          </a:p>
+          <a:p>
+            <a:r>
+              <a:rPr lang="en-GB" dirty="0"/>
+              <a:t>Jika</a:t>
+            </a:r>
+            <a:r>
+              <a:rPr lang="en-GB" b="1" dirty="0"/>
+              <a:t> </a:t>
+            </a:r>
+            <a:r>
+              <a:rPr lang="en-GB" dirty="0" err="1"/>
+              <a:t>sudah</a:t>
+            </a:r>
+            <a:r>
+              <a:rPr lang="en-GB" b="1" dirty="0"/>
+              <a:t> KLIK UBAH BARANG</a:t>
+            </a:r>
+          </a:p>
+          <a:p>
+            <a:endParaRPr lang="en-GB" b="1" dirty="0"/>
           </a:p>
         </p:txBody>
       </p:sp>
@@ -5623,8 +7086,8 @@
         </p:nvSpPr>
         <p:spPr>
           <a:xfrm>
-            <a:off x="327546" y="204716"/>
-            <a:ext cx="10784875" cy="584775"/>
+            <a:off x="345329" y="0"/>
+            <a:ext cx="2310248" cy="584775"/>
           </a:xfrm>
           <a:prstGeom prst="rect">
             <a:avLst/>
@@ -5638,70 +7101,62 @@
           <a:lstStyle/>
           <a:p>
             <a:r>
-              <a:rPr lang="en-GB" sz="3200" b="1" dirty="0" smtClean="0">
-                <a:ln w="12700" cmpd="sng">
-                  <a:solidFill>
-                    <a:schemeClr val="accent4"/>
-                  </a:solidFill>
-                  <a:prstDash val="solid"/>
-                </a:ln>
-                <a:gradFill>
-                  <a:gsLst>
-                    <a:gs pos="0">
-                      <a:schemeClr val="accent4"/>
-                    </a:gs>
-                    <a:gs pos="4000">
-                      <a:schemeClr val="accent4">
-                        <a:lumMod val="60000"/>
-                        <a:lumOff val="40000"/>
-                      </a:schemeClr>
-                    </a:gs>
-                    <a:gs pos="87000">
-                      <a:schemeClr val="accent4">
-                        <a:lumMod val="20000"/>
-                        <a:lumOff val="80000"/>
-                      </a:schemeClr>
-                    </a:gs>
-                  </a:gsLst>
-                  <a:lin ang="5400000"/>
-                </a:gradFill>
-              </a:rPr>
-              <a:t>HALAMAN BARANG DAN JASA KETIKA SUDAH MENGUSULKAN</a:t>
-            </a:r>
-            <a:endParaRPr lang="en-GB" sz="3200" b="1" dirty="0">
-              <a:ln w="12700" cmpd="sng">
-                <a:solidFill>
-                  <a:schemeClr val="accent4"/>
-                </a:solidFill>
-                <a:prstDash val="solid"/>
-              </a:ln>
-              <a:gradFill>
-                <a:gsLst>
-                  <a:gs pos="0">
-                    <a:schemeClr val="accent4"/>
-                  </a:gs>
-                  <a:gs pos="4000">
-                    <a:schemeClr val="accent4">
-                      <a:lumMod val="60000"/>
-                      <a:lumOff val="40000"/>
-                    </a:schemeClr>
-                  </a:gs>
-                  <a:gs pos="87000">
-                    <a:schemeClr val="accent4">
-                      <a:lumMod val="20000"/>
-                      <a:lumOff val="80000"/>
-                    </a:schemeClr>
-                  </a:gs>
-                </a:gsLst>
-                <a:lin ang="5400000"/>
-              </a:gradFill>
+              <a:rPr lang="en-GB" sz="3200" dirty="0">
+                <a:ln w="0"/>
+                <a:solidFill>
+                  <a:schemeClr val="accent1"/>
+                </a:solidFill>
+                <a:effectLst>
+                  <a:outerShdw blurRad="38100" dist="25400" dir="5400000" algn="ctr" rotWithShape="0">
+                    <a:srgbClr val="6E747A">
+                      <a:alpha val="43000"/>
+                    </a:srgbClr>
+                  </a:outerShdw>
+                </a:effectLst>
+              </a:rPr>
+              <a:t>Edit </a:t>
+            </a:r>
+            <a:r>
+              <a:rPr lang="en-GB" sz="3200" dirty="0" err="1">
+                <a:ln w="0"/>
+                <a:solidFill>
+                  <a:schemeClr val="accent1"/>
+                </a:solidFill>
+                <a:effectLst>
+                  <a:outerShdw blurRad="38100" dist="25400" dir="5400000" algn="ctr" rotWithShape="0">
+                    <a:srgbClr val="6E747A">
+                      <a:alpha val="43000"/>
+                    </a:srgbClr>
+                  </a:outerShdw>
+                </a:effectLst>
+              </a:rPr>
+              <a:t>Usulan</a:t>
+            </a:r>
+            <a:endParaRPr lang="en-GB" sz="3200" dirty="0">
+              <a:ln w="0"/>
+              <a:solidFill>
+                <a:schemeClr val="accent1"/>
+              </a:solidFill>
+              <a:effectLst>
+                <a:outerShdw blurRad="38100" dist="25400" dir="5400000" algn="ctr" rotWithShape="0">
+                  <a:srgbClr val="6E747A">
+                    <a:alpha val="43000"/>
+                  </a:srgbClr>
+                </a:outerShdw>
+              </a:effectLst>
             </a:endParaRPr>
           </a:p>
         </p:txBody>
       </p:sp>
       <p:pic>
         <p:nvPicPr>
-          <p:cNvPr id="7" name="Picture 6"/>
+          <p:cNvPr id="9" name="Picture 8">
+            <a:extLst>
+              <a:ext uri="{FF2B5EF4-FFF2-40B4-BE49-F238E27FC236}">
+                <a16:creationId xmlns:a16="http://schemas.microsoft.com/office/drawing/2014/main" id="{5486B76C-AAFC-8CD8-FE12-9A1C53814472}"/>
+              </a:ext>
+            </a:extLst>
+          </p:cNvPr>
           <p:cNvPicPr>
             <a:picLocks noChangeAspect="1"/>
           </p:cNvPicPr>
@@ -5715,294 +7170,61 @@
         </p:blipFill>
         <p:spPr>
           <a:xfrm>
-            <a:off x="547379" y="946546"/>
-            <a:ext cx="7586972" cy="4077997"/>
+            <a:off x="345329" y="1511015"/>
+            <a:ext cx="6822831" cy="3835969"/>
           </a:xfrm>
           <a:prstGeom prst="rect">
             <a:avLst/>
           </a:prstGeom>
+          <a:ln w="38100">
+            <a:solidFill>
+              <a:schemeClr val="accent1"/>
+            </a:solidFill>
+          </a:ln>
         </p:spPr>
       </p:pic>
-      <p:sp>
-        <p:nvSpPr>
-          <p:cNvPr id="8" name="Rectangle 7"/>
-          <p:cNvSpPr/>
+      <p:pic>
+        <p:nvPicPr>
+          <p:cNvPr id="11" name="Picture 10">
+            <a:extLst>
+              <a:ext uri="{FF2B5EF4-FFF2-40B4-BE49-F238E27FC236}">
+                <a16:creationId xmlns:a16="http://schemas.microsoft.com/office/drawing/2014/main" id="{B9BE5EEA-66DD-AB3F-73CE-5003A957CE74}"/>
+              </a:ext>
+            </a:extLst>
+          </p:cNvPr>
+          <p:cNvPicPr>
+            <a:picLocks noChangeAspect="1"/>
+          </p:cNvPicPr>
           <p:nvPr/>
-        </p:nvSpPr>
-        <p:spPr>
-          <a:xfrm>
-            <a:off x="1940594" y="2487028"/>
-            <a:ext cx="5818016" cy="713372"/>
+        </p:nvPicPr>
+        <p:blipFill rotWithShape="1">
+          <a:blip r:embed="rId2"/>
+          <a:srcRect l="77980" t="53985" r="20035" b="43795"/>
+          <a:stretch/>
+        </p:blipFill>
+        <p:spPr>
+          <a:xfrm>
+            <a:off x="11604811" y="1101485"/>
+            <a:ext cx="483995" cy="304332"/>
           </a:xfrm>
           <a:prstGeom prst="rect">
             <a:avLst/>
           </a:prstGeom>
-          <a:noFill/>
-          <a:ln>
-            <a:solidFill>
-              <a:schemeClr val="accent2"/>
-            </a:solidFill>
-          </a:ln>
-        </p:spPr>
-        <p:style>
-          <a:lnRef idx="2">
-            <a:schemeClr val="accent1">
-              <a:shade val="50000"/>
-            </a:schemeClr>
-          </a:lnRef>
-          <a:fillRef idx="1">
-            <a:schemeClr val="accent1"/>
-          </a:fillRef>
-          <a:effectRef idx="0">
-            <a:schemeClr val="accent1"/>
-          </a:effectRef>
-          <a:fontRef idx="minor">
-            <a:schemeClr val="lt1"/>
-          </a:fontRef>
-        </p:style>
-        <p:txBody>
-          <a:bodyPr rtlCol="0" anchor="ctr"/>
-          <a:lstStyle/>
-          <a:p>
-            <a:pPr algn="ctr"/>
-            <a:endParaRPr lang="en-GB"/>
-          </a:p>
-        </p:txBody>
-      </p:sp>
-      <p:sp>
-        <p:nvSpPr>
-          <p:cNvPr id="30" name="Rectangle 29"/>
-          <p:cNvSpPr/>
-          <p:nvPr/>
-        </p:nvSpPr>
-        <p:spPr>
-          <a:xfrm>
-            <a:off x="8134351" y="946547"/>
-            <a:ext cx="4094328" cy="2063354"/>
-          </a:xfrm>
-          <a:prstGeom prst="rect">
-            <a:avLst/>
-          </a:prstGeom>
-        </p:spPr>
-        <p:style>
-          <a:lnRef idx="2">
-            <a:schemeClr val="accent6">
-              <a:shade val="50000"/>
-            </a:schemeClr>
-          </a:lnRef>
-          <a:fillRef idx="1">
-            <a:schemeClr val="accent6"/>
-          </a:fillRef>
-          <a:effectRef idx="0">
-            <a:schemeClr val="accent6"/>
-          </a:effectRef>
-          <a:fontRef idx="minor">
-            <a:schemeClr val="lt1"/>
-          </a:fontRef>
-        </p:style>
-        <p:txBody>
-          <a:bodyPr rtlCol="0" anchor="ctr"/>
-          <a:lstStyle/>
-          <a:p>
-            <a:r>
-              <a:rPr lang="en-GB" b="1" dirty="0" smtClean="0"/>
-              <a:t>Akan </a:t>
-            </a:r>
-            <a:r>
-              <a:rPr lang="en-GB" b="1" dirty="0" err="1" smtClean="0"/>
-              <a:t>masuk</a:t>
-            </a:r>
-            <a:r>
-              <a:rPr lang="en-GB" b="1" dirty="0" smtClean="0"/>
-              <a:t> </a:t>
-            </a:r>
-            <a:r>
-              <a:rPr lang="en-GB" b="1" dirty="0" err="1" smtClean="0"/>
-              <a:t>kedalam</a:t>
-            </a:r>
-            <a:r>
-              <a:rPr lang="en-GB" b="1" dirty="0" smtClean="0"/>
-              <a:t> </a:t>
-            </a:r>
-            <a:r>
-              <a:rPr lang="en-GB" b="1" dirty="0" err="1" smtClean="0"/>
-              <a:t>tabel</a:t>
-            </a:r>
-            <a:r>
-              <a:rPr lang="en-GB" b="1" dirty="0" smtClean="0"/>
-              <a:t> yang </a:t>
-            </a:r>
-            <a:r>
-              <a:rPr lang="en-GB" b="1" dirty="0" err="1" smtClean="0"/>
-              <a:t>bawah</a:t>
-            </a:r>
-            <a:r>
-              <a:rPr lang="en-GB" b="1" dirty="0" smtClean="0"/>
-              <a:t> </a:t>
-            </a:r>
-          </a:p>
-          <a:p>
-            <a:r>
-              <a:rPr lang="en-GB" b="1" dirty="0" smtClean="0"/>
-              <a:t>Ada </a:t>
-            </a:r>
-            <a:r>
-              <a:rPr lang="en-GB" b="1" dirty="0" err="1" smtClean="0"/>
-              <a:t>tiga</a:t>
-            </a:r>
-            <a:r>
-              <a:rPr lang="en-GB" b="1" dirty="0" smtClean="0"/>
-              <a:t> </a:t>
-            </a:r>
-            <a:r>
-              <a:rPr lang="en-GB" b="1" dirty="0" err="1" smtClean="0"/>
-              <a:t>tombol</a:t>
-            </a:r>
-            <a:r>
-              <a:rPr lang="en-GB" b="1" dirty="0" smtClean="0"/>
-              <a:t>  di </a:t>
-            </a:r>
-            <a:r>
-              <a:rPr lang="en-GB" b="1" dirty="0" err="1" smtClean="0"/>
-              <a:t>aksi</a:t>
-            </a:r>
-            <a:r>
-              <a:rPr lang="en-GB" b="1" dirty="0" smtClean="0"/>
-              <a:t> </a:t>
-            </a:r>
-            <a:endParaRPr lang="en-GB" b="1" dirty="0"/>
-          </a:p>
-          <a:p>
-            <a:pPr marL="342900" indent="-342900">
-              <a:buAutoNum type="arabicPeriod"/>
-            </a:pPr>
-            <a:r>
-              <a:rPr lang="en-GB" b="1" dirty="0" smtClean="0"/>
-              <a:t>Edit </a:t>
-            </a:r>
-          </a:p>
-          <a:p>
-            <a:pPr marL="342900" indent="-342900">
-              <a:buAutoNum type="arabicPeriod"/>
-            </a:pPr>
-            <a:r>
-              <a:rPr lang="en-GB" b="1" dirty="0" err="1" smtClean="0"/>
-              <a:t>Hapus</a:t>
-            </a:r>
-            <a:r>
-              <a:rPr lang="en-GB" b="1" dirty="0" smtClean="0"/>
-              <a:t> (</a:t>
-            </a:r>
-            <a:r>
-              <a:rPr lang="en-GB" b="1" dirty="0" err="1" smtClean="0"/>
-              <a:t>masih</a:t>
-            </a:r>
-            <a:r>
-              <a:rPr lang="en-GB" b="1" dirty="0" smtClean="0"/>
-              <a:t> </a:t>
-            </a:r>
-            <a:r>
-              <a:rPr lang="en-GB" b="1" dirty="0" err="1" smtClean="0"/>
-              <a:t>dalam</a:t>
-            </a:r>
-            <a:r>
-              <a:rPr lang="en-GB" b="1" dirty="0" smtClean="0"/>
-              <a:t> </a:t>
-            </a:r>
-            <a:r>
-              <a:rPr lang="en-GB" b="1" dirty="0" err="1" smtClean="0"/>
-              <a:t>pembuatan</a:t>
-            </a:r>
-            <a:r>
-              <a:rPr lang="en-GB" b="1" dirty="0" smtClean="0"/>
-              <a:t>)</a:t>
-            </a:r>
-          </a:p>
-          <a:p>
-            <a:pPr marL="342900" indent="-342900">
-              <a:buAutoNum type="arabicPeriod"/>
-            </a:pPr>
-            <a:r>
-              <a:rPr lang="en-GB" b="1" dirty="0" err="1" smtClean="0"/>
-              <a:t>Mengunci</a:t>
-            </a:r>
-            <a:r>
-              <a:rPr lang="en-GB" b="1" dirty="0" smtClean="0"/>
-              <a:t> data </a:t>
-            </a:r>
-            <a:r>
-              <a:rPr lang="en-GB" b="1" dirty="0" err="1" smtClean="0"/>
-              <a:t>dan</a:t>
-            </a:r>
-            <a:r>
-              <a:rPr lang="en-GB" b="1" dirty="0" smtClean="0"/>
-              <a:t> </a:t>
-            </a:r>
-            <a:r>
-              <a:rPr lang="en-GB" b="1" dirty="0" err="1" smtClean="0"/>
-              <a:t>dikirim</a:t>
-            </a:r>
-            <a:r>
-              <a:rPr lang="en-GB" b="1" dirty="0" smtClean="0"/>
-              <a:t> Data </a:t>
-            </a:r>
-            <a:r>
-              <a:rPr lang="en-GB" b="1" dirty="0" err="1" smtClean="0"/>
-              <a:t>Ke</a:t>
-            </a:r>
-            <a:r>
-              <a:rPr lang="en-GB" b="1" dirty="0" smtClean="0"/>
-              <a:t> </a:t>
-            </a:r>
-            <a:r>
-              <a:rPr lang="en-GB" b="1" dirty="0"/>
-              <a:t>RTP (</a:t>
-            </a:r>
-            <a:r>
-              <a:rPr lang="en-GB" b="1" dirty="0" err="1"/>
-              <a:t>masih</a:t>
-            </a:r>
-            <a:r>
-              <a:rPr lang="en-GB" b="1" dirty="0"/>
-              <a:t> </a:t>
-            </a:r>
-            <a:r>
-              <a:rPr lang="en-GB" b="1" dirty="0" err="1"/>
-              <a:t>dalam</a:t>
-            </a:r>
-            <a:r>
-              <a:rPr lang="en-GB" b="1" dirty="0"/>
-              <a:t> </a:t>
-            </a:r>
-            <a:r>
-              <a:rPr lang="en-GB" b="1" dirty="0" err="1"/>
-              <a:t>pembuatan</a:t>
-            </a:r>
-            <a:r>
-              <a:rPr lang="en-GB" b="1" dirty="0"/>
-              <a:t>)</a:t>
-            </a:r>
-            <a:endParaRPr lang="en-GB" b="1" dirty="0" smtClean="0"/>
-          </a:p>
-        </p:txBody>
-      </p:sp>
+          <a:solidFill>
+            <a:schemeClr val="accent2"/>
+          </a:solidFill>
+        </p:spPr>
+      </p:pic>
     </p:spTree>
     <p:extLst>
       <p:ext uri="{BB962C8B-B14F-4D97-AF65-F5344CB8AC3E}">
-        <p14:creationId xmlns:p14="http://schemas.microsoft.com/office/powerpoint/2010/main" val="1600077829"/>
+        <p14:creationId xmlns:p14="http://schemas.microsoft.com/office/powerpoint/2010/main" val="2223565320"/>
       </p:ext>
     </p:extLst>
   </p:cSld>
   <p:clrMapOvr>
     <a:masterClrMapping/>
   </p:clrMapOvr>
-  <p:timing>
-    <p:tnLst>
-      <p:par>
-        <p:cTn id="1" dur="indefinite" restart="never" nodeType="tmRoot"/>
-      </p:par>
-    </p:tnLst>
-  </p:timing>
 </p:sld>
 </file>
 
@@ -6045,24 +7267,98 @@
           </a:bodyPr>
           <a:lstStyle/>
           <a:p>
-            <a:endParaRPr lang="en-GB" dirty="0" smtClean="0"/>
-          </a:p>
-        </p:txBody>
-      </p:sp>
-      <p:sp>
-        <p:nvSpPr>
-          <p:cNvPr id="5" name="Rectangle 4"/>
-          <p:cNvSpPr/>
+            <a:endParaRPr lang="en-GB" dirty="0"/>
+          </a:p>
+        </p:txBody>
+      </p:sp>
+      <p:sp>
+        <p:nvSpPr>
+          <p:cNvPr id="6" name="TextBox 5"/>
+          <p:cNvSpPr txBox="1"/>
           <p:nvPr/>
         </p:nvSpPr>
         <p:spPr>
           <a:xfrm>
-            <a:off x="5928555" y="1876988"/>
-            <a:ext cx="4416447" cy="4196266"/>
+            <a:off x="851979" y="0"/>
+            <a:ext cx="2839239" cy="584775"/>
           </a:xfrm>
           <a:prstGeom prst="rect">
             <a:avLst/>
           </a:prstGeom>
+          <a:noFill/>
+        </p:spPr>
+        <p:txBody>
+          <a:bodyPr wrap="none" rtlCol="0">
+            <a:spAutoFit/>
+          </a:bodyPr>
+          <a:lstStyle/>
+          <a:p>
+            <a:r>
+              <a:rPr lang="en-GB" sz="3200" dirty="0">
+                <a:ln w="0"/>
+                <a:solidFill>
+                  <a:schemeClr val="accent1"/>
+                </a:solidFill>
+                <a:effectLst>
+                  <a:outerShdw blurRad="38100" dist="25400" dir="5400000" algn="ctr" rotWithShape="0">
+                    <a:srgbClr val="6E747A">
+                      <a:alpha val="43000"/>
+                    </a:srgbClr>
+                  </a:outerShdw>
+                </a:effectLst>
+              </a:rPr>
+              <a:t>Hapus </a:t>
+            </a:r>
+            <a:r>
+              <a:rPr lang="en-GB" sz="3200" dirty="0" err="1">
+                <a:ln w="0"/>
+                <a:solidFill>
+                  <a:schemeClr val="accent1"/>
+                </a:solidFill>
+                <a:effectLst>
+                  <a:outerShdw blurRad="38100" dist="25400" dir="5400000" algn="ctr" rotWithShape="0">
+                    <a:srgbClr val="6E747A">
+                      <a:alpha val="43000"/>
+                    </a:srgbClr>
+                  </a:outerShdw>
+                </a:effectLst>
+              </a:rPr>
+              <a:t>Usulan</a:t>
+            </a:r>
+            <a:endParaRPr lang="en-GB" sz="3200" dirty="0">
+              <a:ln w="0"/>
+              <a:solidFill>
+                <a:schemeClr val="accent1"/>
+              </a:solidFill>
+              <a:effectLst>
+                <a:outerShdw blurRad="38100" dist="25400" dir="5400000" algn="ctr" rotWithShape="0">
+                  <a:srgbClr val="6E747A">
+                    <a:alpha val="43000"/>
+                  </a:srgbClr>
+                </a:outerShdw>
+              </a:effectLst>
+            </a:endParaRPr>
+          </a:p>
+        </p:txBody>
+      </p:sp>
+      <p:sp>
+        <p:nvSpPr>
+          <p:cNvPr id="8" name="Rectangle 7"/>
+          <p:cNvSpPr/>
+          <p:nvPr/>
+        </p:nvSpPr>
+        <p:spPr>
+          <a:xfrm>
+            <a:off x="6547118" y="1215205"/>
+            <a:ext cx="2729160" cy="995732"/>
+          </a:xfrm>
+          <a:prstGeom prst="rect">
+            <a:avLst/>
+          </a:prstGeom>
+          <a:noFill/>
+          <a:ln>
+            <a:noFill/>
+          </a:ln>
         </p:spPr>
         <p:style>
           <a:lnRef idx="2">
@@ -6085,417 +7381,31 @@
           <a:lstStyle/>
           <a:p>
             <a:r>
-              <a:rPr lang="en-GB" dirty="0" smtClean="0"/>
-              <a:t>EDIT USULAN BARANG / JASA </a:t>
-            </a:r>
-          </a:p>
-          <a:p>
-            <a:pPr marL="342900" indent="-342900">
-              <a:buAutoNum type="arabicPeriod"/>
-            </a:pPr>
-            <a:r>
-              <a:rPr lang="en-GB" b="1" dirty="0" smtClean="0"/>
-              <a:t>Nama Program </a:t>
-            </a:r>
-          </a:p>
-          <a:p>
-            <a:pPr marL="342900" indent="-342900">
-              <a:buAutoNum type="arabicPeriod"/>
-            </a:pPr>
-            <a:r>
-              <a:rPr lang="en-GB" b="1" dirty="0" smtClean="0"/>
-              <a:t>Nama </a:t>
-            </a:r>
-            <a:r>
-              <a:rPr lang="en-GB" b="1" dirty="0" err="1" smtClean="0"/>
-              <a:t>Kegiatan</a:t>
-            </a:r>
-            <a:r>
-              <a:rPr lang="en-GB" b="1" dirty="0" smtClean="0"/>
-              <a:t> </a:t>
-            </a:r>
-          </a:p>
-          <a:p>
-            <a:pPr marL="342900" indent="-342900">
-              <a:buAutoNum type="arabicPeriod"/>
-            </a:pPr>
-            <a:r>
-              <a:rPr lang="en-GB" b="1" dirty="0" smtClean="0"/>
-              <a:t>Nama </a:t>
-            </a:r>
-            <a:r>
-              <a:rPr lang="en-GB" b="1" dirty="0" err="1" smtClean="0"/>
-              <a:t>subkegiatan</a:t>
-            </a:r>
-            <a:r>
-              <a:rPr lang="en-GB" b="1" dirty="0" smtClean="0"/>
-              <a:t> </a:t>
-            </a:r>
-          </a:p>
-          <a:p>
-            <a:pPr marL="342900" indent="-342900">
-              <a:buAutoNum type="arabicPeriod"/>
-            </a:pPr>
-            <a:r>
-              <a:rPr lang="en-GB" b="1" dirty="0" smtClean="0"/>
-              <a:t>Nama </a:t>
-            </a:r>
-            <a:r>
-              <a:rPr lang="en-GB" b="1" dirty="0" err="1" smtClean="0"/>
-              <a:t>Uraian</a:t>
-            </a:r>
-            <a:r>
-              <a:rPr lang="en-GB" b="1" dirty="0"/>
-              <a:t> </a:t>
-            </a:r>
-            <a:r>
-              <a:rPr lang="en-GB" b="1" dirty="0" err="1" smtClean="0"/>
-              <a:t>Belanja</a:t>
-            </a:r>
-            <a:r>
-              <a:rPr lang="en-GB" b="1" dirty="0" smtClean="0"/>
-              <a:t> </a:t>
-            </a:r>
-          </a:p>
-          <a:p>
-            <a:pPr marL="342900" indent="-342900">
-              <a:buAutoNum type="arabicPeriod"/>
-            </a:pPr>
-            <a:r>
-              <a:rPr lang="en-GB" b="1" dirty="0" err="1" smtClean="0"/>
-              <a:t>Sumber</a:t>
-            </a:r>
-            <a:r>
-              <a:rPr lang="en-GB" b="1" dirty="0" smtClean="0"/>
-              <a:t> Dana</a:t>
-            </a:r>
-          </a:p>
-          <a:p>
-            <a:pPr marL="342900" indent="-342900">
-              <a:buAutoNum type="arabicPeriod"/>
-            </a:pPr>
-            <a:r>
-              <a:rPr lang="en-GB" b="1" dirty="0" smtClean="0"/>
-              <a:t>Nama </a:t>
-            </a:r>
-            <a:r>
-              <a:rPr lang="en-GB" b="1" dirty="0" err="1" smtClean="0"/>
-              <a:t>Barang</a:t>
-            </a:r>
-            <a:r>
-              <a:rPr lang="en-GB" b="1" dirty="0" smtClean="0"/>
-              <a:t> / </a:t>
-            </a:r>
-            <a:r>
-              <a:rPr lang="en-GB" b="1" dirty="0" err="1" smtClean="0"/>
-              <a:t>jasa</a:t>
-            </a:r>
-            <a:endParaRPr lang="en-GB" b="1" dirty="0" smtClean="0"/>
-          </a:p>
-          <a:p>
-            <a:pPr marL="342900" indent="-342900">
-              <a:buAutoNum type="arabicPeriod"/>
-            </a:pPr>
-            <a:r>
-              <a:rPr lang="en-GB" b="1" dirty="0" err="1" smtClean="0"/>
-              <a:t>Kuantitas</a:t>
-            </a:r>
-            <a:endParaRPr lang="en-GB" b="1" dirty="0" smtClean="0"/>
-          </a:p>
-          <a:p>
-            <a:pPr marL="342900" indent="-342900">
-              <a:buAutoNum type="arabicPeriod"/>
-            </a:pPr>
-            <a:r>
-              <a:rPr lang="en-GB" b="1" dirty="0" err="1" smtClean="0"/>
-              <a:t>Satuan</a:t>
-            </a:r>
-            <a:r>
-              <a:rPr lang="en-GB" b="1" dirty="0" smtClean="0"/>
-              <a:t> </a:t>
-            </a:r>
-          </a:p>
-          <a:p>
-            <a:pPr marL="342900" indent="-342900">
-              <a:buAutoNum type="arabicPeriod"/>
-            </a:pPr>
-            <a:r>
-              <a:rPr lang="en-GB" b="1" dirty="0" err="1" smtClean="0"/>
-              <a:t>Skala</a:t>
-            </a:r>
-            <a:r>
-              <a:rPr lang="en-GB" b="1" dirty="0" smtClean="0"/>
-              <a:t> </a:t>
-            </a:r>
-            <a:r>
-              <a:rPr lang="en-GB" b="1" dirty="0" err="1" smtClean="0"/>
-              <a:t>prioritas</a:t>
-            </a:r>
-            <a:r>
-              <a:rPr lang="en-GB" b="1" dirty="0" smtClean="0"/>
-              <a:t> </a:t>
-            </a:r>
-          </a:p>
-          <a:p>
-            <a:pPr marL="342900" indent="-342900">
-              <a:buAutoNum type="arabicPeriod"/>
-            </a:pPr>
-            <a:r>
-              <a:rPr lang="en-GB" b="1" dirty="0" err="1" smtClean="0"/>
-              <a:t>Harga</a:t>
-            </a:r>
-            <a:r>
-              <a:rPr lang="en-GB" b="1" dirty="0" smtClean="0"/>
-              <a:t> </a:t>
-            </a:r>
-            <a:r>
-              <a:rPr lang="en-GB" b="1" dirty="0" err="1" smtClean="0"/>
-              <a:t>satuan</a:t>
-            </a:r>
-            <a:r>
-              <a:rPr lang="en-GB" b="1" dirty="0" smtClean="0"/>
-              <a:t> </a:t>
-            </a:r>
-          </a:p>
-          <a:p>
-            <a:pPr marL="342900" indent="-342900">
-              <a:buAutoNum type="arabicPeriod"/>
-            </a:pPr>
-            <a:r>
-              <a:rPr lang="en-GB" b="1" dirty="0" err="1" smtClean="0"/>
-              <a:t>Spesifikasi</a:t>
-            </a:r>
-            <a:r>
-              <a:rPr lang="en-GB" b="1" dirty="0" smtClean="0"/>
-              <a:t> </a:t>
-            </a:r>
-          </a:p>
-          <a:p>
-            <a:pPr marL="342900" indent="-342900">
-              <a:buAutoNum type="arabicPeriod"/>
-            </a:pPr>
-            <a:r>
-              <a:rPr lang="en-GB" b="1" dirty="0" err="1" smtClean="0"/>
-              <a:t>Catatan</a:t>
-            </a:r>
-            <a:r>
-              <a:rPr lang="en-GB" b="1" dirty="0" smtClean="0"/>
-              <a:t> </a:t>
-            </a:r>
-            <a:endParaRPr lang="en-GB" b="1" dirty="0"/>
-          </a:p>
-          <a:p>
-            <a:r>
-              <a:rPr lang="en-GB" dirty="0" err="1" smtClean="0"/>
-              <a:t>Jika</a:t>
-            </a:r>
-            <a:r>
-              <a:rPr lang="en-GB" b="1" dirty="0" smtClean="0"/>
-              <a:t> </a:t>
-            </a:r>
-            <a:r>
-              <a:rPr lang="en-GB" dirty="0" err="1" smtClean="0"/>
-              <a:t>sudah</a:t>
-            </a:r>
-            <a:r>
-              <a:rPr lang="en-GB" b="1" dirty="0" smtClean="0"/>
-              <a:t> KLIK UBAH BARANG</a:t>
-            </a:r>
-          </a:p>
-          <a:p>
-            <a:endParaRPr lang="en-GB" b="1" dirty="0" smtClean="0"/>
-          </a:p>
-        </p:txBody>
-      </p:sp>
-      <p:sp>
-        <p:nvSpPr>
-          <p:cNvPr id="6" name="TextBox 5"/>
-          <p:cNvSpPr txBox="1"/>
-          <p:nvPr/>
-        </p:nvSpPr>
-        <p:spPr>
-          <a:xfrm>
-            <a:off x="327546" y="204716"/>
-            <a:ext cx="9574159" cy="1077218"/>
-          </a:xfrm>
-          <a:prstGeom prst="rect">
-            <a:avLst/>
-          </a:prstGeom>
-          <a:noFill/>
-        </p:spPr>
-        <p:txBody>
-          <a:bodyPr wrap="none" rtlCol="0">
-            <a:spAutoFit/>
-          </a:bodyPr>
-          <a:lstStyle/>
-          <a:p>
-            <a:r>
-              <a:rPr lang="en-GB" sz="3200" b="1" dirty="0" smtClean="0">
-                <a:ln w="12700" cmpd="sng">
-                  <a:solidFill>
-                    <a:schemeClr val="accent4"/>
-                  </a:solidFill>
-                  <a:prstDash val="solid"/>
-                </a:ln>
-                <a:gradFill>
-                  <a:gsLst>
-                    <a:gs pos="0">
-                      <a:schemeClr val="accent4"/>
-                    </a:gs>
-                    <a:gs pos="4000">
-                      <a:schemeClr val="accent4">
-                        <a:lumMod val="60000"/>
-                        <a:lumOff val="40000"/>
-                      </a:schemeClr>
-                    </a:gs>
-                    <a:gs pos="87000">
-                      <a:schemeClr val="accent4">
-                        <a:lumMod val="20000"/>
-                        <a:lumOff val="80000"/>
-                      </a:schemeClr>
-                    </a:gs>
-                  </a:gsLst>
-                  <a:lin ang="5400000"/>
-                </a:gradFill>
-              </a:rPr>
-              <a:t>HALAMAN TAMBAH USULAN BELANJA BARANG &amp; JASA</a:t>
-            </a:r>
-          </a:p>
-          <a:p>
-            <a:r>
-              <a:rPr lang="en-GB" sz="3200" b="1" dirty="0" smtClean="0">
-                <a:ln w="12700" cmpd="sng">
-                  <a:solidFill>
-                    <a:schemeClr val="accent4"/>
-                  </a:solidFill>
-                  <a:prstDash val="solid"/>
-                </a:ln>
-                <a:gradFill>
-                  <a:gsLst>
-                    <a:gs pos="0">
-                      <a:schemeClr val="accent4"/>
-                    </a:gs>
-                    <a:gs pos="4000">
-                      <a:schemeClr val="accent4">
-                        <a:lumMod val="60000"/>
-                        <a:lumOff val="40000"/>
-                      </a:schemeClr>
-                    </a:gs>
-                    <a:gs pos="87000">
-                      <a:schemeClr val="accent4">
-                        <a:lumMod val="20000"/>
-                        <a:lumOff val="80000"/>
-                      </a:schemeClr>
-                    </a:gs>
-                  </a:gsLst>
-                  <a:lin ang="5400000"/>
-                </a:gradFill>
-              </a:rPr>
-              <a:t>(edit </a:t>
-            </a:r>
-            <a:r>
-              <a:rPr lang="en-GB" sz="3200" b="1" dirty="0" err="1" smtClean="0">
-                <a:ln w="12700" cmpd="sng">
-                  <a:solidFill>
-                    <a:schemeClr val="accent4"/>
-                  </a:solidFill>
-                  <a:prstDash val="solid"/>
-                </a:ln>
-                <a:gradFill>
-                  <a:gsLst>
-                    <a:gs pos="0">
-                      <a:schemeClr val="accent4"/>
-                    </a:gs>
-                    <a:gs pos="4000">
-                      <a:schemeClr val="accent4">
-                        <a:lumMod val="60000"/>
-                        <a:lumOff val="40000"/>
-                      </a:schemeClr>
-                    </a:gs>
-                    <a:gs pos="87000">
-                      <a:schemeClr val="accent4">
-                        <a:lumMod val="20000"/>
-                        <a:lumOff val="80000"/>
-                      </a:schemeClr>
-                    </a:gs>
-                  </a:gsLst>
-                  <a:lin ang="5400000"/>
-                </a:gradFill>
-              </a:rPr>
-              <a:t>usulan</a:t>
-            </a:r>
-            <a:r>
-              <a:rPr lang="en-GB" sz="3200" b="1" dirty="0" smtClean="0">
-                <a:ln w="12700" cmpd="sng">
-                  <a:solidFill>
-                    <a:schemeClr val="accent4"/>
-                  </a:solidFill>
-                  <a:prstDash val="solid"/>
-                </a:ln>
-                <a:gradFill>
-                  <a:gsLst>
-                    <a:gs pos="0">
-                      <a:schemeClr val="accent4"/>
-                    </a:gs>
-                    <a:gs pos="4000">
-                      <a:schemeClr val="accent4">
-                        <a:lumMod val="60000"/>
-                        <a:lumOff val="40000"/>
-                      </a:schemeClr>
-                    </a:gs>
-                    <a:gs pos="87000">
-                      <a:schemeClr val="accent4">
-                        <a:lumMod val="20000"/>
-                        <a:lumOff val="80000"/>
-                      </a:schemeClr>
-                    </a:gs>
-                  </a:gsLst>
-                  <a:lin ang="5400000"/>
-                </a:gradFill>
-              </a:rPr>
-              <a:t>)</a:t>
-            </a:r>
-            <a:endParaRPr lang="en-GB" sz="3200" b="1" dirty="0">
-              <a:ln w="12700" cmpd="sng">
-                <a:solidFill>
-                  <a:schemeClr val="accent4"/>
-                </a:solidFill>
-                <a:prstDash val="solid"/>
-              </a:ln>
-              <a:gradFill>
-                <a:gsLst>
-                  <a:gs pos="0">
-                    <a:schemeClr val="accent4"/>
-                  </a:gs>
-                  <a:gs pos="4000">
-                    <a:schemeClr val="accent4">
-                      <a:lumMod val="60000"/>
-                      <a:lumOff val="40000"/>
-                    </a:schemeClr>
-                  </a:gs>
-                  <a:gs pos="87000">
-                    <a:schemeClr val="accent4">
-                      <a:lumMod val="20000"/>
-                      <a:lumOff val="80000"/>
-                    </a:schemeClr>
-                  </a:gs>
-                </a:gsLst>
-                <a:lin ang="5400000"/>
-              </a:gradFill>
+              <a:rPr lang="en-GB" dirty="0">
+                <a:solidFill>
+                  <a:schemeClr val="tx1"/>
+                </a:solidFill>
+              </a:rPr>
+              <a:t>TOMBOL HAPUS</a:t>
+            </a:r>
+            <a:endParaRPr lang="en-GB" b="1" dirty="0">
+              <a:solidFill>
+                <a:schemeClr val="tx1"/>
+              </a:solidFill>
             </a:endParaRPr>
           </a:p>
         </p:txBody>
       </p:sp>
       <p:pic>
         <p:nvPicPr>
-          <p:cNvPr id="7" name="Picture 6"/>
+          <p:cNvPr id="9" name="Picture 8"/>
           <p:cNvPicPr>
             <a:picLocks noChangeAspect="1"/>
           </p:cNvPicPr>
           <p:nvPr/>
         </p:nvPicPr>
         <p:blipFill>
-          <a:blip r:embed="rId2" cstate="print">
+          <a:blip r:embed="rId2">
             <a:extLst>
               <a:ext uri="{28A0092B-C50C-407E-A947-70E740481C1C}">
                 <a14:useLocalDpi xmlns:a14="http://schemas.microsoft.com/office/drawing/2010/main" val="0"/>
@@ -6508,67 +7418,17 @@
         </p:blipFill>
         <p:spPr>
           <a:xfrm>
-            <a:off x="482356" y="1217903"/>
-            <a:ext cx="4785680" cy="5455675"/>
+            <a:off x="8785492" y="1470206"/>
+            <a:ext cx="537172" cy="497866"/>
           </a:xfrm>
           <a:prstGeom prst="rect">
             <a:avLst/>
           </a:prstGeom>
         </p:spPr>
       </p:pic>
-      <p:sp>
-        <p:nvSpPr>
-          <p:cNvPr id="8" name="Rectangle 7"/>
-          <p:cNvSpPr/>
-          <p:nvPr/>
-        </p:nvSpPr>
-        <p:spPr>
-          <a:xfrm>
-            <a:off x="5928556" y="1215205"/>
-            <a:ext cx="2729160" cy="477117"/>
-          </a:xfrm>
-          <a:prstGeom prst="rect">
-            <a:avLst/>
-          </a:prstGeom>
-          <a:noFill/>
-          <a:ln>
-            <a:noFill/>
-          </a:ln>
-        </p:spPr>
-        <p:style>
-          <a:lnRef idx="2">
-            <a:schemeClr val="accent6">
-              <a:shade val="50000"/>
-            </a:schemeClr>
-          </a:lnRef>
-          <a:fillRef idx="1">
-            <a:schemeClr val="accent6"/>
-          </a:fillRef>
-          <a:effectRef idx="0">
-            <a:schemeClr val="accent6"/>
-          </a:effectRef>
-          <a:fontRef idx="minor">
-            <a:schemeClr val="lt1"/>
-          </a:fontRef>
-        </p:style>
-        <p:txBody>
-          <a:bodyPr rtlCol="0" anchor="ctr"/>
-          <a:lstStyle/>
-          <a:p>
-            <a:r>
-              <a:rPr lang="en-GB" dirty="0" smtClean="0">
-                <a:solidFill>
-                  <a:schemeClr val="tx1"/>
-                </a:solidFill>
-              </a:rPr>
-              <a:t>TOMBOL EDIT </a:t>
-            </a:r>
-          </a:p>
-        </p:txBody>
-      </p:sp>
       <p:pic>
         <p:nvPicPr>
-          <p:cNvPr id="3" name="Picture 2"/>
+          <p:cNvPr id="10" name="Picture 9"/>
           <p:cNvPicPr>
             <a:picLocks noChangeAspect="1"/>
           </p:cNvPicPr>
@@ -6588,8 +7448,172 @@
         </p:blipFill>
         <p:spPr>
           <a:xfrm>
-            <a:off x="8120959" y="1215205"/>
-            <a:ext cx="536757" cy="477117"/>
+            <a:off x="6566456" y="3021686"/>
+            <a:ext cx="4820323" cy="1848108"/>
+          </a:xfrm>
+          <a:prstGeom prst="rect">
+            <a:avLst/>
+          </a:prstGeom>
+        </p:spPr>
+      </p:pic>
+      <p:sp>
+        <p:nvSpPr>
+          <p:cNvPr id="11" name="Rectangle 10"/>
+          <p:cNvSpPr/>
+          <p:nvPr/>
+        </p:nvSpPr>
+        <p:spPr>
+          <a:xfrm>
+            <a:off x="6566456" y="2085233"/>
+            <a:ext cx="4716698" cy="995732"/>
+          </a:xfrm>
+          <a:prstGeom prst="rect">
+            <a:avLst/>
+          </a:prstGeom>
+          <a:noFill/>
+          <a:ln>
+            <a:noFill/>
+          </a:ln>
+        </p:spPr>
+        <p:style>
+          <a:lnRef idx="2">
+            <a:schemeClr val="accent6">
+              <a:shade val="50000"/>
+            </a:schemeClr>
+          </a:lnRef>
+          <a:fillRef idx="1">
+            <a:schemeClr val="accent6"/>
+          </a:fillRef>
+          <a:effectRef idx="0">
+            <a:schemeClr val="accent6"/>
+          </a:effectRef>
+          <a:fontRef idx="minor">
+            <a:schemeClr val="lt1"/>
+          </a:fontRef>
+        </p:style>
+        <p:txBody>
+          <a:bodyPr rtlCol="0" anchor="ctr"/>
+          <a:lstStyle/>
+          <a:p>
+            <a:r>
+              <a:rPr lang="en-GB" dirty="0" err="1">
+                <a:solidFill>
+                  <a:schemeClr val="tx1"/>
+                </a:solidFill>
+              </a:rPr>
+              <a:t>Jika</a:t>
+            </a:r>
+            <a:r>
+              <a:rPr lang="en-GB" dirty="0">
+                <a:solidFill>
+                  <a:schemeClr val="tx1"/>
+                </a:solidFill>
+              </a:rPr>
+              <a:t> </a:t>
+            </a:r>
+            <a:r>
+              <a:rPr lang="en-GB" dirty="0" err="1">
+                <a:solidFill>
+                  <a:schemeClr val="tx1"/>
+                </a:solidFill>
+              </a:rPr>
+              <a:t>Diklik</a:t>
+            </a:r>
+            <a:r>
+              <a:rPr lang="en-GB" dirty="0">
+                <a:solidFill>
+                  <a:schemeClr val="tx1"/>
+                </a:solidFill>
+              </a:rPr>
+              <a:t> </a:t>
+            </a:r>
+            <a:r>
+              <a:rPr lang="en-GB" dirty="0" err="1">
+                <a:solidFill>
+                  <a:schemeClr val="tx1"/>
+                </a:solidFill>
+              </a:rPr>
+              <a:t>akan</a:t>
+            </a:r>
+            <a:r>
+              <a:rPr lang="en-GB" dirty="0">
+                <a:solidFill>
+                  <a:schemeClr val="tx1"/>
+                </a:solidFill>
+              </a:rPr>
+              <a:t> </a:t>
+            </a:r>
+            <a:r>
+              <a:rPr lang="en-GB" dirty="0" err="1">
+                <a:solidFill>
+                  <a:schemeClr val="tx1"/>
+                </a:solidFill>
+              </a:rPr>
+              <a:t>muncul</a:t>
+            </a:r>
+            <a:r>
+              <a:rPr lang="en-GB" dirty="0">
+                <a:solidFill>
+                  <a:schemeClr val="tx1"/>
+                </a:solidFill>
+              </a:rPr>
+              <a:t> </a:t>
+            </a:r>
+            <a:r>
+              <a:rPr lang="en-GB" dirty="0" err="1">
+                <a:solidFill>
+                  <a:schemeClr val="tx1"/>
+                </a:solidFill>
+              </a:rPr>
+              <a:t>konfirmasi</a:t>
+            </a:r>
+            <a:r>
+              <a:rPr lang="en-GB" dirty="0">
+                <a:solidFill>
+                  <a:schemeClr val="tx1"/>
+                </a:solidFill>
+              </a:rPr>
+              <a:t> data </a:t>
+            </a:r>
+            <a:r>
+              <a:rPr lang="en-GB" dirty="0" err="1">
+                <a:solidFill>
+                  <a:schemeClr val="tx1"/>
+                </a:solidFill>
+              </a:rPr>
+              <a:t>hapus</a:t>
+            </a:r>
+            <a:endParaRPr lang="en-GB" b="1" dirty="0">
+              <a:solidFill>
+                <a:schemeClr val="tx1"/>
+              </a:solidFill>
+            </a:endParaRPr>
+          </a:p>
+        </p:txBody>
+      </p:sp>
+      <p:pic>
+        <p:nvPicPr>
+          <p:cNvPr id="3" name="Picture 2">
+            <a:extLst>
+              <a:ext uri="{FF2B5EF4-FFF2-40B4-BE49-F238E27FC236}">
+                <a16:creationId xmlns:a16="http://schemas.microsoft.com/office/drawing/2014/main" id="{82EC44A9-4F5D-6151-398F-5C6309010FE4}"/>
+              </a:ext>
+            </a:extLst>
+          </p:cNvPr>
+          <p:cNvPicPr>
+            <a:picLocks noChangeAspect="1"/>
+          </p:cNvPicPr>
+          <p:nvPr/>
+        </p:nvPicPr>
+        <p:blipFill rotWithShape="1">
+          <a:blip r:embed="rId4"/>
+          <a:srcRect l="15806" t="11915" r="15715" b="9687"/>
+          <a:stretch/>
+        </p:blipFill>
+        <p:spPr>
+          <a:xfrm>
+            <a:off x="685652" y="1591638"/>
+            <a:ext cx="5709066" cy="3674723"/>
           </a:xfrm>
           <a:prstGeom prst="rect">
             <a:avLst/>
@@ -6599,20 +7623,13 @@
     </p:spTree>
     <p:extLst>
       <p:ext uri="{BB962C8B-B14F-4D97-AF65-F5344CB8AC3E}">
-        <p14:creationId xmlns:p14="http://schemas.microsoft.com/office/powerpoint/2010/main" val="2223565320"/>
+        <p14:creationId xmlns:p14="http://schemas.microsoft.com/office/powerpoint/2010/main" val="2140939017"/>
       </p:ext>
     </p:extLst>
   </p:cSld>
   <p:clrMapOvr>
     <a:masterClrMapping/>
   </p:clrMapOvr>
-  <p:timing>
-    <p:tnLst>
-      <p:par>
-        <p:cTn id="1" dur="indefinite" restart="never" nodeType="tmRoot"/>
-      </p:par>
-    </p:tnLst>
-  </p:timing>
 </p:sld>
 </file>
 
@@ -6655,7 +7672,7 @@
           </a:bodyPr>
           <a:lstStyle/>
           <a:p>
-            <a:endParaRPr lang="en-GB" dirty="0" smtClean="0"/>
+            <a:endParaRPr lang="en-GB" dirty="0"/>
           </a:p>
         </p:txBody>
       </p:sp>
@@ -6667,8 +7684,8 @@
         </p:nvSpPr>
         <p:spPr>
           <a:xfrm>
-            <a:off x="327546" y="204716"/>
-            <a:ext cx="9574159" cy="1077218"/>
+            <a:off x="304870" y="0"/>
+            <a:ext cx="9514143" cy="584775"/>
           </a:xfrm>
           <a:prstGeom prst="rect">
             <a:avLst/>
@@ -6682,527 +7699,199 @@
           <a:lstStyle/>
           <a:p>
             <a:r>
-              <a:rPr lang="en-GB" sz="3200" b="1" dirty="0" smtClean="0">
-                <a:ln w="12700" cmpd="sng">
-                  <a:solidFill>
-                    <a:schemeClr val="accent4"/>
-                  </a:solidFill>
-                  <a:prstDash val="solid"/>
-                </a:ln>
-                <a:gradFill>
-                  <a:gsLst>
-                    <a:gs pos="0">
-                      <a:schemeClr val="accent4"/>
-                    </a:gs>
-                    <a:gs pos="4000">
-                      <a:schemeClr val="accent4">
-                        <a:lumMod val="60000"/>
-                        <a:lumOff val="40000"/>
-                      </a:schemeClr>
-                    </a:gs>
-                    <a:gs pos="87000">
-                      <a:schemeClr val="accent4">
-                        <a:lumMod val="20000"/>
-                        <a:lumOff val="80000"/>
-                      </a:schemeClr>
-                    </a:gs>
-                  </a:gsLst>
-                  <a:lin ang="5400000"/>
-                </a:gradFill>
-              </a:rPr>
-              <a:t>HALAMAN TAMBAH USULAN BELANJA BARANG &amp; JASA</a:t>
-            </a:r>
-          </a:p>
-          <a:p>
-            <a:r>
-              <a:rPr lang="en-GB" sz="3200" b="1" dirty="0" smtClean="0">
-                <a:ln w="12700" cmpd="sng">
-                  <a:solidFill>
-                    <a:schemeClr val="accent4"/>
-                  </a:solidFill>
-                  <a:prstDash val="solid"/>
-                </a:ln>
-                <a:gradFill>
-                  <a:gsLst>
-                    <a:gs pos="0">
-                      <a:schemeClr val="accent4"/>
-                    </a:gs>
-                    <a:gs pos="4000">
-                      <a:schemeClr val="accent4">
-                        <a:lumMod val="60000"/>
-                        <a:lumOff val="40000"/>
-                      </a:schemeClr>
-                    </a:gs>
-                    <a:gs pos="87000">
-                      <a:schemeClr val="accent4">
-                        <a:lumMod val="20000"/>
-                        <a:lumOff val="80000"/>
-                      </a:schemeClr>
-                    </a:gs>
-                  </a:gsLst>
-                  <a:lin ang="5400000"/>
-                </a:gradFill>
-              </a:rPr>
-              <a:t>(</a:t>
-            </a:r>
-            <a:r>
-              <a:rPr lang="en-GB" sz="3200" b="1" dirty="0" err="1" smtClean="0">
-                <a:ln w="12700" cmpd="sng">
-                  <a:solidFill>
-                    <a:schemeClr val="accent4"/>
-                  </a:solidFill>
-                  <a:prstDash val="solid"/>
-                </a:ln>
-                <a:gradFill>
-                  <a:gsLst>
-                    <a:gs pos="0">
-                      <a:schemeClr val="accent4"/>
-                    </a:gs>
-                    <a:gs pos="4000">
-                      <a:schemeClr val="accent4">
-                        <a:lumMod val="60000"/>
-                        <a:lumOff val="40000"/>
-                      </a:schemeClr>
-                    </a:gs>
-                    <a:gs pos="87000">
-                      <a:schemeClr val="accent4">
-                        <a:lumMod val="20000"/>
-                        <a:lumOff val="80000"/>
-                      </a:schemeClr>
-                    </a:gs>
-                  </a:gsLst>
-                  <a:lin ang="5400000"/>
-                </a:gradFill>
-              </a:rPr>
-              <a:t>hapus</a:t>
-            </a:r>
-            <a:r>
-              <a:rPr lang="en-GB" sz="3200" b="1" dirty="0" smtClean="0">
-                <a:ln w="12700" cmpd="sng">
-                  <a:solidFill>
-                    <a:schemeClr val="accent4"/>
-                  </a:solidFill>
-                  <a:prstDash val="solid"/>
-                </a:ln>
-                <a:gradFill>
-                  <a:gsLst>
-                    <a:gs pos="0">
-                      <a:schemeClr val="accent4"/>
-                    </a:gs>
-                    <a:gs pos="4000">
-                      <a:schemeClr val="accent4">
-                        <a:lumMod val="60000"/>
-                        <a:lumOff val="40000"/>
-                      </a:schemeClr>
-                    </a:gs>
-                    <a:gs pos="87000">
-                      <a:schemeClr val="accent4">
-                        <a:lumMod val="20000"/>
-                        <a:lumOff val="80000"/>
-                      </a:schemeClr>
-                    </a:gs>
-                  </a:gsLst>
-                  <a:lin ang="5400000"/>
-                </a:gradFill>
-              </a:rPr>
-              <a:t> </a:t>
-            </a:r>
-            <a:r>
-              <a:rPr lang="en-GB" sz="3200" b="1" dirty="0" err="1" smtClean="0">
-                <a:ln w="12700" cmpd="sng">
-                  <a:solidFill>
-                    <a:schemeClr val="accent4"/>
-                  </a:solidFill>
-                  <a:prstDash val="solid"/>
-                </a:ln>
-                <a:gradFill>
-                  <a:gsLst>
-                    <a:gs pos="0">
-                      <a:schemeClr val="accent4"/>
-                    </a:gs>
-                    <a:gs pos="4000">
-                      <a:schemeClr val="accent4">
-                        <a:lumMod val="60000"/>
-                        <a:lumOff val="40000"/>
-                      </a:schemeClr>
-                    </a:gs>
-                    <a:gs pos="87000">
-                      <a:schemeClr val="accent4">
-                        <a:lumMod val="20000"/>
-                        <a:lumOff val="80000"/>
-                      </a:schemeClr>
-                    </a:gs>
-                  </a:gsLst>
-                  <a:lin ang="5400000"/>
-                </a:gradFill>
-              </a:rPr>
-              <a:t>usulan</a:t>
-            </a:r>
-            <a:r>
-              <a:rPr lang="en-GB" sz="3200" b="1" dirty="0" smtClean="0">
-                <a:ln w="12700" cmpd="sng">
-                  <a:solidFill>
-                    <a:schemeClr val="accent4"/>
-                  </a:solidFill>
-                  <a:prstDash val="solid"/>
-                </a:ln>
-                <a:gradFill>
-                  <a:gsLst>
-                    <a:gs pos="0">
-                      <a:schemeClr val="accent4"/>
-                    </a:gs>
-                    <a:gs pos="4000">
-                      <a:schemeClr val="accent4">
-                        <a:lumMod val="60000"/>
-                        <a:lumOff val="40000"/>
-                      </a:schemeClr>
-                    </a:gs>
-                    <a:gs pos="87000">
-                      <a:schemeClr val="accent4">
-                        <a:lumMod val="20000"/>
-                        <a:lumOff val="80000"/>
-                      </a:schemeClr>
-                    </a:gs>
-                  </a:gsLst>
-                  <a:lin ang="5400000"/>
-                </a:gradFill>
+              <a:rPr lang="en-GB" sz="3200" dirty="0">
+                <a:ln w="0"/>
+                <a:solidFill>
+                  <a:schemeClr val="accent1"/>
+                </a:solidFill>
+                <a:effectLst>
+                  <a:outerShdw blurRad="38100" dist="25400" dir="5400000" algn="ctr" rotWithShape="0">
+                    <a:srgbClr val="6E747A">
+                      <a:alpha val="43000"/>
+                    </a:srgbClr>
+                  </a:outerShdw>
+                </a:effectLst>
+              </a:rPr>
+              <a:t>STATUS USULAN (</a:t>
+            </a:r>
+            <a:r>
+              <a:rPr lang="en-GB" sz="3200" dirty="0" err="1">
+                <a:ln w="0"/>
+                <a:solidFill>
+                  <a:schemeClr val="accent1"/>
+                </a:solidFill>
+                <a:effectLst>
+                  <a:outerShdw blurRad="38100" dist="25400" dir="5400000" algn="ctr" rotWithShape="0">
+                    <a:srgbClr val="6E747A">
+                      <a:alpha val="43000"/>
+                    </a:srgbClr>
+                  </a:outerShdw>
+                </a:effectLst>
+              </a:rPr>
+              <a:t>khusus</a:t>
+            </a:r>
+            <a:r>
+              <a:rPr lang="en-GB" sz="3200" dirty="0">
+                <a:ln w="0"/>
+                <a:solidFill>
+                  <a:schemeClr val="accent1"/>
+                </a:solidFill>
+                <a:effectLst>
+                  <a:outerShdw blurRad="38100" dist="25400" dir="5400000" algn="ctr" rotWithShape="0">
+                    <a:srgbClr val="6E747A">
+                      <a:alpha val="43000"/>
+                    </a:srgbClr>
+                  </a:outerShdw>
+                </a:effectLst>
+              </a:rPr>
+              <a:t> </a:t>
+            </a:r>
+            <a:r>
+              <a:rPr lang="en-GB" sz="3200" dirty="0" err="1">
+                <a:ln w="0"/>
+                <a:solidFill>
+                  <a:schemeClr val="accent1"/>
+                </a:solidFill>
+                <a:effectLst>
+                  <a:outerShdw blurRad="38100" dist="25400" dir="5400000" algn="ctr" rotWithShape="0">
+                    <a:srgbClr val="6E747A">
+                      <a:alpha val="43000"/>
+                    </a:srgbClr>
+                  </a:outerShdw>
+                </a:effectLst>
+              </a:rPr>
+              <a:t>akun</a:t>
+            </a:r>
+            <a:r>
+              <a:rPr lang="en-GB" sz="3200" dirty="0">
+                <a:ln w="0"/>
+                <a:solidFill>
+                  <a:schemeClr val="accent1"/>
+                </a:solidFill>
+                <a:effectLst>
+                  <a:outerShdw blurRad="38100" dist="25400" dir="5400000" algn="ctr" rotWithShape="0">
+                    <a:srgbClr val="6E747A">
+                      <a:alpha val="43000"/>
+                    </a:srgbClr>
+                  </a:outerShdw>
+                </a:effectLst>
+              </a:rPr>
+              <a:t> </a:t>
+            </a:r>
+            <a:r>
+              <a:rPr lang="en-GB" sz="3200" dirty="0" err="1">
+                <a:ln w="0"/>
+                <a:solidFill>
+                  <a:schemeClr val="accent1"/>
+                </a:solidFill>
+                <a:effectLst>
+                  <a:outerShdw blurRad="38100" dist="25400" dir="5400000" algn="ctr" rotWithShape="0">
+                    <a:srgbClr val="6E747A">
+                      <a:alpha val="43000"/>
+                    </a:srgbClr>
+                  </a:outerShdw>
+                </a:effectLst>
+              </a:rPr>
+              <a:t>bidang</a:t>
+            </a:r>
+            <a:r>
+              <a:rPr lang="en-GB" sz="3200" dirty="0">
+                <a:ln w="0"/>
+                <a:solidFill>
+                  <a:schemeClr val="accent1"/>
+                </a:solidFill>
+                <a:effectLst>
+                  <a:outerShdw blurRad="38100" dist="25400" dir="5400000" algn="ctr" rotWithShape="0">
+                    <a:srgbClr val="6E747A">
+                      <a:alpha val="43000"/>
+                    </a:srgbClr>
+                  </a:outerShdw>
+                </a:effectLst>
+              </a:rPr>
+              <a:t> &amp; </a:t>
+            </a:r>
+            <a:r>
+              <a:rPr lang="en-GB" sz="3200" dirty="0" err="1">
+                <a:ln w="0"/>
+                <a:solidFill>
+                  <a:schemeClr val="accent1"/>
+                </a:solidFill>
+                <a:effectLst>
+                  <a:outerShdw blurRad="38100" dist="25400" dir="5400000" algn="ctr" rotWithShape="0">
+                    <a:srgbClr val="6E747A">
+                      <a:alpha val="43000"/>
+                    </a:srgbClr>
+                  </a:outerShdw>
+                </a:effectLst>
+              </a:rPr>
+              <a:t>bagian</a:t>
+            </a:r>
+            <a:r>
+              <a:rPr lang="en-GB" sz="3200" dirty="0">
+                <a:ln w="0"/>
+                <a:solidFill>
+                  <a:schemeClr val="accent1"/>
+                </a:solidFill>
+                <a:effectLst>
+                  <a:outerShdw blurRad="38100" dist="25400" dir="5400000" algn="ctr" rotWithShape="0">
+                    <a:srgbClr val="6E747A">
+                      <a:alpha val="43000"/>
+                    </a:srgbClr>
+                  </a:outerShdw>
+                </a:effectLst>
               </a:rPr>
               <a:t>)</a:t>
             </a:r>
-            <a:endParaRPr lang="en-GB" sz="3200" b="1" dirty="0">
-              <a:ln w="12700" cmpd="sng">
-                <a:solidFill>
-                  <a:schemeClr val="accent4"/>
-                </a:solidFill>
-                <a:prstDash val="solid"/>
-              </a:ln>
-              <a:gradFill>
-                <a:gsLst>
-                  <a:gs pos="0">
-                    <a:schemeClr val="accent4"/>
-                  </a:gs>
-                  <a:gs pos="4000">
-                    <a:schemeClr val="accent4">
-                      <a:lumMod val="60000"/>
-                      <a:lumOff val="40000"/>
-                    </a:schemeClr>
-                  </a:gs>
-                  <a:gs pos="87000">
-                    <a:schemeClr val="accent4">
-                      <a:lumMod val="20000"/>
-                      <a:lumOff val="80000"/>
-                    </a:schemeClr>
-                  </a:gs>
-                </a:gsLst>
-                <a:lin ang="5400000"/>
-              </a:gradFill>
-            </a:endParaRPr>
           </a:p>
         </p:txBody>
       </p:sp>
       <p:pic>
         <p:nvPicPr>
-          <p:cNvPr id="7" name="Picture 6"/>
-          <p:cNvPicPr>
-            <a:picLocks noChangeAspect="1"/>
-          </p:cNvPicPr>
-          <p:nvPr/>
-        </p:nvPicPr>
-        <p:blipFill rotWithShape="1">
-          <a:blip r:embed="rId2" cstate="print">
+          <p:cNvPr id="5" name="Picture 4">
             <a:extLst>
-              <a:ext uri="{28A0092B-C50C-407E-A947-70E740481C1C}">
-                <a14:useLocalDpi xmlns:a14="http://schemas.microsoft.com/office/drawing/2010/main" val="0"/>
+              <a:ext uri="{FF2B5EF4-FFF2-40B4-BE49-F238E27FC236}">
+                <a16:creationId xmlns:a16="http://schemas.microsoft.com/office/drawing/2014/main" id="{56D7C5B7-5368-55BF-F77E-5CC4468027E9}"/>
               </a:ext>
             </a:extLst>
-          </a:blip>
-          <a:srcRect l="22205" r="21133"/>
-          <a:stretch/>
-        </p:blipFill>
-        <p:spPr>
-          <a:xfrm>
-            <a:off x="997704" y="1217902"/>
-            <a:ext cx="3783845" cy="5455675"/>
-          </a:xfrm>
-          <a:prstGeom prst="rect">
-            <a:avLst/>
-          </a:prstGeom>
-        </p:spPr>
-      </p:pic>
-      <p:sp>
-        <p:nvSpPr>
-          <p:cNvPr id="8" name="Rectangle 7"/>
-          <p:cNvSpPr/>
-          <p:nvPr/>
-        </p:nvSpPr>
-        <p:spPr>
-          <a:xfrm>
-            <a:off x="5928556" y="1215205"/>
-            <a:ext cx="2729160" cy="995732"/>
-          </a:xfrm>
-          <a:prstGeom prst="rect">
-            <a:avLst/>
-          </a:prstGeom>
-          <a:noFill/>
-          <a:ln>
-            <a:noFill/>
-          </a:ln>
-        </p:spPr>
-        <p:style>
-          <a:lnRef idx="2">
-            <a:schemeClr val="accent6">
-              <a:shade val="50000"/>
-            </a:schemeClr>
-          </a:lnRef>
-          <a:fillRef idx="1">
-            <a:schemeClr val="accent6"/>
-          </a:fillRef>
-          <a:effectRef idx="0">
-            <a:schemeClr val="accent6"/>
-          </a:effectRef>
-          <a:fontRef idx="minor">
-            <a:schemeClr val="lt1"/>
-          </a:fontRef>
-        </p:style>
-        <p:txBody>
-          <a:bodyPr rtlCol="0" anchor="ctr"/>
-          <a:lstStyle/>
-          <a:p>
-            <a:r>
-              <a:rPr lang="en-GB" dirty="0" smtClean="0">
-                <a:solidFill>
-                  <a:schemeClr val="tx1"/>
-                </a:solidFill>
-              </a:rPr>
-              <a:t>TOMBOL HAPUS</a:t>
-            </a:r>
-            <a:endParaRPr lang="en-GB" b="1" dirty="0">
-              <a:solidFill>
-                <a:schemeClr val="tx1"/>
-              </a:solidFill>
-            </a:endParaRPr>
-          </a:p>
-        </p:txBody>
-      </p:sp>
-      <p:pic>
-        <p:nvPicPr>
-          <p:cNvPr id="9" name="Picture 8"/>
+          </p:cNvPr>
           <p:cNvPicPr>
             <a:picLocks noChangeAspect="1"/>
           </p:cNvPicPr>
           <p:nvPr/>
         </p:nvPicPr>
         <p:blipFill>
-          <a:blip r:embed="rId3">
-            <a:extLst>
-              <a:ext uri="{28A0092B-C50C-407E-A947-70E740481C1C}">
-                <a14:useLocalDpi xmlns:a14="http://schemas.microsoft.com/office/drawing/2010/main" val="0"/>
-              </a:ext>
-            </a:extLst>
-          </a:blip>
+          <a:blip r:embed="rId2"/>
           <a:stretch>
             <a:fillRect/>
           </a:stretch>
         </p:blipFill>
         <p:spPr>
           <a:xfrm>
-            <a:off x="8166930" y="1470206"/>
-            <a:ext cx="537172" cy="497866"/>
+            <a:off x="1772771" y="1281934"/>
+            <a:ext cx="8646458" cy="4861259"/>
           </a:xfrm>
           <a:prstGeom prst="rect">
             <a:avLst/>
           </a:prstGeom>
         </p:spPr>
       </p:pic>
-      <p:pic>
-        <p:nvPicPr>
-          <p:cNvPr id="10" name="Picture 9"/>
-          <p:cNvPicPr>
-            <a:picLocks noChangeAspect="1"/>
-          </p:cNvPicPr>
-          <p:nvPr/>
-        </p:nvPicPr>
-        <p:blipFill>
-          <a:blip r:embed="rId4">
-            <a:extLst>
-              <a:ext uri="{28A0092B-C50C-407E-A947-70E740481C1C}">
-                <a14:useLocalDpi xmlns:a14="http://schemas.microsoft.com/office/drawing/2010/main" val="0"/>
-              </a:ext>
-            </a:extLst>
-          </a:blip>
-          <a:stretch>
-            <a:fillRect/>
-          </a:stretch>
-        </p:blipFill>
-        <p:spPr>
-          <a:xfrm>
-            <a:off x="5947894" y="3021686"/>
-            <a:ext cx="4820323" cy="1848108"/>
-          </a:xfrm>
-          <a:prstGeom prst="rect">
-            <a:avLst/>
-          </a:prstGeom>
-        </p:spPr>
-      </p:pic>
-      <p:sp>
-        <p:nvSpPr>
-          <p:cNvPr id="11" name="Rectangle 10"/>
-          <p:cNvSpPr/>
-          <p:nvPr/>
-        </p:nvSpPr>
-        <p:spPr>
-          <a:xfrm>
-            <a:off x="5947894" y="2085233"/>
-            <a:ext cx="4716698" cy="995732"/>
-          </a:xfrm>
-          <a:prstGeom prst="rect">
-            <a:avLst/>
-          </a:prstGeom>
-          <a:noFill/>
-          <a:ln>
-            <a:noFill/>
-          </a:ln>
-        </p:spPr>
-        <p:style>
-          <a:lnRef idx="2">
-            <a:schemeClr val="accent6">
-              <a:shade val="50000"/>
-            </a:schemeClr>
-          </a:lnRef>
-          <a:fillRef idx="1">
-            <a:schemeClr val="accent6"/>
-          </a:fillRef>
-          <a:effectRef idx="0">
-            <a:schemeClr val="accent6"/>
-          </a:effectRef>
-          <a:fontRef idx="minor">
-            <a:schemeClr val="lt1"/>
-          </a:fontRef>
-        </p:style>
-        <p:txBody>
-          <a:bodyPr rtlCol="0" anchor="ctr"/>
-          <a:lstStyle/>
-          <a:p>
-            <a:r>
-              <a:rPr lang="en-GB" dirty="0" err="1" smtClean="0">
-                <a:solidFill>
-                  <a:schemeClr val="tx1"/>
-                </a:solidFill>
-              </a:rPr>
-              <a:t>Jika</a:t>
-            </a:r>
-            <a:r>
-              <a:rPr lang="en-GB" dirty="0" smtClean="0">
-                <a:solidFill>
-                  <a:schemeClr val="tx1"/>
-                </a:solidFill>
-              </a:rPr>
-              <a:t> </a:t>
-            </a:r>
-            <a:r>
-              <a:rPr lang="en-GB" dirty="0" err="1" smtClean="0">
-                <a:solidFill>
-                  <a:schemeClr val="tx1"/>
-                </a:solidFill>
-              </a:rPr>
-              <a:t>Diklik</a:t>
-            </a:r>
-            <a:r>
-              <a:rPr lang="en-GB" dirty="0" smtClean="0">
-                <a:solidFill>
-                  <a:schemeClr val="tx1"/>
-                </a:solidFill>
-              </a:rPr>
-              <a:t> </a:t>
-            </a:r>
-            <a:r>
-              <a:rPr lang="en-GB" dirty="0" err="1" smtClean="0">
-                <a:solidFill>
-                  <a:schemeClr val="tx1"/>
-                </a:solidFill>
-              </a:rPr>
-              <a:t>akan</a:t>
-            </a:r>
-            <a:r>
-              <a:rPr lang="en-GB" dirty="0" smtClean="0">
-                <a:solidFill>
-                  <a:schemeClr val="tx1"/>
-                </a:solidFill>
-              </a:rPr>
-              <a:t> </a:t>
-            </a:r>
-            <a:r>
-              <a:rPr lang="en-GB" dirty="0" err="1" smtClean="0">
-                <a:solidFill>
-                  <a:schemeClr val="tx1"/>
-                </a:solidFill>
-              </a:rPr>
-              <a:t>muncul</a:t>
-            </a:r>
-            <a:r>
-              <a:rPr lang="en-GB" dirty="0" smtClean="0">
-                <a:solidFill>
-                  <a:schemeClr val="tx1"/>
-                </a:solidFill>
-              </a:rPr>
-              <a:t> </a:t>
-            </a:r>
-            <a:r>
-              <a:rPr lang="en-GB" dirty="0" err="1" smtClean="0">
-                <a:solidFill>
-                  <a:schemeClr val="tx1"/>
-                </a:solidFill>
-              </a:rPr>
-              <a:t>konfirmasi</a:t>
-            </a:r>
-            <a:r>
-              <a:rPr lang="en-GB" dirty="0" smtClean="0">
-                <a:solidFill>
-                  <a:schemeClr val="tx1"/>
-                </a:solidFill>
-              </a:rPr>
-              <a:t> data </a:t>
-            </a:r>
-            <a:r>
-              <a:rPr lang="en-GB" dirty="0" err="1" smtClean="0">
-                <a:solidFill>
-                  <a:schemeClr val="tx1"/>
-                </a:solidFill>
-              </a:rPr>
-              <a:t>hapus</a:t>
-            </a:r>
-            <a:endParaRPr lang="en-GB" b="1" dirty="0">
-              <a:solidFill>
-                <a:schemeClr val="tx1"/>
-              </a:solidFill>
-            </a:endParaRPr>
-          </a:p>
-        </p:txBody>
-      </p:sp>
     </p:spTree>
     <p:extLst>
       <p:ext uri="{BB962C8B-B14F-4D97-AF65-F5344CB8AC3E}">
-        <p14:creationId xmlns:p14="http://schemas.microsoft.com/office/powerpoint/2010/main" val="2140939017"/>
+        <p14:creationId xmlns:p14="http://schemas.microsoft.com/office/powerpoint/2010/main" val="1117134173"/>
       </p:ext>
     </p:extLst>
   </p:cSld>
   <p:clrMapOvr>
     <a:masterClrMapping/>
   </p:clrMapOvr>
-  <p:timing>
-    <p:tnLst>
-      <p:par>
-        <p:cTn id="1" dur="indefinite" restart="never" nodeType="tmRoot"/>
-      </p:par>
-    </p:tnLst>
-  </p:timing>
 </p:sld>
 </file>
 
 <file path=ppt/theme/theme1.xml><?xml version="1.0" encoding="utf-8"?>
-<a:theme xmlns:a="http://schemas.openxmlformats.org/drawingml/2006/main" name="Office Theme">
+<a:theme xmlns:a="http://schemas.openxmlformats.org/drawingml/2006/main" name="Gallery">
   <a:themeElements>
-    <a:clrScheme name="Office">
+    <a:clrScheme name="Gallery">
       <a:dk1>
         <a:sysClr val="windowText" lastClr="000000"/>
       </a:dk1>
@@ -7210,39 +7899,39 @@
         <a:sysClr val="window" lastClr="FFFFFF"/>
       </a:lt1>
       <a:dk2>
-        <a:srgbClr val="44546A"/>
+        <a:srgbClr val="454545"/>
       </a:dk2>
       <a:lt2>
-        <a:srgbClr val="E7E6E6"/>
+        <a:srgbClr val="DCDCE0"/>
       </a:lt2>
       <a:accent1>
-        <a:srgbClr val="5B9BD5"/>
+        <a:srgbClr val="415588"/>
       </a:accent1>
       <a:accent2>
-        <a:srgbClr val="ED7D31"/>
+        <a:srgbClr val="4294B6"/>
       </a:accent2>
       <a:accent3>
-        <a:srgbClr val="A5A5A5"/>
+        <a:srgbClr val="087D7C"/>
       </a:accent3>
       <a:accent4>
-        <a:srgbClr val="FFC000"/>
+        <a:srgbClr val="2CB663"/>
       </a:accent4>
       <a:accent5>
-        <a:srgbClr val="4472C4"/>
+        <a:srgbClr val="DF8822"/>
       </a:accent5>
       <a:accent6>
-        <a:srgbClr val="70AD47"/>
+        <a:srgbClr val="BC410A"/>
       </a:accent6>
       <a:hlink>
-        <a:srgbClr val="0563C1"/>
+        <a:srgbClr val="5977C4"/>
       </a:hlink>
       <a:folHlink>
-        <a:srgbClr val="954F72"/>
+        <a:srgbClr val="A1A9BF"/>
       </a:folHlink>
     </a:clrScheme>
-    <a:fontScheme name="Office">
+    <a:fontScheme name="Gallery">
       <a:majorFont>
-        <a:latin typeface="Calibri Light" panose="020F0302020204030204"/>
+        <a:latin typeface="Century Gothic" panose="020B0502020202020204"/>
         <a:ea typeface=""/>
         <a:cs typeface=""/>
         <a:font script="Jpan" typeface="游ゴシック Light"/>
@@ -7277,7 +7966,7 @@
         <a:font script="Geor" typeface="Sylfaen"/>
       </a:majorFont>
       <a:minorFont>
-        <a:latin typeface="Calibri" panose="020F0502020204030204"/>
+        <a:latin typeface="Century Gothic" panose="020B0502020202020204"/>
         <a:ea typeface=""/>
         <a:cs typeface=""/>
         <a:font script="Jpan" typeface="游ゴシック"/>
@@ -7312,7 +8001,7 @@
         <a:font script="Geor" typeface="Sylfaen"/>
       </a:minorFont>
     </a:fontScheme>
-    <a:fmtScheme name="Office">
+    <a:fmtScheme name="Gallery">
       <a:fillStyleLst>
         <a:solidFill>
           <a:schemeClr val="phClr"/>
@@ -7321,23 +8010,18 @@
           <a:gsLst>
             <a:gs pos="0">
               <a:schemeClr val="phClr">
+                <a:tint val="54000"/>
+                <a:alpha val="100000"/>
+                <a:satMod val="105000"/>
                 <a:lumMod val="110000"/>
-                <a:satMod val="105000"/>
-                <a:tint val="67000"/>
-              </a:schemeClr>
-            </a:gs>
-            <a:gs pos="50000">
-              <a:schemeClr val="phClr">
-                <a:lumMod val="105000"/>
-                <a:satMod val="103000"/>
-                <a:tint val="73000"/>
               </a:schemeClr>
             </a:gs>
             <a:gs pos="100000">
               <a:schemeClr val="phClr">
-                <a:lumMod val="105000"/>
+                <a:tint val="78000"/>
+                <a:alpha val="92000"/>
                 <a:satMod val="109000"/>
-                <a:tint val="81000"/>
+                <a:lumMod val="100000"/>
               </a:schemeClr>
             </a:gs>
           </a:gsLst>
@@ -7347,23 +8031,23 @@
           <a:gsLst>
             <a:gs pos="0">
               <a:schemeClr val="phClr">
-                <a:satMod val="103000"/>
-                <a:lumMod val="102000"/>
-                <a:tint val="94000"/>
+                <a:tint val="98000"/>
+                <a:satMod val="110000"/>
+                <a:lumMod val="104000"/>
               </a:schemeClr>
             </a:gs>
-            <a:gs pos="50000">
+            <a:gs pos="69000">
               <a:schemeClr val="phClr">
-                <a:satMod val="110000"/>
-                <a:lumMod val="100000"/>
-                <a:shade val="100000"/>
+                <a:shade val="88000"/>
+                <a:satMod val="130000"/>
+                <a:lumMod val="92000"/>
               </a:schemeClr>
             </a:gs>
             <a:gs pos="100000">
               <a:schemeClr val="phClr">
-                <a:lumMod val="99000"/>
-                <a:satMod val="120000"/>
                 <a:shade val="78000"/>
+                <a:satMod val="130000"/>
+                <a:lumMod val="92000"/>
               </a:schemeClr>
             </a:gs>
           </a:gsLst>
@@ -7371,26 +8055,23 @@
         </a:gradFill>
       </a:fillStyleLst>
       <a:lnStyleLst>
-        <a:ln w="6350" cap="flat" cmpd="sng" algn="ctr">
+        <a:ln w="9525" cap="flat" cmpd="sng" algn="ctr">
           <a:solidFill>
             <a:schemeClr val="phClr"/>
           </a:solidFill>
           <a:prstDash val="solid"/>
-          <a:miter lim="800000"/>
         </a:ln>
-        <a:ln w="12700" cap="flat" cmpd="sng" algn="ctr">
+        <a:ln w="15875" cap="flat" cmpd="sng" algn="ctr">
           <a:solidFill>
             <a:schemeClr val="phClr"/>
           </a:solidFill>
           <a:prstDash val="solid"/>
-          <a:miter lim="800000"/>
         </a:ln>
-        <a:ln w="19050" cap="flat" cmpd="sng" algn="ctr">
+        <a:ln w="22225" cap="flat" cmpd="sng" algn="ctr">
           <a:solidFill>
             <a:schemeClr val="phClr"/>
           </a:solidFill>
           <a:prstDash val="solid"/>
-          <a:miter lim="800000"/>
         </a:ln>
       </a:lnStyleLst>
       <a:effectStyleLst>
@@ -7402,12 +8083,23 @@
         </a:effectStyle>
         <a:effectStyle>
           <a:effectLst>
-            <a:outerShdw blurRad="57150" dist="19050" dir="5400000" algn="ctr" rotWithShape="0">
+            <a:outerShdw blurRad="50800" dist="50800" dir="5400000" sx="96000" sy="96000" rotWithShape="0">
               <a:srgbClr val="000000">
-                <a:alpha val="63000"/>
+                <a:alpha val="48000"/>
               </a:srgbClr>
             </a:outerShdw>
           </a:effectLst>
+          <a:scene3d>
+            <a:camera prst="orthographicFront">
+              <a:rot lat="0" lon="0" rev="0"/>
+            </a:camera>
+            <a:lightRig rig="balanced" dir="t">
+              <a:rot lat="0" lon="0" rev="1080000"/>
+            </a:lightRig>
+          </a:scene3d>
+          <a:sp3d>
+            <a:bevelT w="38100" h="12700" prst="softRound"/>
+          </a:sp3d>
         </a:effectStyle>
       </a:effectStyleLst>
       <a:bgFillStyleLst>
@@ -7415,37 +8107,27 @@
           <a:schemeClr val="phClr"/>
         </a:solidFill>
         <a:solidFill>
-          <a:schemeClr val="phClr">
-            <a:tint val="95000"/>
-            <a:satMod val="170000"/>
-          </a:schemeClr>
+          <a:schemeClr val="phClr"/>
         </a:solidFill>
         <a:gradFill rotWithShape="1">
           <a:gsLst>
             <a:gs pos="0">
               <a:schemeClr val="phClr">
-                <a:tint val="93000"/>
-                <a:satMod val="150000"/>
-                <a:shade val="98000"/>
-                <a:lumMod val="102000"/>
-              </a:schemeClr>
-            </a:gs>
-            <a:gs pos="50000">
-              <a:schemeClr val="phClr">
-                <a:tint val="98000"/>
-                <a:satMod val="130000"/>
-                <a:shade val="90000"/>
-                <a:lumMod val="103000"/>
+                <a:tint val="94000"/>
+                <a:satMod val="80000"/>
+                <a:lumMod val="106000"/>
               </a:schemeClr>
             </a:gs>
             <a:gs pos="100000">
               <a:schemeClr val="phClr">
-                <a:shade val="63000"/>
-                <a:satMod val="120000"/>
+                <a:shade val="80000"/>
+                <a:lumMod val="108000"/>
               </a:schemeClr>
             </a:gs>
           </a:gsLst>
-          <a:lin ang="5400000" scaled="0"/>
+          <a:path path="circle">
+            <a:fillToRect l="43000" r="43000" b="100000"/>
+          </a:path>
         </a:gradFill>
       </a:bgFillStyleLst>
     </a:fmtScheme>
@@ -7454,7 +8136,7 @@
   <a:extraClrSchemeLst/>
   <a:extLst>
     <a:ext uri="{05A4C25C-085E-4340-85A3-A5531E510DB2}">
-      <thm15:themeFamily xmlns:thm15="http://schemas.microsoft.com/office/thememl/2012/main" name="Office Theme" id="{62F939B6-93AF-4DB8-9C6B-D6C7DFDC589F}" vid="{4A3C46E8-61CC-4603-A589-7422A47A8E4A}"/>
+      <thm15:themeFamily xmlns:thm15="http://schemas.microsoft.com/office/thememl/2012/main" name="Gallery" id="{BBFCD31E-59A1-489D-B089-A3EAD7CAE12E}" vid="{E050AC27-895F-4B90-991D-A6818FC89AB6}"/>
     </a:ext>
   </a:extLst>
 </a:theme>
